--- a/slides/chapter1_getting_started.pptx
+++ b/slides/chapter1_getting_started.pptx
@@ -5,7 +5,7 @@
     <p:sldMasterId id="2147483660" r:id="rId1"/>
   </p:sldMasterIdLst>
   <p:notesMasterIdLst>
-    <p:notesMasterId r:id="rId51"/>
+    <p:notesMasterId r:id="rId50"/>
   </p:notesMasterIdLst>
   <p:sldIdLst>
     <p:sldId id="256" r:id="rId2"/>
@@ -23,40 +23,39 @@
     <p:sldId id="257" r:id="rId14"/>
     <p:sldId id="258" r:id="rId15"/>
     <p:sldId id="285" r:id="rId16"/>
-    <p:sldId id="259" r:id="rId17"/>
-    <p:sldId id="260" r:id="rId18"/>
-    <p:sldId id="261" r:id="rId19"/>
-    <p:sldId id="262" r:id="rId20"/>
-    <p:sldId id="263" r:id="rId21"/>
-    <p:sldId id="264" r:id="rId22"/>
-    <p:sldId id="266" r:id="rId23"/>
-    <p:sldId id="265" r:id="rId24"/>
-    <p:sldId id="287" r:id="rId25"/>
-    <p:sldId id="288" r:id="rId26"/>
-    <p:sldId id="298" r:id="rId27"/>
-    <p:sldId id="299" r:id="rId28"/>
-    <p:sldId id="267" r:id="rId29"/>
-    <p:sldId id="270" r:id="rId30"/>
-    <p:sldId id="300" r:id="rId31"/>
-    <p:sldId id="292" r:id="rId32"/>
-    <p:sldId id="293" r:id="rId33"/>
-    <p:sldId id="294" r:id="rId34"/>
-    <p:sldId id="291" r:id="rId35"/>
-    <p:sldId id="301" r:id="rId36"/>
-    <p:sldId id="302" r:id="rId37"/>
-    <p:sldId id="306" r:id="rId38"/>
-    <p:sldId id="308" r:id="rId39"/>
-    <p:sldId id="309" r:id="rId40"/>
-    <p:sldId id="312" r:id="rId41"/>
-    <p:sldId id="313" r:id="rId42"/>
-    <p:sldId id="314" r:id="rId43"/>
-    <p:sldId id="310" r:id="rId44"/>
-    <p:sldId id="311" r:id="rId45"/>
-    <p:sldId id="303" r:id="rId46"/>
-    <p:sldId id="304" r:id="rId47"/>
-    <p:sldId id="296" r:id="rId48"/>
-    <p:sldId id="297" r:id="rId49"/>
-    <p:sldId id="269" r:id="rId50"/>
+    <p:sldId id="260" r:id="rId17"/>
+    <p:sldId id="261" r:id="rId18"/>
+    <p:sldId id="262" r:id="rId19"/>
+    <p:sldId id="263" r:id="rId20"/>
+    <p:sldId id="264" r:id="rId21"/>
+    <p:sldId id="266" r:id="rId22"/>
+    <p:sldId id="265" r:id="rId23"/>
+    <p:sldId id="287" r:id="rId24"/>
+    <p:sldId id="288" r:id="rId25"/>
+    <p:sldId id="298" r:id="rId26"/>
+    <p:sldId id="299" r:id="rId27"/>
+    <p:sldId id="267" r:id="rId28"/>
+    <p:sldId id="270" r:id="rId29"/>
+    <p:sldId id="300" r:id="rId30"/>
+    <p:sldId id="292" r:id="rId31"/>
+    <p:sldId id="293" r:id="rId32"/>
+    <p:sldId id="294" r:id="rId33"/>
+    <p:sldId id="291" r:id="rId34"/>
+    <p:sldId id="301" r:id="rId35"/>
+    <p:sldId id="302" r:id="rId36"/>
+    <p:sldId id="306" r:id="rId37"/>
+    <p:sldId id="308" r:id="rId38"/>
+    <p:sldId id="309" r:id="rId39"/>
+    <p:sldId id="312" r:id="rId40"/>
+    <p:sldId id="313" r:id="rId41"/>
+    <p:sldId id="314" r:id="rId42"/>
+    <p:sldId id="310" r:id="rId43"/>
+    <p:sldId id="311" r:id="rId44"/>
+    <p:sldId id="303" r:id="rId45"/>
+    <p:sldId id="304" r:id="rId46"/>
+    <p:sldId id="296" r:id="rId47"/>
+    <p:sldId id="297" r:id="rId48"/>
+    <p:sldId id="269" r:id="rId49"/>
   </p:sldIdLst>
   <p:sldSz cx="9144000" cy="6858000" type="screen4x3"/>
   <p:notesSz cx="7099300" cy="10234613"/>
@@ -245,7 +244,7 @@
           <a:p>
             <a:fld id="{8A6B91D2-9E79-412C-A7F0-44859A33EAAA}" type="datetimeFigureOut">
               <a:rPr lang="en-US" smtClean="0"/>
-              <a:t>11/16/2014</a:t>
+              <a:t>11/17/2014</a:t>
             </a:fld>
             <a:endParaRPr lang="en-US"/>
           </a:p>
@@ -798,7 +797,7 @@
           <a:p>
             <a:fld id="{AD3B9B2E-78D5-485D-A6F0-B187A4DDDF47}" type="datetime1">
               <a:rPr lang="en-US" smtClean="0"/>
-              <a:t>11/16/2014</a:t>
+              <a:t>11/17/2014</a:t>
             </a:fld>
             <a:endParaRPr lang="en-US"/>
           </a:p>
@@ -937,7 +936,7 @@
           <a:p>
             <a:fld id="{D5A17E2C-6156-456C-A622-3A32F4BE83F2}" type="datetime1">
               <a:rPr lang="en-US" smtClean="0"/>
-              <a:t>11/16/2014</a:t>
+              <a:t>11/17/2014</a:t>
             </a:fld>
             <a:endParaRPr lang="en-US"/>
           </a:p>
@@ -1053,7 +1052,7 @@
           <a:p>
             <a:fld id="{0B713CFA-AFAD-4538-AA5D-CFB423E6D282}" type="datetime1">
               <a:rPr lang="en-US" smtClean="0"/>
-              <a:t>11/16/2014</a:t>
+              <a:t>11/17/2014</a:t>
             </a:fld>
             <a:endParaRPr lang="en-US"/>
           </a:p>
@@ -1351,7 +1350,7 @@
           <a:p>
             <a:fld id="{AD41C741-CF18-4F4B-A360-E0CC354E7B30}" type="datetime1">
               <a:rPr lang="en-US" smtClean="0"/>
-              <a:t>11/16/2014</a:t>
+              <a:t>11/17/2014</a:t>
             </a:fld>
             <a:endParaRPr lang="en-US"/>
           </a:p>
@@ -1629,7 +1628,7 @@
           <a:p>
             <a:fld id="{F291C3E4-1B80-4765-A130-AB5527270AB1}" type="datetime1">
               <a:rPr lang="en-US" smtClean="0"/>
-              <a:t>11/16/2014</a:t>
+              <a:t>11/17/2014</a:t>
             </a:fld>
             <a:endParaRPr lang="en-US"/>
           </a:p>
@@ -1820,7 +1819,7 @@
           <a:p>
             <a:fld id="{FD262526-7610-4673-941F-CC74A1538ACF}" type="datetime1">
               <a:rPr lang="en-US" smtClean="0"/>
-              <a:t>11/16/2014</a:t>
+              <a:t>11/17/2014</a:t>
             </a:fld>
             <a:endParaRPr lang="en-US"/>
           </a:p>
@@ -2021,7 +2020,7 @@
           <a:p>
             <a:fld id="{118EEA14-5288-4929-8EB4-C2AFA9E01B25}" type="datetime1">
               <a:rPr lang="en-US" smtClean="0"/>
-              <a:t>11/16/2014</a:t>
+              <a:t>11/17/2014</a:t>
             </a:fld>
             <a:endParaRPr lang="en-US"/>
           </a:p>
@@ -2284,7 +2283,7 @@
           <a:p>
             <a:fld id="{29FE0FD4-9793-40E5-9CE1-4FFB9A5AFE1A}" type="datetime1">
               <a:rPr lang="en-US" smtClean="0"/>
-              <a:t>11/16/2014</a:t>
+              <a:t>11/17/2014</a:t>
             </a:fld>
             <a:endParaRPr lang="en-US"/>
           </a:p>
@@ -2475,7 +2474,7 @@
           <a:p>
             <a:fld id="{83E5DE47-8504-4660-8E21-48372A496086}" type="datetime1">
               <a:rPr lang="en-US" smtClean="0"/>
-              <a:t>11/16/2014</a:t>
+              <a:t>11/17/2014</a:t>
             </a:fld>
             <a:endParaRPr lang="en-US"/>
           </a:p>
@@ -2671,7 +2670,7 @@
           <a:p>
             <a:fld id="{233900AF-2196-49C2-B5FC-E504BFCFB518}" type="datetime1">
               <a:rPr lang="en-US" smtClean="0"/>
-              <a:t>11/16/2014</a:t>
+              <a:t>11/17/2014</a:t>
             </a:fld>
             <a:endParaRPr lang="en-US"/>
           </a:p>
@@ -2870,7 +2869,7 @@
           <a:p>
             <a:fld id="{455681A4-5ABE-4049-9281-FE6E3D21EF02}" type="datetime1">
               <a:rPr lang="en-US" smtClean="0"/>
-              <a:t>11/16/2014</a:t>
+              <a:t>11/17/2014</a:t>
             </a:fld>
             <a:endParaRPr lang="en-US"/>
           </a:p>
@@ -3061,7 +3060,7 @@
           <a:p>
             <a:fld id="{B7B6247C-1EF3-4169-97A3-32185EC46D20}" type="datetime1">
               <a:rPr lang="en-US" smtClean="0"/>
-              <a:t>11/16/2014</a:t>
+              <a:t>11/17/2014</a:t>
             </a:fld>
             <a:endParaRPr lang="en-US"/>
           </a:p>
@@ -3328,7 +3327,7 @@
           <a:p>
             <a:fld id="{4E4B7045-2F04-44F0-9495-EEEA140602D0}" type="datetime1">
               <a:rPr lang="en-US" smtClean="0"/>
-              <a:t>11/16/2014</a:t>
+              <a:t>11/17/2014</a:t>
             </a:fld>
             <a:endParaRPr lang="en-US"/>
           </a:p>
@@ -3637,7 +3636,7 @@
           <a:p>
             <a:fld id="{025C49C4-57A2-40B7-AA30-3457BC3A22F5}" type="datetime1">
               <a:rPr lang="en-US" smtClean="0"/>
-              <a:t>11/16/2014</a:t>
+              <a:t>11/17/2014</a:t>
             </a:fld>
             <a:endParaRPr lang="en-US"/>
           </a:p>
@@ -4080,7 +4079,7 @@
           <a:p>
             <a:fld id="{407A2FC3-E45B-4C79-8CE1-D6DB915489A4}" type="datetime1">
               <a:rPr lang="en-US" smtClean="0"/>
-              <a:t>11/16/2014</a:t>
+              <a:t>11/17/2014</a:t>
             </a:fld>
             <a:endParaRPr lang="en-US"/>
           </a:p>
@@ -4337,7 +4336,7 @@
           <a:p>
             <a:fld id="{61D173F4-E9B7-486B-A3A2-20A25FAC6DA9}" type="datetime1">
               <a:rPr lang="en-US" smtClean="0"/>
-              <a:t>11/16/2014</a:t>
+              <a:t>11/17/2014</a:t>
             </a:fld>
             <a:endParaRPr lang="en-US"/>
           </a:p>
@@ -5330,7 +5329,6 @@
               <a:rPr lang="en-US" dirty="0"/>
               <a:t>Chapter 1 – Getting Started with Android Programming</a:t>
             </a:r>
-            <a:endParaRPr lang="en-US" dirty="0"/>
           </a:p>
         </p:txBody>
       </p:sp>
@@ -5855,7 +5853,11 @@
             <a:pPr lvl="1"/>
             <a:r>
               <a:rPr lang="en-US" dirty="0" smtClean="0"/>
-              <a:t>SQLite library provides database support so that applications can use it for data storage</a:t>
+              <a:t>SQLite </a:t>
+            </a:r>
+            <a:r>
+              <a:rPr lang="en-US" dirty="0" smtClean="0"/>
+              <a:t>library provides database support so that applications can use it for data storage</a:t>
             </a:r>
           </a:p>
           <a:p>
@@ -5866,7 +5868,80 @@
             </a:r>
             <a:r>
               <a:rPr lang="en-US" dirty="0" smtClean="0"/>
-              <a:t> library provides functionalities for web browsing</a:t>
+              <a:t> library provides functionalities for web </a:t>
+            </a:r>
+            <a:r>
+              <a:rPr lang="en-US" dirty="0" smtClean="0"/>
+              <a:t>browsing</a:t>
+            </a:r>
+          </a:p>
+          <a:p>
+            <a:pPr lvl="1"/>
+            <a:r>
+              <a:rPr lang="en-US" dirty="0" err="1"/>
+              <a:t>Libc</a:t>
+            </a:r>
+            <a:r>
+              <a:rPr lang="en-US" dirty="0"/>
+              <a:t>: c standard lib.</a:t>
+            </a:r>
+          </a:p>
+          <a:p>
+            <a:pPr lvl="1"/>
+            <a:r>
+              <a:rPr lang="en-US" dirty="0"/>
+              <a:t>SSL: Secure Socket Layer</a:t>
+            </a:r>
+          </a:p>
+          <a:p>
+            <a:pPr lvl="1"/>
+            <a:r>
+              <a:rPr lang="en-US" dirty="0"/>
+              <a:t>SGL: 2D image engine</a:t>
+            </a:r>
+          </a:p>
+          <a:p>
+            <a:pPr lvl="1"/>
+            <a:r>
+              <a:rPr lang="en-US" dirty="0" err="1"/>
+              <a:t>OpenGL|ES</a:t>
+            </a:r>
+            <a:r>
+              <a:rPr lang="en-US" dirty="0"/>
+              <a:t>: 3D image engine</a:t>
+            </a:r>
+          </a:p>
+          <a:p>
+            <a:pPr lvl="1"/>
+            <a:r>
+              <a:rPr lang="en-US" dirty="0"/>
+              <a:t>Media Framework:  media codecs</a:t>
+            </a:r>
+          </a:p>
+          <a:p>
+            <a:pPr lvl="1"/>
+            <a:r>
+              <a:rPr lang="en-US" dirty="0" err="1"/>
+              <a:t>FreeType</a:t>
+            </a:r>
+            <a:r>
+              <a:rPr lang="en-US" dirty="0"/>
+              <a:t>: Bitmap and Vector</a:t>
+            </a:r>
+          </a:p>
+          <a:p>
+            <a:pPr lvl="1"/>
+            <a:r>
+              <a:rPr lang="en-US" dirty="0" err="1"/>
+              <a:t>SurfaceManager</a:t>
+            </a:r>
+            <a:r>
+              <a:rPr lang="en-US" dirty="0"/>
+              <a:t>: Compose window manager with off-screen </a:t>
+            </a:r>
+            <a:r>
+              <a:rPr lang="en-US" dirty="0" smtClean="0"/>
+              <a:t>buffering</a:t>
             </a:r>
             <a:endParaRPr lang="en-US" dirty="0"/>
           </a:p>
@@ -5891,8 +5966,8 @@
         </p:blipFill>
         <p:spPr bwMode="auto">
           <a:xfrm>
-            <a:off x="2434975" y="3863183"/>
-            <a:ext cx="3955551" cy="1921267"/>
+            <a:off x="5615872" y="3377660"/>
+            <a:ext cx="3315553" cy="1542297"/>
           </a:xfrm>
           <a:prstGeom prst="rect">
             <a:avLst/>
@@ -5980,7 +6055,7 @@
           <a:p>
             <a:r>
               <a:rPr lang="en-US" dirty="0" smtClean="0"/>
-              <a:t>Libraries</a:t>
+              <a:t>Android Runtime</a:t>
             </a:r>
             <a:endParaRPr lang="en-US" dirty="0"/>
           </a:p>
@@ -5998,74 +6073,164 @@
         </p:nvSpPr>
         <p:spPr/>
         <p:txBody>
-          <a:bodyPr/>
-          <a:lstStyle/>
-          <a:p>
-            <a:r>
-              <a:rPr lang="en-US" dirty="0" err="1" smtClean="0"/>
-              <a:t>Libc</a:t>
-            </a:r>
-            <a:r>
-              <a:rPr lang="en-US" dirty="0"/>
-              <a:t>: c standard lib.</a:t>
-            </a:r>
-          </a:p>
-          <a:p>
-            <a:r>
-              <a:rPr lang="en-US" dirty="0"/>
-              <a:t>SSL: Secure Socket Layer</a:t>
-            </a:r>
-          </a:p>
-          <a:p>
-            <a:r>
-              <a:rPr lang="en-US" dirty="0"/>
-              <a:t>SGL: 2D image engine</a:t>
-            </a:r>
+          <a:bodyPr>
+            <a:normAutofit fontScale="92500" lnSpcReduction="20000"/>
+          </a:bodyPr>
+          <a:lstStyle/>
+          <a:p>
+            <a:r>
+              <a:rPr lang="en-US" dirty="0"/>
+              <a:t>Core Libraries</a:t>
+            </a:r>
+          </a:p>
+          <a:p>
+            <a:pPr lvl="1"/>
+            <a:r>
+              <a:rPr lang="en-US" dirty="0"/>
+              <a:t>Provides the functionality of the JAVA Programming Language</a:t>
+            </a:r>
+          </a:p>
+          <a:p>
+            <a:endParaRPr lang="en-US" dirty="0"/>
           </a:p>
           <a:p>
             <a:r>
               <a:rPr lang="en-US" dirty="0" err="1"/>
-              <a:t>OpenGL|ES</a:t>
-            </a:r>
-            <a:r>
-              <a:rPr lang="en-US" dirty="0"/>
-              <a:t>: 3D image engine</a:t>
-            </a:r>
-          </a:p>
-          <a:p>
-            <a:r>
-              <a:rPr lang="en-US" dirty="0"/>
-              <a:t>Media Framework:  media </a:t>
-            </a:r>
-            <a:r>
-              <a:rPr lang="en-US" dirty="0" smtClean="0"/>
-              <a:t>codecs</a:t>
-            </a:r>
-          </a:p>
-          <a:p>
-            <a:r>
-              <a:rPr lang="en-US" dirty="0" err="1" smtClean="0"/>
-              <a:t>FreeType</a:t>
-            </a:r>
-            <a:r>
-              <a:rPr lang="en-US" dirty="0"/>
-              <a:t>: Bitmap and Vector</a:t>
-            </a:r>
-          </a:p>
-          <a:p>
-            <a:r>
-              <a:rPr lang="en-US" dirty="0" err="1" smtClean="0"/>
-              <a:t>SurfaceManager</a:t>
-            </a:r>
-            <a:r>
-              <a:rPr lang="en-US" dirty="0"/>
-              <a:t>: Compose window manager with off-screen </a:t>
-            </a:r>
-            <a:r>
-              <a:rPr lang="en-US" dirty="0" smtClean="0"/>
-              <a:t>buffering</a:t>
+              <a:t>Dalvik</a:t>
+            </a:r>
+            <a:r>
+              <a:rPr lang="en-US" dirty="0"/>
+              <a:t> VM</a:t>
+            </a:r>
+          </a:p>
+          <a:p>
+            <a:pPr lvl="1"/>
+            <a:r>
+              <a:rPr lang="en-US" dirty="0"/>
+              <a:t>A type of Java Virtual Machine</a:t>
+            </a:r>
+          </a:p>
+          <a:p>
+            <a:pPr lvl="1"/>
+            <a:r>
+              <a:rPr lang="en-US" dirty="0"/>
+              <a:t>Register based (not  stack machine like JVM)</a:t>
+            </a:r>
+          </a:p>
+          <a:p>
+            <a:pPr lvl="1"/>
+            <a:r>
+              <a:rPr lang="en-US" dirty="0"/>
+              <a:t>Optimization for low memory requirements</a:t>
+            </a:r>
+          </a:p>
+          <a:p>
+            <a:pPr lvl="1"/>
+            <a:r>
+              <a:rPr lang="en-US" dirty="0"/>
+              <a:t>Executes .</a:t>
+            </a:r>
+            <a:r>
+              <a:rPr lang="en-US" dirty="0" err="1"/>
+              <a:t>dex</a:t>
+            </a:r>
+            <a:r>
+              <a:rPr lang="en-US" dirty="0"/>
+              <a:t> (</a:t>
+            </a:r>
+            <a:r>
+              <a:rPr lang="en-US" dirty="0" err="1"/>
+              <a:t>Dalvik</a:t>
+            </a:r>
+            <a:r>
+              <a:rPr lang="en-US" dirty="0"/>
+              <a:t>-Executable) files instead of .</a:t>
+            </a:r>
+            <a:r>
+              <a:rPr lang="en-US" dirty="0" smtClean="0"/>
+              <a:t>class</a:t>
+            </a:r>
+          </a:p>
+          <a:p>
+            <a:pPr lvl="2"/>
+            <a:r>
+              <a:rPr lang="en-US" dirty="0"/>
+              <a:t>Android application (APK) files contain executable </a:t>
+            </a:r>
+            <a:r>
+              <a:rPr lang="en-US" dirty="0" err="1"/>
+              <a:t>bytecode</a:t>
+            </a:r>
+            <a:r>
+              <a:rPr lang="en-US" dirty="0"/>
+              <a:t> files in the form of </a:t>
+            </a:r>
+            <a:r>
+              <a:rPr lang="en-US" dirty="0" err="1"/>
+              <a:t>Dalvik</a:t>
+            </a:r>
+            <a:r>
+              <a:rPr lang="en-US" dirty="0"/>
+              <a:t> Executable (DEX) files, which contain the compiled code used to run your app.</a:t>
             </a:r>
             <a:endParaRPr lang="en-US" dirty="0"/>
+          </a:p>
+          <a:p>
+            <a:pPr lvl="1"/>
+            <a:r>
+              <a:rPr lang="en-US" dirty="0"/>
+              <a:t>DX tool converts classes to .</a:t>
+            </a:r>
+            <a:r>
+              <a:rPr lang="en-US" dirty="0" err="1"/>
+              <a:t>dex</a:t>
+            </a:r>
+            <a:r>
+              <a:rPr lang="en-US" dirty="0"/>
+              <a:t> </a:t>
+            </a:r>
+            <a:r>
+              <a:rPr lang="en-US" dirty="0" smtClean="0"/>
+              <a:t>format</a:t>
+            </a:r>
+          </a:p>
+          <a:p>
+            <a:endParaRPr lang="en-US" dirty="0"/>
+          </a:p>
+          <a:p>
+            <a:r>
+              <a:rPr lang="en-US" dirty="0"/>
+              <a:t>Each Android application:</a:t>
+            </a:r>
+          </a:p>
+          <a:p>
+            <a:pPr lvl="1"/>
+            <a:r>
+              <a:rPr lang="en-US" dirty="0"/>
+              <a:t>runs on its own Process</a:t>
+            </a:r>
+          </a:p>
+          <a:p>
+            <a:pPr lvl="1"/>
+            <a:r>
+              <a:rPr lang="en-US" dirty="0"/>
+              <a:t>runs on its own Instance of </a:t>
+            </a:r>
+            <a:r>
+              <a:rPr lang="en-US" dirty="0" err="1"/>
+              <a:t>Dalvik</a:t>
+            </a:r>
+            <a:r>
+              <a:rPr lang="en-US" dirty="0"/>
+              <a:t> VM</a:t>
+            </a:r>
+          </a:p>
+          <a:p>
+            <a:pPr lvl="1"/>
+            <a:r>
+              <a:rPr lang="en-US" dirty="0"/>
+              <a:t>is assigned its own Linux user ID</a:t>
+            </a:r>
           </a:p>
         </p:txBody>
       </p:sp>
@@ -6083,13 +6248,13 @@
               </a:ext>
             </a:extLst>
           </a:blip>
-          <a:srcRect l="1371" t="41805" r="40135" b="26664"/>
+          <a:srcRect l="62285" t="41629" r="2846" b="34547"/>
           <a:stretch/>
         </p:blipFill>
         <p:spPr bwMode="auto">
           <a:xfrm>
-            <a:off x="2188397" y="4366517"/>
-            <a:ext cx="4078840" cy="1839073"/>
+            <a:off x="5981043" y="4808307"/>
+            <a:ext cx="2998570" cy="1664512"/>
           </a:xfrm>
           <a:prstGeom prst="rect">
             <a:avLst/>
@@ -6126,7 +6291,7 @@
     </p:spTree>
     <p:extLst>
       <p:ext uri="{BB962C8B-B14F-4D97-AF65-F5344CB8AC3E}">
-        <p14:creationId xmlns:p14="http://schemas.microsoft.com/office/powerpoint/2010/main" val="898567101"/>
+        <p14:creationId xmlns:p14="http://schemas.microsoft.com/office/powerpoint/2010/main" val="29392033"/>
       </p:ext>
     </p:extLst>
   </p:cSld>
@@ -6177,7 +6342,7 @@
           <a:p>
             <a:r>
               <a:rPr lang="en-US" dirty="0" smtClean="0"/>
-              <a:t>Android Runtime</a:t>
+              <a:t>Application Framework</a:t>
             </a:r>
             <a:endParaRPr lang="en-US" dirty="0"/>
           </a:p>
@@ -6195,136 +6360,131 @@
         </p:nvSpPr>
         <p:spPr/>
         <p:txBody>
-          <a:bodyPr>
-            <a:normAutofit lnSpcReduction="10000"/>
-          </a:bodyPr>
-          <a:lstStyle/>
-          <a:p>
-            <a:r>
-              <a:rPr lang="en-US" dirty="0"/>
-              <a:t>Core Libraries</a:t>
+          <a:bodyPr/>
+          <a:lstStyle/>
+          <a:p>
+            <a:r>
+              <a:rPr lang="en-US" dirty="0" smtClean="0"/>
+              <a:t>Exposes the various capabilities of the Android OS to application developers so they can be used in their apps</a:t>
+            </a:r>
+            <a:endParaRPr lang="en-US" dirty="0"/>
+          </a:p>
+          <a:p>
+            <a:endParaRPr lang="en-US" dirty="0"/>
+          </a:p>
+          <a:p>
+            <a:r>
+              <a:rPr lang="en-US" dirty="0"/>
+              <a:t>Important blocks:</a:t>
             </a:r>
           </a:p>
           <a:p>
             <a:pPr lvl="1"/>
             <a:r>
-              <a:rPr lang="en-US" dirty="0"/>
-              <a:t>Provides the functionality of the JAVA Programming Language</a:t>
-            </a:r>
-          </a:p>
-          <a:p>
-            <a:endParaRPr lang="en-US" dirty="0"/>
-          </a:p>
-          <a:p>
-            <a:r>
-              <a:rPr lang="en-US" dirty="0" err="1"/>
-              <a:t>Dalvik</a:t>
-            </a:r>
-            <a:r>
-              <a:rPr lang="en-US" dirty="0"/>
-              <a:t> VM</a:t>
+              <a:rPr lang="en-US" b="1" dirty="0"/>
+              <a:t>Activity Manager: </a:t>
+            </a:r>
+            <a:r>
+              <a:rPr lang="en-US" dirty="0"/>
+              <a:t>Manages the activity life cycle of applications</a:t>
             </a:r>
           </a:p>
           <a:p>
             <a:pPr lvl="1"/>
             <a:r>
-              <a:rPr lang="en-US" dirty="0"/>
-              <a:t>A type of Java Virtual Machine</a:t>
+              <a:rPr lang="en-US" b="1" dirty="0"/>
+              <a:t>Content Providers: </a:t>
+            </a:r>
+            <a:r>
+              <a:rPr lang="en-US" dirty="0"/>
+              <a:t>Manage the data sharing between applications</a:t>
             </a:r>
           </a:p>
           <a:p>
             <a:pPr lvl="1"/>
             <a:r>
-              <a:rPr lang="en-US" dirty="0"/>
-              <a:t>Register based (not  stack machine like JVM)</a:t>
+              <a:rPr lang="en-US" b="1" dirty="0"/>
+              <a:t>Telephony Manager: </a:t>
+            </a:r>
+            <a:r>
+              <a:rPr lang="en-US" dirty="0"/>
+              <a:t>Manages all voice calls. We use telephony manager if we want to access voice calls in our application.</a:t>
             </a:r>
           </a:p>
           <a:p>
             <a:pPr lvl="1"/>
             <a:r>
-              <a:rPr lang="en-US" dirty="0"/>
-              <a:t>Optimization for low memory requirements</a:t>
+              <a:rPr lang="en-US" b="1" dirty="0"/>
+              <a:t>Location Manager: </a:t>
+            </a:r>
+            <a:r>
+              <a:rPr lang="en-US" dirty="0"/>
+              <a:t>Location management, using GPS or cell tower</a:t>
             </a:r>
           </a:p>
           <a:p>
             <a:pPr lvl="1"/>
             <a:r>
-              <a:rPr lang="en-US" dirty="0"/>
-              <a:t>Executes .</a:t>
-            </a:r>
-            <a:r>
-              <a:rPr lang="en-US" dirty="0" err="1"/>
-              <a:t>dex</a:t>
-            </a:r>
-            <a:r>
-              <a:rPr lang="en-US" dirty="0"/>
-              <a:t> (</a:t>
-            </a:r>
-            <a:r>
-              <a:rPr lang="en-US" dirty="0" err="1"/>
-              <a:t>Dalvik</a:t>
-            </a:r>
-            <a:r>
-              <a:rPr lang="en-US" dirty="0"/>
-              <a:t>-Executable) files instead of .class</a:t>
-            </a:r>
-          </a:p>
-          <a:p>
-            <a:pPr lvl="1"/>
-            <a:r>
-              <a:rPr lang="en-US" dirty="0"/>
-              <a:t>DX tool converts classes to .</a:t>
-            </a:r>
-            <a:r>
-              <a:rPr lang="en-US" dirty="0" err="1"/>
-              <a:t>dex</a:t>
-            </a:r>
-            <a:r>
-              <a:rPr lang="en-US" dirty="0"/>
-              <a:t> </a:t>
-            </a:r>
-            <a:r>
-              <a:rPr lang="en-US" dirty="0" smtClean="0"/>
-              <a:t>format</a:t>
-            </a:r>
-          </a:p>
-          <a:p>
-            <a:endParaRPr lang="en-US" dirty="0"/>
-          </a:p>
-          <a:p>
-            <a:r>
-              <a:rPr lang="en-US" dirty="0"/>
-              <a:t>Each Android application:</a:t>
-            </a:r>
-          </a:p>
-          <a:p>
-            <a:pPr lvl="1"/>
-            <a:r>
-              <a:rPr lang="en-US" dirty="0"/>
-              <a:t>runs on its own Process</a:t>
-            </a:r>
-          </a:p>
-          <a:p>
-            <a:pPr lvl="1"/>
-            <a:r>
-              <a:rPr lang="en-US" dirty="0"/>
-              <a:t>runs on its own Instance of </a:t>
-            </a:r>
-            <a:r>
-              <a:rPr lang="en-US" dirty="0" err="1"/>
-              <a:t>Dalvik</a:t>
-            </a:r>
-            <a:r>
-              <a:rPr lang="en-US" dirty="0"/>
-              <a:t> VM</a:t>
-            </a:r>
-          </a:p>
-          <a:p>
-            <a:pPr lvl="1"/>
-            <a:r>
-              <a:rPr lang="en-US" dirty="0"/>
-              <a:t>is assigned its own Linux user ID</a:t>
-            </a:r>
+              <a:rPr lang="en-US" b="1" dirty="0"/>
+              <a:t>Resource Manager: </a:t>
+            </a:r>
+            <a:r>
+              <a:rPr lang="en-US" dirty="0"/>
+              <a:t>Manage the various types of resources we use </a:t>
+            </a:r>
+            <a:r>
+              <a:rPr lang="en-US" dirty="0" smtClean="0"/>
+              <a:t>in our </a:t>
+            </a:r>
+            <a:r>
+              <a:rPr lang="en-US" dirty="0"/>
+              <a:t>Application</a:t>
+            </a:r>
+          </a:p>
+        </p:txBody>
+      </p:sp>
+      <p:sp>
+        <p:nvSpPr>
+          <p:cNvPr id="5" name="Rectangle 4"/>
+          <p:cNvSpPr/>
+          <p:nvPr/>
+        </p:nvSpPr>
+        <p:spPr>
+          <a:xfrm>
+            <a:off x="6904234" y="5435029"/>
+            <a:ext cx="2239766" cy="1068512"/>
+          </a:xfrm>
+          <a:prstGeom prst="rect">
+            <a:avLst/>
+          </a:prstGeom>
+          <a:solidFill>
+            <a:schemeClr val="bg1"/>
+          </a:solidFill>
+          <a:ln>
+            <a:noFill/>
+          </a:ln>
+          <a:effectLst/>
+        </p:spPr>
+        <p:style>
+          <a:lnRef idx="1">
+            <a:schemeClr val="accent1"/>
+          </a:lnRef>
+          <a:fillRef idx="3">
+            <a:schemeClr val="accent1"/>
+          </a:fillRef>
+          <a:effectRef idx="2">
+            <a:schemeClr val="accent1"/>
+          </a:effectRef>
+          <a:fontRef idx="minor">
+            <a:schemeClr val="lt1"/>
+          </a:fontRef>
+        </p:style>
+        <p:txBody>
+          <a:bodyPr rtlCol="0" anchor="ctr"/>
+          <a:lstStyle/>
+          <a:p>
+            <a:pPr algn="ctr"/>
+            <a:endParaRPr lang="en-US"/>
           </a:p>
         </p:txBody>
       </p:sp>
@@ -6342,13 +6502,13 @@
               </a:ext>
             </a:extLst>
           </a:blip>
-          <a:srcRect l="62285" t="41629" r="2846" b="34547"/>
+          <a:srcRect l="2083" t="16579" r="1139" b="59948"/>
           <a:stretch/>
         </p:blipFill>
         <p:spPr bwMode="auto">
           <a:xfrm>
-            <a:off x="5981043" y="4808307"/>
-            <a:ext cx="2998570" cy="1664512"/>
+            <a:off x="1253447" y="5069661"/>
+            <a:ext cx="7119992" cy="1403059"/>
           </a:xfrm>
           <a:prstGeom prst="rect">
             <a:avLst/>
@@ -6361,7 +6521,7 @@
       </p:pic>
       <p:sp>
         <p:nvSpPr>
-          <p:cNvPr id="5" name="Slide Number Placeholder 4"/>
+          <p:cNvPr id="6" name="Slide Number Placeholder 5"/>
           <p:cNvSpPr>
             <a:spLocks noGrp="1"/>
           </p:cNvSpPr>
@@ -6385,7 +6545,7 @@
     </p:spTree>
     <p:extLst>
       <p:ext uri="{BB962C8B-B14F-4D97-AF65-F5344CB8AC3E}">
-        <p14:creationId xmlns:p14="http://schemas.microsoft.com/office/powerpoint/2010/main" val="29392033"/>
+        <p14:creationId xmlns:p14="http://schemas.microsoft.com/office/powerpoint/2010/main" val="185449964"/>
       </p:ext>
     </p:extLst>
   </p:cSld>
@@ -6436,7 +6596,7 @@
           <a:p>
             <a:r>
               <a:rPr lang="en-US" dirty="0" smtClean="0"/>
-              <a:t>Application Framework</a:t>
+              <a:t>Applications</a:t>
             </a:r>
             <a:endParaRPr lang="en-US" dirty="0"/>
           </a:p>
@@ -6454,131 +6614,101 @@
         </p:nvSpPr>
         <p:spPr/>
         <p:txBody>
-          <a:bodyPr/>
-          <a:lstStyle/>
-          <a:p>
-            <a:r>
-              <a:rPr lang="en-US" dirty="0" smtClean="0"/>
-              <a:t>Exposes the various capabilities of the Android OS to application developers so they can be used in their apps</a:t>
-            </a:r>
+          <a:bodyPr>
+            <a:normAutofit lnSpcReduction="10000"/>
+          </a:bodyPr>
+          <a:lstStyle/>
+          <a:p>
+            <a:r>
+              <a:rPr lang="en-US" dirty="0"/>
+              <a:t>This is where our applications are placed.</a:t>
+            </a:r>
+          </a:p>
+          <a:p>
             <a:endParaRPr lang="en-US" dirty="0"/>
           </a:p>
           <a:p>
+            <a:r>
+              <a:rPr lang="en-US" dirty="0"/>
+              <a:t>Some pre-installed  applications:</a:t>
+            </a:r>
+          </a:p>
+          <a:p>
+            <a:pPr lvl="1"/>
+            <a:r>
+              <a:rPr lang="en-US" dirty="0"/>
+              <a:t>SMS client app</a:t>
+            </a:r>
+          </a:p>
+          <a:p>
+            <a:pPr lvl="1"/>
+            <a:r>
+              <a:rPr lang="en-US" dirty="0"/>
+              <a:t>Dialer</a:t>
+            </a:r>
+          </a:p>
+          <a:p>
+            <a:pPr lvl="1"/>
+            <a:r>
+              <a:rPr lang="en-US" dirty="0"/>
+              <a:t>Web browser</a:t>
+            </a:r>
+          </a:p>
+          <a:p>
+            <a:pPr lvl="1"/>
+            <a:r>
+              <a:rPr lang="en-US" dirty="0"/>
+              <a:t>Contact manager</a:t>
+            </a:r>
+          </a:p>
+          <a:p>
+            <a:pPr lvl="1"/>
+            <a:r>
+              <a:rPr lang="en-US" dirty="0"/>
+              <a:t>...</a:t>
+            </a:r>
+          </a:p>
+          <a:p>
             <a:endParaRPr lang="en-US" dirty="0"/>
           </a:p>
           <a:p>
             <a:r>
               <a:rPr lang="en-US" dirty="0"/>
-              <a:t>Important blocks:</a:t>
-            </a:r>
+              <a:t>As developers, we are able to write an app which replaces any existing system app</a:t>
+            </a:r>
+            <a:r>
+              <a:rPr lang="en-US" dirty="0" smtClean="0"/>
+              <a:t>.</a:t>
+            </a:r>
+            <a:endParaRPr lang="en-US" dirty="0"/>
           </a:p>
           <a:p>
             <a:pPr lvl="1"/>
             <a:r>
-              <a:rPr lang="en-US" b="1" dirty="0"/>
-              <a:t>Activity Manager: </a:t>
-            </a:r>
-            <a:r>
-              <a:rPr lang="en-US" dirty="0"/>
-              <a:t>Manages the activity life cycle of applications</a:t>
+              <a:rPr lang="en-US" dirty="0"/>
+              <a:t>No compulsory applications</a:t>
             </a:r>
           </a:p>
           <a:p>
             <a:pPr lvl="1"/>
             <a:r>
-              <a:rPr lang="en-US" b="1" dirty="0"/>
-              <a:t>Content Providers: </a:t>
-            </a:r>
-            <a:r>
-              <a:rPr lang="en-US" dirty="0"/>
-              <a:t>Manage the data sharing between applications</a:t>
+              <a:rPr lang="en-US" dirty="0"/>
+              <a:t>Equality among apps</a:t>
             </a:r>
           </a:p>
           <a:p>
             <a:pPr lvl="1"/>
             <a:r>
-              <a:rPr lang="en-US" b="1" dirty="0"/>
-              <a:t>Telephony Manager: </a:t>
-            </a:r>
-            <a:r>
-              <a:rPr lang="en-US" dirty="0"/>
-              <a:t>Manages all voice calls. We use telephony manager if we want to access voice calls in our application.</a:t>
+              <a:rPr lang="en-US" dirty="0"/>
+              <a:t>Easily embedded web browser</a:t>
             </a:r>
           </a:p>
           <a:p>
             <a:pPr lvl="1"/>
             <a:r>
-              <a:rPr lang="en-US" b="1" dirty="0"/>
-              <a:t>Location Manager: </a:t>
-            </a:r>
-            <a:r>
-              <a:rPr lang="en-US" dirty="0"/>
-              <a:t>Location management, using GPS or cell tower</a:t>
-            </a:r>
-          </a:p>
-          <a:p>
-            <a:pPr lvl="1"/>
-            <a:r>
-              <a:rPr lang="en-US" b="1" dirty="0"/>
-              <a:t>Resource Manager: </a:t>
-            </a:r>
-            <a:r>
-              <a:rPr lang="en-US" dirty="0"/>
-              <a:t>Manage the various types of resources we use </a:t>
-            </a:r>
-            <a:r>
-              <a:rPr lang="en-US" dirty="0" smtClean="0"/>
-              <a:t>in our </a:t>
-            </a:r>
-            <a:r>
-              <a:rPr lang="en-US" dirty="0"/>
-              <a:t>Application</a:t>
-            </a:r>
-          </a:p>
-        </p:txBody>
-      </p:sp>
-      <p:sp>
-        <p:nvSpPr>
-          <p:cNvPr id="5" name="Rectangle 4"/>
-          <p:cNvSpPr/>
-          <p:nvPr/>
-        </p:nvSpPr>
-        <p:spPr>
-          <a:xfrm>
-            <a:off x="6904234" y="5435029"/>
-            <a:ext cx="2239766" cy="1068512"/>
-          </a:xfrm>
-          <a:prstGeom prst="rect">
-            <a:avLst/>
-          </a:prstGeom>
-          <a:solidFill>
-            <a:schemeClr val="bg1"/>
-          </a:solidFill>
-          <a:ln>
-            <a:noFill/>
-          </a:ln>
-          <a:effectLst/>
-        </p:spPr>
-        <p:style>
-          <a:lnRef idx="1">
-            <a:schemeClr val="accent1"/>
-          </a:lnRef>
-          <a:fillRef idx="3">
-            <a:schemeClr val="accent1"/>
-          </a:fillRef>
-          <a:effectRef idx="2">
-            <a:schemeClr val="accent1"/>
-          </a:effectRef>
-          <a:fontRef idx="minor">
-            <a:schemeClr val="lt1"/>
-          </a:fontRef>
-        </p:style>
-        <p:txBody>
-          <a:bodyPr rtlCol="0" anchor="ctr"/>
-          <a:lstStyle/>
-          <a:p>
-            <a:pPr algn="ctr"/>
-            <a:endParaRPr lang="en-US"/>
+              <a:rPr lang="en-US" dirty="0"/>
+              <a:t>Parallel running</a:t>
+            </a:r>
           </a:p>
         </p:txBody>
       </p:sp>
@@ -6596,13 +6726,13 @@
               </a:ext>
             </a:extLst>
           </a:blip>
-          <a:srcRect l="2083" t="16579" r="1139" b="59948"/>
+          <a:srcRect l="3791" t="463" r="2846" b="85698"/>
           <a:stretch/>
         </p:blipFill>
         <p:spPr bwMode="auto">
           <a:xfrm>
-            <a:off x="1253447" y="5069661"/>
-            <a:ext cx="7119992" cy="1403059"/>
+            <a:off x="2321959" y="697262"/>
+            <a:ext cx="6739847" cy="811658"/>
           </a:xfrm>
           <a:prstGeom prst="rect">
             <a:avLst/>
@@ -6615,7 +6745,7 @@
       </p:pic>
       <p:sp>
         <p:nvSpPr>
-          <p:cNvPr id="6" name="Slide Number Placeholder 5"/>
+          <p:cNvPr id="5" name="Slide Number Placeholder 4"/>
           <p:cNvSpPr>
             <a:spLocks noGrp="1"/>
           </p:cNvSpPr>
@@ -6639,7 +6769,7 @@
     </p:spTree>
     <p:extLst>
       <p:ext uri="{BB962C8B-B14F-4D97-AF65-F5344CB8AC3E}">
-        <p14:creationId xmlns:p14="http://schemas.microsoft.com/office/powerpoint/2010/main" val="185449964"/>
+        <p14:creationId xmlns:p14="http://schemas.microsoft.com/office/powerpoint/2010/main" val="1572488416"/>
       </p:ext>
     </p:extLst>
   </p:cSld>
@@ -6690,7 +6820,7 @@
           <a:p>
             <a:r>
               <a:rPr lang="en-US" dirty="0" smtClean="0"/>
-              <a:t>Applications</a:t>
+              <a:t>Used languages</a:t>
             </a:r>
             <a:endParaRPr lang="en-US" dirty="0"/>
           </a:p>
@@ -6708,14 +6838,40 @@
         </p:nvSpPr>
         <p:spPr/>
         <p:txBody>
-          <a:bodyPr>
-            <a:normAutofit lnSpcReduction="10000"/>
-          </a:bodyPr>
-          <a:lstStyle/>
-          <a:p>
-            <a:r>
-              <a:rPr lang="en-US" dirty="0"/>
-              <a:t>This is where our applications are placed.</a:t>
+          <a:bodyPr/>
+          <a:lstStyle/>
+          <a:p>
+            <a:r>
+              <a:rPr lang="en-US" dirty="0"/>
+              <a:t>Design goals</a:t>
+            </a:r>
+          </a:p>
+          <a:p>
+            <a:pPr lvl="1"/>
+            <a:r>
+              <a:rPr lang="en-US" dirty="0"/>
+              <a:t>Open Source</a:t>
+            </a:r>
+          </a:p>
+          <a:p>
+            <a:pPr lvl="1"/>
+            <a:r>
+              <a:rPr lang="en-US" dirty="0"/>
+              <a:t>High flexibility</a:t>
+            </a:r>
+          </a:p>
+          <a:p>
+            <a:pPr lvl="1"/>
+            <a:r>
+              <a:rPr lang="en-US" dirty="0"/>
+              <a:t>High data accessibility</a:t>
+            </a:r>
+          </a:p>
+          <a:p>
+            <a:pPr lvl="1"/>
+            <a:r>
+              <a:rPr lang="en-US" dirty="0"/>
+              <a:t>Rapid development (XML, Java)</a:t>
             </a:r>
           </a:p>
           <a:p>
@@ -6724,117 +6880,61 @@
           <a:p>
             <a:r>
               <a:rPr lang="en-US" dirty="0"/>
-              <a:t>Some pre-installed  applications:</a:t>
+              <a:t>Used Languages</a:t>
             </a:r>
           </a:p>
           <a:p>
             <a:pPr lvl="1"/>
             <a:r>
               <a:rPr lang="en-US" dirty="0"/>
-              <a:t>SMS client app</a:t>
+              <a:t>App: Java</a:t>
             </a:r>
           </a:p>
           <a:p>
             <a:pPr lvl="1"/>
             <a:r>
               <a:rPr lang="en-US" dirty="0"/>
-              <a:t>Dialer</a:t>
+              <a:t>Framework: Java</a:t>
             </a:r>
           </a:p>
           <a:p>
             <a:pPr lvl="1"/>
             <a:r>
               <a:rPr lang="en-US" dirty="0"/>
-              <a:t>Web browser</a:t>
+              <a:t>Libraries: C/C++</a:t>
             </a:r>
           </a:p>
           <a:p>
             <a:pPr lvl="1"/>
             <a:r>
               <a:rPr lang="en-US" dirty="0"/>
-              <a:t>Contact manager</a:t>
-            </a:r>
-          </a:p>
-          <a:p>
-            <a:pPr lvl="1"/>
-            <a:r>
-              <a:rPr lang="en-US" dirty="0"/>
-              <a:t>...</a:t>
-            </a:r>
-          </a:p>
-          <a:p>
-            <a:endParaRPr lang="en-US" dirty="0"/>
-          </a:p>
-          <a:p>
-            <a:r>
-              <a:rPr lang="en-US" dirty="0"/>
-              <a:t>As developers, we are able to write an app which replaces any existing system app</a:t>
-            </a:r>
-            <a:r>
-              <a:rPr lang="en-US" dirty="0" smtClean="0"/>
-              <a:t>.</a:t>
-            </a:r>
-            <a:endParaRPr lang="en-US" dirty="0"/>
-          </a:p>
-          <a:p>
-            <a:pPr lvl="1"/>
-            <a:r>
-              <a:rPr lang="en-US" dirty="0"/>
-              <a:t>No compulsory applications</a:t>
-            </a:r>
-          </a:p>
-          <a:p>
-            <a:pPr lvl="1"/>
-            <a:r>
-              <a:rPr lang="en-US" dirty="0"/>
-              <a:t>Equality among apps</a:t>
-            </a:r>
-          </a:p>
-          <a:p>
-            <a:pPr lvl="1"/>
-            <a:r>
-              <a:rPr lang="en-US" dirty="0"/>
-              <a:t>Easily embedded web browser</a:t>
-            </a:r>
-          </a:p>
-          <a:p>
-            <a:pPr lvl="1"/>
-            <a:r>
-              <a:rPr lang="en-US" dirty="0"/>
-              <a:t>Parallel running</a:t>
+              <a:t>OS &amp; Drivers: C</a:t>
             </a:r>
           </a:p>
         </p:txBody>
       </p:sp>
       <p:pic>
         <p:nvPicPr>
-          <p:cNvPr id="4" name="Afbeelding 2" descr="File:Android-System-Architecture.svg"/>
-          <p:cNvPicPr/>
+          <p:cNvPr id="4" name="Picture 3"/>
+          <p:cNvPicPr>
+            <a:picLocks noChangeAspect="1"/>
+          </p:cNvPicPr>
           <p:nvPr/>
         </p:nvPicPr>
-        <p:blipFill rotWithShape="1">
-          <a:blip r:embed="rId2">
-            <a:extLst>
-              <a:ext uri="{28A0092B-C50C-407E-A947-70E740481C1C}">
-                <a14:useLocalDpi xmlns:a14="http://schemas.microsoft.com/office/drawing/2010/main" val="0"/>
-              </a:ext>
-            </a:extLst>
-          </a:blip>
-          <a:srcRect l="3791" t="463" r="2846" b="85698"/>
-          <a:stretch/>
+        <p:blipFill>
+          <a:blip r:embed="rId2"/>
+          <a:stretch>
+            <a:fillRect/>
+          </a:stretch>
         </p:blipFill>
-        <p:spPr bwMode="auto">
+        <p:spPr>
           <a:xfrm>
-            <a:off x="2321959" y="697262"/>
-            <a:ext cx="6739847" cy="811658"/>
+            <a:off x="4572000" y="2170834"/>
+            <a:ext cx="3908021" cy="3214973"/>
           </a:xfrm>
           <a:prstGeom prst="rect">
             <a:avLst/>
           </a:prstGeom>
-          <a:noFill/>
-          <a:ln>
-            <a:noFill/>
-          </a:ln>
         </p:spPr>
       </p:pic>
       <p:sp>
@@ -6863,7 +6963,7 @@
     </p:spTree>
     <p:extLst>
       <p:ext uri="{BB962C8B-B14F-4D97-AF65-F5344CB8AC3E}">
-        <p14:creationId xmlns:p14="http://schemas.microsoft.com/office/powerpoint/2010/main" val="1572488416"/>
+        <p14:creationId xmlns:p14="http://schemas.microsoft.com/office/powerpoint/2010/main" val="3918997547"/>
       </p:ext>
     </p:extLst>
   </p:cSld>
@@ -7083,22 +7183,51 @@
       </p:grpSpPr>
       <p:sp>
         <p:nvSpPr>
-          <p:cNvPr id="2" name="Title 1"/>
-          <p:cNvSpPr>
-            <a:spLocks noGrp="1"/>
-          </p:cNvSpPr>
-          <p:nvPr>
-            <p:ph type="title"/>
-          </p:nvPr>
-        </p:nvSpPr>
-        <p:spPr/>
-        <p:txBody>
-          <a:bodyPr/>
-          <a:lstStyle/>
-          <a:p>
-            <a:r>
-              <a:rPr lang="en-US" dirty="0" smtClean="0"/>
-              <a:t>Used languages</a:t>
+          <p:cNvPr id="4" name="Title 3"/>
+          <p:cNvSpPr>
+            <a:spLocks noGrp="1"/>
+          </p:cNvSpPr>
+          <p:nvPr>
+            <p:ph type="ctrTitle"/>
+          </p:nvPr>
+        </p:nvSpPr>
+        <p:spPr/>
+        <p:txBody>
+          <a:bodyPr/>
+          <a:lstStyle/>
+          <a:p>
+            <a:r>
+              <a:rPr lang="en-US" dirty="0"/>
+              <a:t>Android Development</a:t>
+            </a:r>
+            <a:br>
+              <a:rPr lang="en-US" dirty="0"/>
+            </a:br>
+            <a:r>
+              <a:rPr lang="en-US" dirty="0"/>
+              <a:t>Chapter 1 – Getting Started with Android Programming</a:t>
+            </a:r>
+          </a:p>
+        </p:txBody>
+      </p:sp>
+      <p:sp>
+        <p:nvSpPr>
+          <p:cNvPr id="5" name="Subtitle 4"/>
+          <p:cNvSpPr>
+            <a:spLocks noGrp="1"/>
+          </p:cNvSpPr>
+          <p:nvPr>
+            <p:ph type="subTitle" idx="1"/>
+          </p:nvPr>
+        </p:nvSpPr>
+        <p:spPr/>
+        <p:txBody>
+          <a:bodyPr/>
+          <a:lstStyle/>
+          <a:p>
+            <a:r>
+              <a:rPr lang="en-US" dirty="0" smtClean="0"/>
+              <a:t>Developing for Android</a:t>
             </a:r>
             <a:endParaRPr lang="en-US" dirty="0"/>
           </a:p>
@@ -7106,118 +7235,7 @@
       </p:sp>
       <p:sp>
         <p:nvSpPr>
-          <p:cNvPr id="3" name="Content Placeholder 2"/>
-          <p:cNvSpPr>
-            <a:spLocks noGrp="1"/>
-          </p:cNvSpPr>
-          <p:nvPr>
-            <p:ph idx="1"/>
-          </p:nvPr>
-        </p:nvSpPr>
-        <p:spPr/>
-        <p:txBody>
-          <a:bodyPr/>
-          <a:lstStyle/>
-          <a:p>
-            <a:r>
-              <a:rPr lang="en-US" dirty="0"/>
-              <a:t>Design goals</a:t>
-            </a:r>
-          </a:p>
-          <a:p>
-            <a:pPr lvl="1"/>
-            <a:r>
-              <a:rPr lang="en-US" dirty="0"/>
-              <a:t>Open Source</a:t>
-            </a:r>
-          </a:p>
-          <a:p>
-            <a:pPr lvl="1"/>
-            <a:r>
-              <a:rPr lang="en-US" dirty="0"/>
-              <a:t>High flexibility</a:t>
-            </a:r>
-          </a:p>
-          <a:p>
-            <a:pPr lvl="1"/>
-            <a:r>
-              <a:rPr lang="en-US" dirty="0"/>
-              <a:t>High data accessibility</a:t>
-            </a:r>
-          </a:p>
-          <a:p>
-            <a:pPr lvl="1"/>
-            <a:r>
-              <a:rPr lang="en-US" dirty="0"/>
-              <a:t>Rapid development (XML, Java)</a:t>
-            </a:r>
-          </a:p>
-          <a:p>
-            <a:endParaRPr lang="en-US" dirty="0"/>
-          </a:p>
-          <a:p>
-            <a:r>
-              <a:rPr lang="en-US" dirty="0"/>
-              <a:t>Used Languages</a:t>
-            </a:r>
-          </a:p>
-          <a:p>
-            <a:pPr lvl="1"/>
-            <a:r>
-              <a:rPr lang="en-US" dirty="0"/>
-              <a:t>App: Java</a:t>
-            </a:r>
-          </a:p>
-          <a:p>
-            <a:pPr lvl="1"/>
-            <a:r>
-              <a:rPr lang="en-US" dirty="0"/>
-              <a:t>Framework: Java</a:t>
-            </a:r>
-          </a:p>
-          <a:p>
-            <a:pPr lvl="1"/>
-            <a:r>
-              <a:rPr lang="en-US" dirty="0"/>
-              <a:t>Libraries: C/C++</a:t>
-            </a:r>
-          </a:p>
-          <a:p>
-            <a:pPr lvl="1"/>
-            <a:r>
-              <a:rPr lang="en-US" dirty="0"/>
-              <a:t>OS &amp; Drivers: C</a:t>
-            </a:r>
-          </a:p>
-        </p:txBody>
-      </p:sp>
-      <p:pic>
-        <p:nvPicPr>
-          <p:cNvPr id="4" name="Picture 3"/>
-          <p:cNvPicPr>
-            <a:picLocks noChangeAspect="1"/>
-          </p:cNvPicPr>
-          <p:nvPr/>
-        </p:nvPicPr>
-        <p:blipFill>
-          <a:blip r:embed="rId2"/>
-          <a:stretch>
-            <a:fillRect/>
-          </a:stretch>
-        </p:blipFill>
-        <p:spPr>
-          <a:xfrm>
-            <a:off x="4572000" y="2170834"/>
-            <a:ext cx="3908021" cy="3214973"/>
-          </a:xfrm>
-          <a:prstGeom prst="rect">
-            <a:avLst/>
-          </a:prstGeom>
-        </p:spPr>
-      </p:pic>
-      <p:sp>
-        <p:nvSpPr>
-          <p:cNvPr id="5" name="Slide Number Placeholder 4"/>
+          <p:cNvPr id="2" name="Slide Number Placeholder 1"/>
           <p:cNvSpPr>
             <a:spLocks noGrp="1"/>
           </p:cNvSpPr>
@@ -7241,7 +7259,7 @@
     </p:spTree>
     <p:extLst>
       <p:ext uri="{BB962C8B-B14F-4D97-AF65-F5344CB8AC3E}">
-        <p14:creationId xmlns:p14="http://schemas.microsoft.com/office/powerpoint/2010/main" val="3918997547"/>
+        <p14:creationId xmlns:p14="http://schemas.microsoft.com/office/powerpoint/2010/main" val="1292014797"/>
       </p:ext>
     </p:extLst>
   </p:cSld>
@@ -7282,24 +7300,17 @@
             <a:spLocks noGrp="1"/>
           </p:cNvSpPr>
           <p:nvPr>
-            <p:ph type="ctrTitle"/>
-          </p:nvPr>
-        </p:nvSpPr>
-        <p:spPr/>
-        <p:txBody>
-          <a:bodyPr/>
-          <a:lstStyle/>
-          <a:p>
-            <a:r>
-              <a:rPr lang="en-US" dirty="0"/>
-              <a:t>Android Development</a:t>
-            </a:r>
-            <a:br>
-              <a:rPr lang="en-US" dirty="0"/>
-            </a:br>
-            <a:r>
-              <a:rPr lang="en-US" dirty="0"/>
-              <a:t>Chapter 1 – Getting Started with Android Programming</a:t>
+            <p:ph type="title"/>
+          </p:nvPr>
+        </p:nvSpPr>
+        <p:spPr/>
+        <p:txBody>
+          <a:bodyPr/>
+          <a:lstStyle/>
+          <a:p>
+            <a:r>
+              <a:rPr lang="en-US" dirty="0" smtClean="0"/>
+              <a:t>The Long Way</a:t>
             </a:r>
             <a:endParaRPr lang="en-US" dirty="0"/>
           </a:p>
@@ -7307,22 +7318,148 @@
       </p:sp>
       <p:sp>
         <p:nvSpPr>
-          <p:cNvPr id="5" name="Subtitle 4"/>
-          <p:cNvSpPr>
-            <a:spLocks noGrp="1"/>
-          </p:cNvSpPr>
-          <p:nvPr>
-            <p:ph type="subTitle" idx="1"/>
-          </p:nvPr>
-        </p:nvSpPr>
-        <p:spPr/>
-        <p:txBody>
-          <a:bodyPr/>
-          <a:lstStyle/>
-          <a:p>
-            <a:r>
-              <a:rPr lang="en-US" dirty="0" smtClean="0"/>
-              <a:t>Developing for Android</a:t>
+          <p:cNvPr id="5" name="Content Placeholder 4"/>
+          <p:cNvSpPr>
+            <a:spLocks noGrp="1"/>
+          </p:cNvSpPr>
+          <p:nvPr>
+            <p:ph idx="1"/>
+          </p:nvPr>
+        </p:nvSpPr>
+        <p:spPr/>
+        <p:txBody>
+          <a:bodyPr>
+            <a:normAutofit/>
+          </a:bodyPr>
+          <a:lstStyle/>
+          <a:p>
+            <a:r>
+              <a:rPr lang="en-US" dirty="0" smtClean="0"/>
+              <a:t>Using Eclipse with the official Android Developers Tools (ADT) plugin and the Android Virtual Device Manager</a:t>
+            </a:r>
+          </a:p>
+          <a:p>
+            <a:endParaRPr lang="en-US" dirty="0" smtClean="0"/>
+          </a:p>
+          <a:p>
+            <a:r>
+              <a:rPr lang="en-US" dirty="0" smtClean="0"/>
+              <a:t>For </a:t>
+            </a:r>
+            <a:r>
+              <a:rPr lang="en-US" dirty="0"/>
+              <a:t>this you will </a:t>
+            </a:r>
+            <a:r>
+              <a:rPr lang="en-US" dirty="0" smtClean="0"/>
+              <a:t>need</a:t>
+            </a:r>
+            <a:endParaRPr lang="en-US" dirty="0"/>
+          </a:p>
+          <a:p>
+            <a:pPr lvl="1"/>
+            <a:r>
+              <a:rPr lang="en-US" b="1" dirty="0"/>
+              <a:t>Java SE Development </a:t>
+            </a:r>
+            <a:r>
+              <a:rPr lang="en-US" b="1" dirty="0" smtClean="0"/>
+              <a:t>Kit (JDK) </a:t>
+            </a:r>
+            <a:r>
+              <a:rPr lang="en-US" dirty="0"/>
+              <a:t>which can be downloaded @ </a:t>
+            </a:r>
+            <a:r>
+              <a:rPr lang="en-US" dirty="0">
+                <a:hlinkClick r:id="rId2"/>
+              </a:rPr>
+              <a:t>http://</a:t>
+            </a:r>
+            <a:r>
+              <a:rPr lang="en-US" dirty="0" smtClean="0">
+                <a:hlinkClick r:id="rId2"/>
+              </a:rPr>
+              <a:t>www.oracle.com/technetwork/java/javase/downloads/index.html</a:t>
+            </a:r>
+            <a:endParaRPr lang="en-US" dirty="0" smtClean="0"/>
+          </a:p>
+          <a:p>
+            <a:pPr lvl="2"/>
+            <a:r>
+              <a:rPr lang="en-US" dirty="0" smtClean="0"/>
+              <a:t>Download the latest </a:t>
+            </a:r>
+            <a:r>
+              <a:rPr lang="en-US" b="1" dirty="0" smtClean="0"/>
+              <a:t>JDK</a:t>
+            </a:r>
+          </a:p>
+          <a:p>
+            <a:pPr lvl="1"/>
+            <a:r>
+              <a:rPr lang="en-US" b="1" dirty="0" smtClean="0"/>
+              <a:t>Android </a:t>
+            </a:r>
+            <a:r>
+              <a:rPr lang="en-US" b="1" dirty="0"/>
+              <a:t>SDK: </a:t>
+            </a:r>
+            <a:r>
+              <a:rPr lang="en-US" dirty="0"/>
+              <a:t>contains android.jar with all needed classes to build an app, together with docs, samples, tools (</a:t>
+            </a:r>
+            <a:r>
+              <a:rPr lang="en-US" dirty="0" err="1"/>
+              <a:t>adb</a:t>
+            </a:r>
+            <a:r>
+              <a:rPr lang="en-US" dirty="0"/>
+              <a:t>), </a:t>
+            </a:r>
+            <a:r>
+              <a:rPr lang="en-US" dirty="0" err="1"/>
+              <a:t>usb_driver</a:t>
+            </a:r>
+            <a:r>
+              <a:rPr lang="en-US" dirty="0"/>
+              <a:t> (to allow deployment to your device and live debugging</a:t>
+            </a:r>
+            <a:r>
+              <a:rPr lang="en-US" dirty="0" smtClean="0"/>
+              <a:t>)</a:t>
+            </a:r>
+            <a:endParaRPr lang="en-US" dirty="0"/>
+          </a:p>
+          <a:p>
+            <a:pPr lvl="1"/>
+            <a:r>
+              <a:rPr lang="en-US" b="1" dirty="0"/>
+              <a:t>Eclipse IDE: </a:t>
+            </a:r>
+            <a:r>
+              <a:rPr lang="en-US" dirty="0"/>
+              <a:t>free IDE used for Java, C++, </a:t>
+            </a:r>
+            <a:r>
+              <a:rPr lang="en-US" dirty="0" smtClean="0"/>
+              <a:t>...</a:t>
+            </a:r>
+            <a:endParaRPr lang="en-US" dirty="0"/>
+          </a:p>
+          <a:p>
+            <a:pPr lvl="1"/>
+            <a:r>
+              <a:rPr lang="en-US" b="1" dirty="0"/>
+              <a:t>Android Development Tools (ADT): </a:t>
+            </a:r>
+            <a:r>
+              <a:rPr lang="en-US" dirty="0"/>
+              <a:t>the Eclipse plugin which enables the use of the Android </a:t>
+            </a:r>
+            <a:r>
+              <a:rPr lang="en-US" dirty="0" smtClean="0"/>
+              <a:t>SDK</a:t>
             </a:r>
             <a:endParaRPr lang="en-US" dirty="0"/>
           </a:p>
@@ -7354,7 +7491,7 @@
     </p:spTree>
     <p:extLst>
       <p:ext uri="{BB962C8B-B14F-4D97-AF65-F5344CB8AC3E}">
-        <p14:creationId xmlns:p14="http://schemas.microsoft.com/office/powerpoint/2010/main" val="1292014797"/>
+        <p14:creationId xmlns:p14="http://schemas.microsoft.com/office/powerpoint/2010/main" val="641920396"/>
       </p:ext>
     </p:extLst>
   </p:cSld>
@@ -7405,238 +7542,6 @@
           <a:p>
             <a:r>
               <a:rPr lang="en-US" dirty="0" smtClean="0"/>
-              <a:t>The Long Way</a:t>
-            </a:r>
-            <a:endParaRPr lang="en-US" dirty="0"/>
-          </a:p>
-        </p:txBody>
-      </p:sp>
-      <p:sp>
-        <p:nvSpPr>
-          <p:cNvPr id="5" name="Content Placeholder 4"/>
-          <p:cNvSpPr>
-            <a:spLocks noGrp="1"/>
-          </p:cNvSpPr>
-          <p:nvPr>
-            <p:ph idx="1"/>
-          </p:nvPr>
-        </p:nvSpPr>
-        <p:spPr/>
-        <p:txBody>
-          <a:bodyPr>
-            <a:normAutofit/>
-          </a:bodyPr>
-          <a:lstStyle/>
-          <a:p>
-            <a:r>
-              <a:rPr lang="en-US" dirty="0" smtClean="0"/>
-              <a:t>Using Eclipse with the official Android Developers Tools (ADT) plugin and the Android Virtual Device Manager</a:t>
-            </a:r>
-          </a:p>
-          <a:p>
-            <a:endParaRPr lang="en-US" dirty="0" smtClean="0"/>
-          </a:p>
-          <a:p>
-            <a:r>
-              <a:rPr lang="en-US" dirty="0" smtClean="0"/>
-              <a:t>For </a:t>
-            </a:r>
-            <a:r>
-              <a:rPr lang="en-US" dirty="0"/>
-              <a:t>this you will </a:t>
-            </a:r>
-            <a:r>
-              <a:rPr lang="en-US" dirty="0" smtClean="0"/>
-              <a:t>need</a:t>
-            </a:r>
-            <a:endParaRPr lang="en-US" dirty="0"/>
-          </a:p>
-          <a:p>
-            <a:pPr lvl="1"/>
-            <a:r>
-              <a:rPr lang="en-US" b="1" dirty="0"/>
-              <a:t>Java SE Development </a:t>
-            </a:r>
-            <a:r>
-              <a:rPr lang="en-US" b="1" dirty="0" smtClean="0"/>
-              <a:t>Kit (JDK) </a:t>
-            </a:r>
-            <a:r>
-              <a:rPr lang="en-US" dirty="0"/>
-              <a:t>which can be downloaded @ </a:t>
-            </a:r>
-            <a:r>
-              <a:rPr lang="en-US" dirty="0">
-                <a:hlinkClick r:id="rId2"/>
-              </a:rPr>
-              <a:t>http://</a:t>
-            </a:r>
-            <a:r>
-              <a:rPr lang="en-US" dirty="0" smtClean="0">
-                <a:hlinkClick r:id="rId2"/>
-              </a:rPr>
-              <a:t>www.oracle.com/technetwork/java/javase/downloads/index.html</a:t>
-            </a:r>
-            <a:endParaRPr lang="en-US" dirty="0" smtClean="0"/>
-          </a:p>
-          <a:p>
-            <a:pPr lvl="2"/>
-            <a:r>
-              <a:rPr lang="en-US" dirty="0" smtClean="0"/>
-              <a:t>Download the latest </a:t>
-            </a:r>
-            <a:r>
-              <a:rPr lang="en-US" b="1" dirty="0" smtClean="0"/>
-              <a:t>JDK</a:t>
-            </a:r>
-          </a:p>
-          <a:p>
-            <a:pPr lvl="1"/>
-            <a:r>
-              <a:rPr lang="en-US" b="1" dirty="0" smtClean="0"/>
-              <a:t>Android </a:t>
-            </a:r>
-            <a:r>
-              <a:rPr lang="en-US" b="1" dirty="0"/>
-              <a:t>SDK: </a:t>
-            </a:r>
-            <a:r>
-              <a:rPr lang="en-US" dirty="0"/>
-              <a:t>contains android.jar with all needed classes to build an app, together with docs, samples, tools (</a:t>
-            </a:r>
-            <a:r>
-              <a:rPr lang="en-US" dirty="0" err="1"/>
-              <a:t>adb</a:t>
-            </a:r>
-            <a:r>
-              <a:rPr lang="en-US" dirty="0"/>
-              <a:t>), </a:t>
-            </a:r>
-            <a:r>
-              <a:rPr lang="en-US" dirty="0" err="1"/>
-              <a:t>usb_driver</a:t>
-            </a:r>
-            <a:r>
-              <a:rPr lang="en-US" dirty="0"/>
-              <a:t> (to allow deployment to your device and live debugging</a:t>
-            </a:r>
-            <a:r>
-              <a:rPr lang="en-US" dirty="0" smtClean="0"/>
-              <a:t>)</a:t>
-            </a:r>
-            <a:endParaRPr lang="en-US" dirty="0"/>
-          </a:p>
-          <a:p>
-            <a:pPr lvl="1"/>
-            <a:r>
-              <a:rPr lang="en-US" b="1" dirty="0"/>
-              <a:t>Eclipse IDE: </a:t>
-            </a:r>
-            <a:r>
-              <a:rPr lang="en-US" dirty="0"/>
-              <a:t>free IDE used for Java, C++, </a:t>
-            </a:r>
-            <a:r>
-              <a:rPr lang="en-US" dirty="0" smtClean="0"/>
-              <a:t>...</a:t>
-            </a:r>
-            <a:endParaRPr lang="en-US" dirty="0"/>
-          </a:p>
-          <a:p>
-            <a:pPr lvl="1"/>
-            <a:r>
-              <a:rPr lang="en-US" b="1" dirty="0"/>
-              <a:t>Android Development Tools (ADT): </a:t>
-            </a:r>
-            <a:r>
-              <a:rPr lang="en-US" dirty="0"/>
-              <a:t>the Eclipse plugin which enables the use of the Android </a:t>
-            </a:r>
-            <a:r>
-              <a:rPr lang="en-US" dirty="0" smtClean="0"/>
-              <a:t>SDK</a:t>
-            </a:r>
-            <a:endParaRPr lang="en-US" dirty="0"/>
-          </a:p>
-        </p:txBody>
-      </p:sp>
-      <p:sp>
-        <p:nvSpPr>
-          <p:cNvPr id="2" name="Slide Number Placeholder 1"/>
-          <p:cNvSpPr>
-            <a:spLocks noGrp="1"/>
-          </p:cNvSpPr>
-          <p:nvPr>
-            <p:ph type="sldNum" sz="quarter" idx="12"/>
-          </p:nvPr>
-        </p:nvSpPr>
-        <p:spPr/>
-        <p:txBody>
-          <a:bodyPr/>
-          <a:lstStyle/>
-          <a:p>
-            <a:fld id="{52DB1A75-B9BE-46B1-B482-5F96E51FA4B2}" type="slidenum">
-              <a:rPr lang="en-US" smtClean="0"/>
-              <a:t>22</a:t>
-            </a:fld>
-            <a:endParaRPr lang="en-US"/>
-          </a:p>
-        </p:txBody>
-      </p:sp>
-    </p:spTree>
-    <p:extLst>
-      <p:ext uri="{BB962C8B-B14F-4D97-AF65-F5344CB8AC3E}">
-        <p14:creationId xmlns:p14="http://schemas.microsoft.com/office/powerpoint/2010/main" val="641920396"/>
-      </p:ext>
-    </p:extLst>
-  </p:cSld>
-  <p:clrMapOvr>
-    <a:masterClrMapping/>
-  </p:clrMapOvr>
-  <p:timing>
-    <p:tnLst>
-      <p:par>
-        <p:cTn id="1" dur="indefinite" restart="never" nodeType="tmRoot"/>
-      </p:par>
-    </p:tnLst>
-  </p:timing>
-</p:sld>
-</file>
-
-<file path=ppt/slides/slide23.xml><?xml version="1.0" encoding="utf-8"?>
-<p:sld xmlns:a="http://schemas.openxmlformats.org/drawingml/2006/main" xmlns:r="http://schemas.openxmlformats.org/officeDocument/2006/relationships" xmlns:p="http://schemas.openxmlformats.org/presentationml/2006/main">
-  <p:cSld>
-    <p:spTree>
-      <p:nvGrpSpPr>
-        <p:cNvPr id="1" name=""/>
-        <p:cNvGrpSpPr/>
-        <p:nvPr/>
-      </p:nvGrpSpPr>
-      <p:grpSpPr>
-        <a:xfrm>
-          <a:off x="0" y="0"/>
-          <a:ext cx="0" cy="0"/>
-          <a:chOff x="0" y="0"/>
-          <a:chExt cx="0" cy="0"/>
-        </a:xfrm>
-      </p:grpSpPr>
-      <p:sp>
-        <p:nvSpPr>
-          <p:cNvPr id="4" name="Title 3"/>
-          <p:cNvSpPr>
-            <a:spLocks noGrp="1"/>
-          </p:cNvSpPr>
-          <p:nvPr>
-            <p:ph type="title"/>
-          </p:nvPr>
-        </p:nvSpPr>
-        <p:spPr/>
-        <p:txBody>
-          <a:bodyPr/>
-          <a:lstStyle/>
-          <a:p>
-            <a:r>
-              <a:rPr lang="en-US" dirty="0" smtClean="0"/>
               <a:t>The Easy Way</a:t>
             </a:r>
             <a:endParaRPr lang="en-US" dirty="0"/>
@@ -7735,7 +7640,7 @@
           <a:p>
             <a:fld id="{52DB1A75-B9BE-46B1-B482-5F96E51FA4B2}" type="slidenum">
               <a:rPr lang="en-US" smtClean="0"/>
-              <a:t>23</a:t>
+              <a:t>22</a:t>
             </a:fld>
             <a:endParaRPr lang="en-US"/>
           </a:p>
@@ -7761,7 +7666,7 @@
 </p:sld>
 </file>
 
-<file path=ppt/slides/slide24.xml><?xml version="1.0" encoding="utf-8"?>
+<file path=ppt/slides/slide23.xml><?xml version="1.0" encoding="utf-8"?>
 <p:sld xmlns:a="http://schemas.openxmlformats.org/drawingml/2006/main" xmlns:r="http://schemas.openxmlformats.org/officeDocument/2006/relationships" xmlns:p="http://schemas.openxmlformats.org/presentationml/2006/main">
   <p:cSld>
     <p:spTree>
@@ -7986,7 +7891,7 @@
           <a:p>
             <a:fld id="{52DB1A75-B9BE-46B1-B482-5F96E51FA4B2}" type="slidenum">
               <a:rPr lang="en-US" smtClean="0"/>
-              <a:t>24</a:t>
+              <a:t>23</a:t>
             </a:fld>
             <a:endParaRPr lang="en-US"/>
           </a:p>
@@ -7996,6 +7901,206 @@
     <p:extLst>
       <p:ext uri="{BB962C8B-B14F-4D97-AF65-F5344CB8AC3E}">
         <p14:creationId xmlns:p14="http://schemas.microsoft.com/office/powerpoint/2010/main" val="1313001630"/>
+      </p:ext>
+    </p:extLst>
+  </p:cSld>
+  <p:clrMapOvr>
+    <a:masterClrMapping/>
+  </p:clrMapOvr>
+  <p:timing>
+    <p:tnLst>
+      <p:par>
+        <p:cTn id="1" dur="indefinite" restart="never" nodeType="tmRoot"/>
+      </p:par>
+    </p:tnLst>
+  </p:timing>
+</p:sld>
+</file>
+
+<file path=ppt/slides/slide24.xml><?xml version="1.0" encoding="utf-8"?>
+<p:sld xmlns:a="http://schemas.openxmlformats.org/drawingml/2006/main" xmlns:r="http://schemas.openxmlformats.org/officeDocument/2006/relationships" xmlns:p="http://schemas.openxmlformats.org/presentationml/2006/main">
+  <p:cSld>
+    <p:spTree>
+      <p:nvGrpSpPr>
+        <p:cNvPr id="1" name=""/>
+        <p:cNvGrpSpPr/>
+        <p:nvPr/>
+      </p:nvGrpSpPr>
+      <p:grpSpPr>
+        <a:xfrm>
+          <a:off x="0" y="0"/>
+          <a:ext cx="0" cy="0"/>
+          <a:chOff x="0" y="0"/>
+          <a:chExt cx="0" cy="0"/>
+        </a:xfrm>
+      </p:grpSpPr>
+      <p:sp>
+        <p:nvSpPr>
+          <p:cNvPr id="2" name="Title 1"/>
+          <p:cNvSpPr>
+            <a:spLocks noGrp="1"/>
+          </p:cNvSpPr>
+          <p:nvPr>
+            <p:ph type="title"/>
+          </p:nvPr>
+        </p:nvSpPr>
+        <p:spPr/>
+        <p:txBody>
+          <a:bodyPr/>
+          <a:lstStyle/>
+          <a:p>
+            <a:r>
+              <a:rPr lang="en-US" dirty="0" smtClean="0"/>
+              <a:t>The Android SDK Manager</a:t>
+            </a:r>
+            <a:endParaRPr lang="en-US" dirty="0"/>
+          </a:p>
+        </p:txBody>
+      </p:sp>
+      <p:sp>
+        <p:nvSpPr>
+          <p:cNvPr id="3" name="Content Placeholder 2"/>
+          <p:cNvSpPr>
+            <a:spLocks noGrp="1"/>
+          </p:cNvSpPr>
+          <p:nvPr>
+            <p:ph idx="1"/>
+          </p:nvPr>
+        </p:nvSpPr>
+        <p:spPr/>
+        <p:txBody>
+          <a:bodyPr/>
+          <a:lstStyle/>
+          <a:p>
+            <a:r>
+              <a:rPr lang="en-US" dirty="0" smtClean="0"/>
+              <a:t>Make sure to accept </a:t>
+            </a:r>
+            <a:r>
+              <a:rPr lang="en-US" dirty="0" smtClean="0">
+                <a:solidFill>
+                  <a:srgbClr val="00B050"/>
+                </a:solidFill>
+              </a:rPr>
+              <a:t>ALL licenses</a:t>
+            </a:r>
+          </a:p>
+          <a:p>
+            <a:pPr lvl="1"/>
+            <a:r>
+              <a:rPr lang="en-US" dirty="0" smtClean="0"/>
+              <a:t>All components should have a </a:t>
+            </a:r>
+            <a:r>
+              <a:rPr lang="en-US" dirty="0" smtClean="0">
+                <a:solidFill>
+                  <a:srgbClr val="00B050"/>
+                </a:solidFill>
+              </a:rPr>
+              <a:t>green checkmark</a:t>
+            </a:r>
+          </a:p>
+          <a:p>
+            <a:endParaRPr lang="en-US" dirty="0"/>
+          </a:p>
+          <a:p>
+            <a:endParaRPr lang="en-US" dirty="0" smtClean="0"/>
+          </a:p>
+          <a:p>
+            <a:endParaRPr lang="en-US" dirty="0"/>
+          </a:p>
+          <a:p>
+            <a:endParaRPr lang="en-US" dirty="0" smtClean="0"/>
+          </a:p>
+          <a:p>
+            <a:endParaRPr lang="en-US" dirty="0"/>
+          </a:p>
+          <a:p>
+            <a:endParaRPr lang="en-US" dirty="0" smtClean="0"/>
+          </a:p>
+          <a:p>
+            <a:endParaRPr lang="en-US" dirty="0"/>
+          </a:p>
+          <a:p>
+            <a:endParaRPr lang="en-US" dirty="0" smtClean="0"/>
+          </a:p>
+          <a:p>
+            <a:endParaRPr lang="en-US" dirty="0"/>
+          </a:p>
+          <a:p>
+            <a:endParaRPr lang="en-US" dirty="0" smtClean="0"/>
+          </a:p>
+          <a:p>
+            <a:r>
+              <a:rPr lang="en-US" dirty="0" smtClean="0">
+                <a:solidFill>
+                  <a:srgbClr val="C00000"/>
+                </a:solidFill>
+              </a:rPr>
+              <a:t>Restart Eclipse </a:t>
+            </a:r>
+            <a:r>
+              <a:rPr lang="en-US" dirty="0" smtClean="0"/>
+              <a:t>after the installation finished (important !)</a:t>
+            </a:r>
+          </a:p>
+          <a:p>
+            <a:pPr lvl="1"/>
+            <a:endParaRPr lang="en-US" dirty="0" smtClean="0"/>
+          </a:p>
+        </p:txBody>
+      </p:sp>
+      <p:pic>
+        <p:nvPicPr>
+          <p:cNvPr id="6" name="Picture 5"/>
+          <p:cNvPicPr>
+            <a:picLocks noChangeAspect="1"/>
+          </p:cNvPicPr>
+          <p:nvPr/>
+        </p:nvPicPr>
+        <p:blipFill>
+          <a:blip r:embed="rId2"/>
+          <a:stretch>
+            <a:fillRect/>
+          </a:stretch>
+        </p:blipFill>
+        <p:spPr>
+          <a:xfrm>
+            <a:off x="2147030" y="2357601"/>
+            <a:ext cx="4683550" cy="2974687"/>
+          </a:xfrm>
+          <a:prstGeom prst="rect">
+            <a:avLst/>
+          </a:prstGeom>
+        </p:spPr>
+      </p:pic>
+      <p:sp>
+        <p:nvSpPr>
+          <p:cNvPr id="7" name="Slide Number Placeholder 6"/>
+          <p:cNvSpPr>
+            <a:spLocks noGrp="1"/>
+          </p:cNvSpPr>
+          <p:nvPr>
+            <p:ph type="sldNum" sz="quarter" idx="12"/>
+          </p:nvPr>
+        </p:nvSpPr>
+        <p:spPr/>
+        <p:txBody>
+          <a:bodyPr/>
+          <a:lstStyle/>
+          <a:p>
+            <a:fld id="{52DB1A75-B9BE-46B1-B482-5F96E51FA4B2}" type="slidenum">
+              <a:rPr lang="en-US" smtClean="0"/>
+              <a:t>24</a:t>
+            </a:fld>
+            <a:endParaRPr lang="en-US"/>
+          </a:p>
+        </p:txBody>
+      </p:sp>
+    </p:spTree>
+    <p:extLst>
+      <p:ext uri="{BB962C8B-B14F-4D97-AF65-F5344CB8AC3E}">
+        <p14:creationId xmlns:p14="http://schemas.microsoft.com/office/powerpoint/2010/main" val="1307324835"/>
       </p:ext>
     </p:extLst>
   </p:cSld>
@@ -8045,109 +8150,61 @@
           <a:lstStyle/>
           <a:p>
             <a:r>
-              <a:rPr lang="en-US" dirty="0" smtClean="0"/>
-              <a:t>The Android SDK Manager</a:t>
+              <a:rPr lang="en-US" dirty="0"/>
+              <a:t>Creating an Android Virtual Device (AVD)</a:t>
+            </a:r>
+          </a:p>
+        </p:txBody>
+      </p:sp>
+      <p:sp>
+        <p:nvSpPr>
+          <p:cNvPr id="3" name="Content Placeholder 2"/>
+          <p:cNvSpPr>
+            <a:spLocks noGrp="1"/>
+          </p:cNvSpPr>
+          <p:nvPr>
+            <p:ph idx="1"/>
+          </p:nvPr>
+        </p:nvSpPr>
+        <p:spPr/>
+        <p:txBody>
+          <a:bodyPr/>
+          <a:lstStyle/>
+          <a:p>
+            <a:r>
+              <a:rPr lang="en-US" dirty="0"/>
+              <a:t>Android applications may be run on a real device or on the Android Emulator, which ships with the Android SDK</a:t>
+            </a:r>
+            <a:r>
+              <a:rPr lang="en-US" dirty="0" smtClean="0"/>
+              <a:t>.</a:t>
             </a:r>
             <a:endParaRPr lang="en-US" dirty="0"/>
           </a:p>
-        </p:txBody>
-      </p:sp>
-      <p:sp>
-        <p:nvSpPr>
-          <p:cNvPr id="3" name="Content Placeholder 2"/>
-          <p:cNvSpPr>
-            <a:spLocks noGrp="1"/>
-          </p:cNvSpPr>
-          <p:nvPr>
-            <p:ph idx="1"/>
-          </p:nvPr>
-        </p:nvSpPr>
-        <p:spPr/>
-        <p:txBody>
-          <a:bodyPr/>
-          <a:lstStyle/>
-          <a:p>
-            <a:r>
-              <a:rPr lang="en-US" dirty="0" smtClean="0"/>
-              <a:t>Make sure to accept </a:t>
-            </a:r>
-            <a:r>
-              <a:rPr lang="en-US" dirty="0" smtClean="0">
-                <a:solidFill>
-                  <a:srgbClr val="00B050"/>
-                </a:solidFill>
-              </a:rPr>
-              <a:t>ALL licenses</a:t>
-            </a:r>
-          </a:p>
-          <a:p>
-            <a:pPr lvl="1"/>
-            <a:r>
-              <a:rPr lang="en-US" dirty="0" smtClean="0"/>
-              <a:t>All components should have a </a:t>
-            </a:r>
-            <a:r>
-              <a:rPr lang="en-US" dirty="0" smtClean="0">
-                <a:solidFill>
-                  <a:srgbClr val="00B050"/>
-                </a:solidFill>
-              </a:rPr>
-              <a:t>green checkmark</a:t>
+          <a:p>
+            <a:r>
+              <a:rPr lang="en-US" dirty="0"/>
+              <a:t>In Eclipse navigate to Window =&gt; Android Virtual Device </a:t>
+            </a:r>
+            <a:r>
+              <a:rPr lang="en-US" dirty="0" smtClean="0"/>
+              <a:t>Manager</a:t>
+            </a:r>
+          </a:p>
+          <a:p>
+            <a:r>
+              <a:rPr lang="en-US" dirty="0" smtClean="0"/>
+              <a:t>Open the second tab (Device Definitions) and select the ‘5.1” WVGA’</a:t>
             </a:r>
           </a:p>
           <a:p>
             <a:endParaRPr lang="en-US" dirty="0"/>
-          </a:p>
-          <a:p>
-            <a:endParaRPr lang="en-US" dirty="0" smtClean="0"/>
-          </a:p>
-          <a:p>
-            <a:endParaRPr lang="en-US" dirty="0"/>
-          </a:p>
-          <a:p>
-            <a:endParaRPr lang="en-US" dirty="0" smtClean="0"/>
-          </a:p>
-          <a:p>
-            <a:endParaRPr lang="en-US" dirty="0"/>
-          </a:p>
-          <a:p>
-            <a:endParaRPr lang="en-US" dirty="0" smtClean="0"/>
-          </a:p>
-          <a:p>
-            <a:endParaRPr lang="en-US" dirty="0"/>
-          </a:p>
-          <a:p>
-            <a:endParaRPr lang="en-US" dirty="0" smtClean="0"/>
-          </a:p>
-          <a:p>
-            <a:endParaRPr lang="en-US" dirty="0"/>
-          </a:p>
-          <a:p>
-            <a:endParaRPr lang="en-US" dirty="0" smtClean="0"/>
-          </a:p>
-          <a:p>
-            <a:r>
-              <a:rPr lang="en-US" dirty="0" smtClean="0">
-                <a:solidFill>
-                  <a:srgbClr val="C00000"/>
-                </a:solidFill>
-              </a:rPr>
-              <a:t>Restart Eclipse </a:t>
-            </a:r>
-            <a:r>
-              <a:rPr lang="en-US" dirty="0" smtClean="0"/>
-              <a:t>after the installation finished (important !)</a:t>
-            </a:r>
-          </a:p>
-          <a:p>
-            <a:pPr lvl="1"/>
-            <a:endParaRPr lang="en-US" dirty="0" smtClean="0"/>
           </a:p>
         </p:txBody>
       </p:sp>
       <p:pic>
         <p:nvPicPr>
-          <p:cNvPr id="6" name="Picture 5"/>
+          <p:cNvPr id="4" name="Picture 3"/>
           <p:cNvPicPr>
             <a:picLocks noChangeAspect="1"/>
           </p:cNvPicPr>
@@ -8161,8 +8218,8 @@
         </p:blipFill>
         <p:spPr>
           <a:xfrm>
-            <a:off x="2147030" y="2357601"/>
-            <a:ext cx="4683550" cy="2974687"/>
+            <a:off x="1334946" y="2961513"/>
+            <a:ext cx="5990530" cy="3164652"/>
           </a:xfrm>
           <a:prstGeom prst="rect">
             <a:avLst/>
@@ -8171,7 +8228,7 @@
       </p:pic>
       <p:sp>
         <p:nvSpPr>
-          <p:cNvPr id="7" name="Slide Number Placeholder 6"/>
+          <p:cNvPr id="5" name="Slide Number Placeholder 4"/>
           <p:cNvSpPr>
             <a:spLocks noGrp="1"/>
           </p:cNvSpPr>
@@ -8195,7 +8252,7 @@
     </p:spTree>
     <p:extLst>
       <p:ext uri="{BB962C8B-B14F-4D97-AF65-F5344CB8AC3E}">
-        <p14:creationId xmlns:p14="http://schemas.microsoft.com/office/powerpoint/2010/main" val="1307324835"/>
+        <p14:creationId xmlns:p14="http://schemas.microsoft.com/office/powerpoint/2010/main" val="2182028151"/>
       </p:ext>
     </p:extLst>
   </p:cSld>
@@ -8267,29 +8324,44 @@
           <a:lstStyle/>
           <a:p>
             <a:r>
-              <a:rPr lang="en-US" dirty="0"/>
-              <a:t>Android applications may be run on a real device or on the Android Emulator, which ships with the Android SDK</a:t>
-            </a:r>
-            <a:r>
-              <a:rPr lang="en-US" dirty="0" smtClean="0"/>
-              <a:t>.</a:t>
-            </a:r>
-            <a:endParaRPr lang="en-US" dirty="0"/>
-          </a:p>
-          <a:p>
-            <a:r>
-              <a:rPr lang="en-US" dirty="0"/>
-              <a:t>In Eclipse navigate to Window =&gt; Android Virtual Device </a:t>
-            </a:r>
-            <a:r>
-              <a:rPr lang="en-US" dirty="0" smtClean="0"/>
-              <a:t>Manager</a:t>
-            </a:r>
-          </a:p>
-          <a:p>
-            <a:r>
-              <a:rPr lang="en-US" dirty="0" smtClean="0"/>
-              <a:t>Open the second tab (Device Definitions) and select the ‘5.1” WVGA’</a:t>
+              <a:rPr lang="en-US" dirty="0" smtClean="0"/>
+              <a:t>Click “Create AVD”</a:t>
+            </a:r>
+          </a:p>
+          <a:p>
+            <a:r>
+              <a:rPr lang="en-US" dirty="0" smtClean="0"/>
+              <a:t>Give it a name</a:t>
+            </a:r>
+          </a:p>
+          <a:p>
+            <a:r>
+              <a:rPr lang="en-US" dirty="0" smtClean="0"/>
+              <a:t>Choose “Android 4.2.2 – API Level 17” as target</a:t>
+            </a:r>
+          </a:p>
+          <a:p>
+            <a:r>
+              <a:rPr lang="en-US" dirty="0" smtClean="0"/>
+              <a:t>Choose an ARM CPU</a:t>
+            </a:r>
+          </a:p>
+          <a:p>
+            <a:r>
+              <a:rPr lang="en-US" dirty="0" smtClean="0"/>
+              <a:t>Select HVGA as skin</a:t>
+            </a:r>
+          </a:p>
+          <a:p>
+            <a:r>
+              <a:rPr lang="en-US" dirty="0" smtClean="0"/>
+              <a:t>Memory should be set to 128</a:t>
+            </a:r>
+          </a:p>
+          <a:p>
+            <a:r>
+              <a:rPr lang="en-US" dirty="0" smtClean="0"/>
+              <a:t>Make sure to check “Use Host GPU”</a:t>
             </a:r>
           </a:p>
           <a:p>
@@ -8299,7 +8371,7 @@
       </p:sp>
       <p:pic>
         <p:nvPicPr>
-          <p:cNvPr id="4" name="Picture 3"/>
+          <p:cNvPr id="5" name="Picture 4"/>
           <p:cNvPicPr>
             <a:picLocks noChangeAspect="1"/>
           </p:cNvPicPr>
@@ -8313,8 +8385,8 @@
         </p:blipFill>
         <p:spPr>
           <a:xfrm>
-            <a:off x="1334946" y="2961513"/>
-            <a:ext cx="5990530" cy="3164652"/>
+            <a:off x="5271274" y="706056"/>
+            <a:ext cx="3638056" cy="6151944"/>
           </a:xfrm>
           <a:prstGeom prst="rect">
             <a:avLst/>
@@ -8323,7 +8395,7 @@
       </p:pic>
       <p:sp>
         <p:nvSpPr>
-          <p:cNvPr id="5" name="Slide Number Placeholder 4"/>
+          <p:cNvPr id="6" name="Slide Number Placeholder 5"/>
           <p:cNvSpPr>
             <a:spLocks noGrp="1"/>
           </p:cNvSpPr>
@@ -8347,7 +8419,7 @@
     </p:spTree>
     <p:extLst>
       <p:ext uri="{BB962C8B-B14F-4D97-AF65-F5344CB8AC3E}">
-        <p14:creationId xmlns:p14="http://schemas.microsoft.com/office/powerpoint/2010/main" val="2182028151"/>
+        <p14:creationId xmlns:p14="http://schemas.microsoft.com/office/powerpoint/2010/main" val="2539421065"/>
       </p:ext>
     </p:extLst>
   </p:cSld>
@@ -8383,114 +8455,59 @@
       </p:grpSpPr>
       <p:sp>
         <p:nvSpPr>
-          <p:cNvPr id="2" name="Title 1"/>
-          <p:cNvSpPr>
-            <a:spLocks noGrp="1"/>
-          </p:cNvSpPr>
-          <p:nvPr>
-            <p:ph type="title"/>
-          </p:nvPr>
-        </p:nvSpPr>
-        <p:spPr/>
-        <p:txBody>
-          <a:bodyPr/>
-          <a:lstStyle/>
-          <a:p>
-            <a:r>
-              <a:rPr lang="en-US" dirty="0"/>
-              <a:t>Creating an Android Virtual Device (AVD)</a:t>
-            </a:r>
-          </a:p>
-        </p:txBody>
-      </p:sp>
-      <p:sp>
-        <p:nvSpPr>
-          <p:cNvPr id="3" name="Content Placeholder 2"/>
-          <p:cNvSpPr>
-            <a:spLocks noGrp="1"/>
-          </p:cNvSpPr>
-          <p:nvPr>
-            <p:ph idx="1"/>
-          </p:nvPr>
-        </p:nvSpPr>
-        <p:spPr/>
-        <p:txBody>
-          <a:bodyPr/>
-          <a:lstStyle/>
-          <a:p>
-            <a:r>
-              <a:rPr lang="en-US" dirty="0" smtClean="0"/>
-              <a:t>Click “Create AVD”</a:t>
-            </a:r>
-          </a:p>
-          <a:p>
-            <a:r>
-              <a:rPr lang="en-US" dirty="0" smtClean="0"/>
-              <a:t>Give it a name</a:t>
-            </a:r>
-          </a:p>
-          <a:p>
-            <a:r>
-              <a:rPr lang="en-US" dirty="0" smtClean="0"/>
-              <a:t>Choose “Android 4.2.2 – API Level 17” as target</a:t>
-            </a:r>
-          </a:p>
-          <a:p>
-            <a:r>
-              <a:rPr lang="en-US" dirty="0" smtClean="0"/>
-              <a:t>Choose an ARM CPU</a:t>
-            </a:r>
-          </a:p>
-          <a:p>
-            <a:r>
-              <a:rPr lang="en-US" dirty="0" smtClean="0"/>
-              <a:t>Select HVGA as skin</a:t>
-            </a:r>
-          </a:p>
-          <a:p>
-            <a:r>
-              <a:rPr lang="en-US" dirty="0" smtClean="0"/>
-              <a:t>Memory should be set to 128</a:t>
-            </a:r>
-          </a:p>
-          <a:p>
-            <a:r>
-              <a:rPr lang="en-US" dirty="0" smtClean="0"/>
-              <a:t>Make sure to check “Use Host GPU”</a:t>
-            </a:r>
-          </a:p>
-          <a:p>
+          <p:cNvPr id="4" name="Title 3"/>
+          <p:cNvSpPr>
+            <a:spLocks noGrp="1"/>
+          </p:cNvSpPr>
+          <p:nvPr>
+            <p:ph type="ctrTitle"/>
+          </p:nvPr>
+        </p:nvSpPr>
+        <p:spPr/>
+        <p:txBody>
+          <a:bodyPr/>
+          <a:lstStyle/>
+          <a:p>
+            <a:r>
+              <a:rPr lang="en-US" dirty="0"/>
+              <a:t>Android Development</a:t>
+            </a:r>
+            <a:br>
+              <a:rPr lang="en-US" dirty="0"/>
+            </a:br>
+            <a:r>
+              <a:rPr lang="en-US" dirty="0"/>
+              <a:t>Chapter 1 – Getting Started with Android Programming</a:t>
+            </a:r>
+          </a:p>
+        </p:txBody>
+      </p:sp>
+      <p:sp>
+        <p:nvSpPr>
+          <p:cNvPr id="5" name="Subtitle 4"/>
+          <p:cNvSpPr>
+            <a:spLocks noGrp="1"/>
+          </p:cNvSpPr>
+          <p:nvPr>
+            <p:ph type="subTitle" idx="1"/>
+          </p:nvPr>
+        </p:nvSpPr>
+        <p:spPr/>
+        <p:txBody>
+          <a:bodyPr/>
+          <a:lstStyle/>
+          <a:p>
+            <a:r>
+              <a:rPr lang="en-US" dirty="0" smtClean="0"/>
+              <a:t>Your First Android Application</a:t>
+            </a:r>
             <a:endParaRPr lang="en-US" dirty="0"/>
           </a:p>
         </p:txBody>
       </p:sp>
-      <p:pic>
-        <p:nvPicPr>
-          <p:cNvPr id="5" name="Picture 4"/>
-          <p:cNvPicPr>
-            <a:picLocks noChangeAspect="1"/>
-          </p:cNvPicPr>
-          <p:nvPr/>
-        </p:nvPicPr>
-        <p:blipFill>
-          <a:blip r:embed="rId2"/>
-          <a:stretch>
-            <a:fillRect/>
-          </a:stretch>
-        </p:blipFill>
-        <p:spPr>
-          <a:xfrm>
-            <a:off x="5271274" y="706056"/>
-            <a:ext cx="3638056" cy="6151944"/>
-          </a:xfrm>
-          <a:prstGeom prst="rect">
-            <a:avLst/>
-          </a:prstGeom>
-        </p:spPr>
-      </p:pic>
-      <p:sp>
-        <p:nvSpPr>
-          <p:cNvPr id="6" name="Slide Number Placeholder 5"/>
+      <p:sp>
+        <p:nvSpPr>
+          <p:cNvPr id="2" name="Slide Number Placeholder 1"/>
           <p:cNvSpPr>
             <a:spLocks noGrp="1"/>
           </p:cNvSpPr>
@@ -8514,7 +8531,7 @@
     </p:spTree>
     <p:extLst>
       <p:ext uri="{BB962C8B-B14F-4D97-AF65-F5344CB8AC3E}">
-        <p14:creationId xmlns:p14="http://schemas.microsoft.com/office/powerpoint/2010/main" val="2539421065"/>
+        <p14:creationId xmlns:p14="http://schemas.microsoft.com/office/powerpoint/2010/main" val="1782746952"/>
       </p:ext>
     </p:extLst>
   </p:cSld>
@@ -8555,52 +8572,163 @@
             <a:spLocks noGrp="1"/>
           </p:cNvSpPr>
           <p:nvPr>
-            <p:ph type="ctrTitle"/>
-          </p:nvPr>
-        </p:nvSpPr>
-        <p:spPr/>
-        <p:txBody>
-          <a:bodyPr/>
-          <a:lstStyle/>
-          <a:p>
-            <a:r>
-              <a:rPr lang="en-US" dirty="0"/>
-              <a:t>Android Development</a:t>
-            </a:r>
-            <a:br>
-              <a:rPr lang="en-US" dirty="0"/>
-            </a:br>
-            <a:r>
-              <a:rPr lang="en-US" dirty="0"/>
-              <a:t>Chapter 1 – Getting Started with Android Programming</a:t>
+            <p:ph type="title"/>
+          </p:nvPr>
+        </p:nvSpPr>
+        <p:spPr/>
+        <p:txBody>
+          <a:bodyPr/>
+          <a:lstStyle/>
+          <a:p>
+            <a:r>
+              <a:rPr lang="en-US" dirty="0"/>
+              <a:t>Application Fundamentals</a:t>
+            </a:r>
+          </a:p>
+        </p:txBody>
+      </p:sp>
+      <p:sp>
+        <p:nvSpPr>
+          <p:cNvPr id="5" name="Content Placeholder 4"/>
+          <p:cNvSpPr>
+            <a:spLocks noGrp="1"/>
+          </p:cNvSpPr>
+          <p:nvPr>
+            <p:ph idx="1"/>
+          </p:nvPr>
+        </p:nvSpPr>
+        <p:spPr/>
+        <p:txBody>
+          <a:bodyPr>
+            <a:normAutofit/>
+          </a:bodyPr>
+          <a:lstStyle/>
+          <a:p>
+            <a:r>
+              <a:rPr lang="en-US" dirty="0"/>
+              <a:t>Development </a:t>
+            </a:r>
+            <a:r>
+              <a:rPr lang="en-US" dirty="0" smtClean="0"/>
+              <a:t>Language</a:t>
+            </a:r>
+          </a:p>
+          <a:p>
+            <a:pPr lvl="1"/>
+            <a:r>
+              <a:rPr lang="en-US" dirty="0" smtClean="0"/>
+              <a:t>Java</a:t>
             </a:r>
             <a:endParaRPr lang="en-US" dirty="0"/>
           </a:p>
-        </p:txBody>
-      </p:sp>
-      <p:sp>
-        <p:nvSpPr>
-          <p:cNvPr id="5" name="Subtitle 4"/>
-          <p:cNvSpPr>
-            <a:spLocks noGrp="1"/>
-          </p:cNvSpPr>
-          <p:nvPr>
-            <p:ph type="subTitle" idx="1"/>
-          </p:nvPr>
-        </p:nvSpPr>
-        <p:spPr/>
-        <p:txBody>
-          <a:bodyPr/>
-          <a:lstStyle/>
-          <a:p>
-            <a:r>
-              <a:rPr lang="en-US" dirty="0" smtClean="0"/>
-              <a:t>Your First Android Application</a:t>
-            </a:r>
+          <a:p>
+            <a:pPr lvl="1"/>
+            <a:r>
+              <a:rPr lang="en-US" dirty="0"/>
+              <a:t>Android SDK tools compile the code into an Android package, an archive file with an .</a:t>
+            </a:r>
+            <a:r>
+              <a:rPr lang="en-US" dirty="0" err="1"/>
+              <a:t>apk</a:t>
+            </a:r>
+            <a:r>
+              <a:rPr lang="en-US" dirty="0"/>
+              <a:t> suffix</a:t>
+            </a:r>
+          </a:p>
+          <a:p>
+            <a:endParaRPr lang="en-US" dirty="0" smtClean="0"/>
+          </a:p>
+          <a:p>
+            <a:r>
+              <a:rPr lang="en-US" dirty="0" smtClean="0"/>
+              <a:t>Security </a:t>
+            </a:r>
+            <a:r>
+              <a:rPr lang="en-US" dirty="0"/>
+              <a:t>sandbox</a:t>
+            </a:r>
+          </a:p>
+          <a:p>
+            <a:pPr lvl="1"/>
+            <a:r>
+              <a:rPr lang="en-US" dirty="0"/>
+              <a:t>Each application has a unique Linux user ID</a:t>
+            </a:r>
+          </a:p>
+          <a:p>
+            <a:pPr lvl="1"/>
+            <a:r>
+              <a:rPr lang="en-US" dirty="0"/>
+              <a:t>Each process has its own virtual machine (VM)</a:t>
+            </a:r>
+          </a:p>
+          <a:p>
+            <a:pPr lvl="1"/>
+            <a:r>
+              <a:rPr lang="en-US" dirty="0"/>
+              <a:t>Every application runs in its own Linux </a:t>
+            </a:r>
+            <a:r>
+              <a:rPr lang="en-US" dirty="0" smtClean="0"/>
+              <a:t>process</a:t>
+            </a:r>
+          </a:p>
+          <a:p>
+            <a:pPr lvl="1"/>
             <a:endParaRPr lang="en-US" dirty="0"/>
           </a:p>
-        </p:txBody>
-      </p:sp>
+          <a:p>
+            <a:r>
+              <a:rPr lang="en-US" dirty="0"/>
+              <a:t>Principle of least </a:t>
+            </a:r>
+            <a:r>
+              <a:rPr lang="en-US" dirty="0" smtClean="0"/>
+              <a:t>privilege</a:t>
+            </a:r>
+          </a:p>
+          <a:p>
+            <a:pPr lvl="1"/>
+            <a:r>
+              <a:rPr lang="en-US" dirty="0" smtClean="0"/>
+              <a:t>Each </a:t>
+            </a:r>
+            <a:r>
+              <a:rPr lang="en-US" dirty="0"/>
+              <a:t>application, has access only to the components that it requires to do its work and no more</a:t>
+            </a:r>
+            <a:r>
+              <a:rPr lang="en-US" dirty="0" smtClean="0"/>
+              <a:t>.</a:t>
+            </a:r>
+          </a:p>
+        </p:txBody>
+      </p:sp>
+      <p:pic>
+        <p:nvPicPr>
+          <p:cNvPr id="6" name="Picture 5"/>
+          <p:cNvPicPr>
+            <a:picLocks noChangeAspect="1"/>
+          </p:cNvPicPr>
+          <p:nvPr/>
+        </p:nvPicPr>
+        <p:blipFill>
+          <a:blip r:embed="rId2"/>
+          <a:stretch>
+            <a:fillRect/>
+          </a:stretch>
+        </p:blipFill>
+        <p:spPr>
+          <a:xfrm>
+            <a:off x="5825269" y="3211416"/>
+            <a:ext cx="3097836" cy="1451481"/>
+          </a:xfrm>
+          <a:prstGeom prst="rect">
+            <a:avLst/>
+          </a:prstGeom>
+        </p:spPr>
+      </p:pic>
       <p:sp>
         <p:nvSpPr>
           <p:cNvPr id="2" name="Slide Number Placeholder 1"/>
@@ -8627,7 +8755,7 @@
     </p:spTree>
     <p:extLst>
       <p:ext uri="{BB962C8B-B14F-4D97-AF65-F5344CB8AC3E}">
-        <p14:creationId xmlns:p14="http://schemas.microsoft.com/office/powerpoint/2010/main" val="1782746952"/>
+        <p14:creationId xmlns:p14="http://schemas.microsoft.com/office/powerpoint/2010/main" val="3816045419"/>
       </p:ext>
     </p:extLst>
   </p:cSld>
@@ -8663,7 +8791,7 @@
       </p:grpSpPr>
       <p:sp>
         <p:nvSpPr>
-          <p:cNvPr id="4" name="Title 3"/>
+          <p:cNvPr id="3" name="Title 2"/>
           <p:cNvSpPr>
             <a:spLocks noGrp="1"/>
           </p:cNvSpPr>
@@ -8677,15 +8805,16 @@
           <a:lstStyle/>
           <a:p>
             <a:r>
-              <a:rPr lang="en-US" dirty="0"/>
-              <a:t>Application Fundamentals</a:t>
-            </a:r>
-          </a:p>
-        </p:txBody>
-      </p:sp>
-      <p:sp>
-        <p:nvSpPr>
-          <p:cNvPr id="5" name="Content Placeholder 4"/>
+              <a:rPr lang="it-IT" dirty="0"/>
+              <a:t>Create a Hello Universe Application</a:t>
+            </a:r>
+            <a:endParaRPr lang="en-US" dirty="0"/>
+          </a:p>
+        </p:txBody>
+      </p:sp>
+      <p:sp>
+        <p:nvSpPr>
+          <p:cNvPr id="4" name="Content Placeholder 3"/>
           <p:cNvSpPr>
             <a:spLocks noGrp="1"/>
           </p:cNvSpPr>
@@ -8700,89 +8829,35 @@
           <a:p>
             <a:r>
               <a:rPr lang="en-US" dirty="0"/>
-              <a:t>Development </a:t>
-            </a:r>
-            <a:r>
-              <a:rPr lang="en-US" dirty="0" smtClean="0"/>
-              <a:t>Language</a:t>
-            </a:r>
-          </a:p>
-          <a:p>
-            <a:pPr lvl="1"/>
-            <a:r>
-              <a:rPr lang="en-US" dirty="0" smtClean="0"/>
-              <a:t>Java</a:t>
-            </a:r>
+              <a:t>Select File =&gt; New Android Project</a:t>
+            </a:r>
+          </a:p>
+          <a:p>
+            <a:r>
+              <a:rPr lang="en-US" dirty="0"/>
+              <a:t>Give your project a name</a:t>
+            </a:r>
+          </a:p>
+          <a:p>
+            <a:r>
+              <a:rPr lang="en-US" dirty="0"/>
+              <a:t>Also set the Package name</a:t>
+            </a:r>
+          </a:p>
+          <a:p>
+            <a:r>
+              <a:rPr lang="en-US" dirty="0"/>
+              <a:t>Make sure to select “API level 17” for all SDK versions</a:t>
+            </a:r>
+          </a:p>
+          <a:p>
             <a:endParaRPr lang="en-US" dirty="0"/>
-          </a:p>
-          <a:p>
-            <a:pPr lvl="1"/>
-            <a:r>
-              <a:rPr lang="en-US" dirty="0"/>
-              <a:t>Android SDK tools compile the code into an Android package, an archive file with an .</a:t>
-            </a:r>
-            <a:r>
-              <a:rPr lang="en-US" dirty="0" err="1"/>
-              <a:t>apk</a:t>
-            </a:r>
-            <a:r>
-              <a:rPr lang="en-US" dirty="0"/>
-              <a:t> suffix</a:t>
-            </a:r>
-          </a:p>
-          <a:p>
-            <a:endParaRPr lang="en-US" dirty="0" smtClean="0"/>
-          </a:p>
-          <a:p>
-            <a:r>
-              <a:rPr lang="en-US" dirty="0" smtClean="0"/>
-              <a:t>Security </a:t>
-            </a:r>
-            <a:r>
-              <a:rPr lang="en-US" dirty="0"/>
-              <a:t>sandbox</a:t>
-            </a:r>
-          </a:p>
-          <a:p>
-            <a:pPr lvl="1"/>
-            <a:r>
-              <a:rPr lang="en-US" dirty="0"/>
-              <a:t>Each application has a unique Linux user ID</a:t>
-            </a:r>
-          </a:p>
-          <a:p>
-            <a:pPr lvl="1"/>
-            <a:r>
-              <a:rPr lang="en-US" dirty="0"/>
-              <a:t>Each process has its own virtual machine (VM)</a:t>
-            </a:r>
-          </a:p>
-          <a:p>
-            <a:pPr lvl="1"/>
-            <a:r>
-              <a:rPr lang="en-US" dirty="0"/>
-              <a:t>Every application runs in its own Linux </a:t>
-            </a:r>
-            <a:r>
-              <a:rPr lang="en-US" dirty="0" smtClean="0"/>
-              <a:t>process</a:t>
-            </a:r>
-          </a:p>
-          <a:p>
-            <a:pPr lvl="1"/>
-            <a:endParaRPr lang="en-US" dirty="0"/>
-          </a:p>
-          <a:p>
-            <a:r>
-              <a:rPr lang="en-US" dirty="0"/>
-              <a:t>Principle of least privilege: Each application, has access only to the components that it requires to do its work and no more.</a:t>
-            </a:r>
           </a:p>
         </p:txBody>
       </p:sp>
       <p:pic>
         <p:nvPicPr>
-          <p:cNvPr id="6" name="Picture 5"/>
+          <p:cNvPr id="5" name="Picture 4"/>
           <p:cNvPicPr>
             <a:picLocks noChangeAspect="1"/>
           </p:cNvPicPr>
@@ -8796,8 +8871,8 @@
         </p:blipFill>
         <p:spPr>
           <a:xfrm>
-            <a:off x="5825269" y="3211416"/>
-            <a:ext cx="3097836" cy="1451481"/>
+            <a:off x="2221440" y="2969777"/>
+            <a:ext cx="4454488" cy="3803124"/>
           </a:xfrm>
           <a:prstGeom prst="rect">
             <a:avLst/>
@@ -8806,7 +8881,7 @@
       </p:pic>
       <p:sp>
         <p:nvSpPr>
-          <p:cNvPr id="2" name="Slide Number Placeholder 1"/>
+          <p:cNvPr id="6" name="Slide Number Placeholder 5"/>
           <p:cNvSpPr>
             <a:spLocks noGrp="1"/>
           </p:cNvSpPr>
@@ -8830,7 +8905,7 @@
     </p:spTree>
     <p:extLst>
       <p:ext uri="{BB962C8B-B14F-4D97-AF65-F5344CB8AC3E}">
-        <p14:creationId xmlns:p14="http://schemas.microsoft.com/office/powerpoint/2010/main" val="3816045419"/>
+        <p14:creationId xmlns:p14="http://schemas.microsoft.com/office/powerpoint/2010/main" val="1976576652"/>
       </p:ext>
     </p:extLst>
   </p:cSld>
@@ -8997,59 +9072,16 @@
           <a:lstStyle/>
           <a:p>
             <a:r>
-              <a:rPr lang="it-IT" dirty="0"/>
+              <a:rPr lang="en-US" dirty="0" smtClean="0"/>
               <a:t>Create a Hello Universe Application</a:t>
             </a:r>
-            <a:endParaRPr lang="en-US" dirty="0"/>
-          </a:p>
-        </p:txBody>
-      </p:sp>
-      <p:sp>
-        <p:nvSpPr>
-          <p:cNvPr id="4" name="Content Placeholder 3"/>
-          <p:cNvSpPr>
-            <a:spLocks noGrp="1"/>
-          </p:cNvSpPr>
-          <p:nvPr>
-            <p:ph idx="1"/>
-          </p:nvPr>
-        </p:nvSpPr>
-        <p:spPr/>
-        <p:txBody>
-          <a:bodyPr/>
-          <a:lstStyle/>
-          <a:p>
-            <a:r>
-              <a:rPr lang="en-US" dirty="0"/>
-              <a:t>Select File =&gt; New Android Project</a:t>
-            </a:r>
-          </a:p>
-          <a:p>
-            <a:r>
-              <a:rPr lang="en-US" dirty="0"/>
-              <a:t>Give your project a name</a:t>
-            </a:r>
-          </a:p>
-          <a:p>
-            <a:r>
-              <a:rPr lang="en-US" dirty="0"/>
-              <a:t>Also set the Package name</a:t>
-            </a:r>
-          </a:p>
-          <a:p>
-            <a:r>
-              <a:rPr lang="en-US" dirty="0"/>
-              <a:t>Make sure to select “API level 17” for all SDK versions</a:t>
-            </a:r>
-          </a:p>
-          <a:p>
             <a:endParaRPr lang="en-US" dirty="0"/>
           </a:p>
         </p:txBody>
       </p:sp>
       <p:pic>
         <p:nvPicPr>
-          <p:cNvPr id="5" name="Picture 4"/>
+          <p:cNvPr id="2" name="Picture 1"/>
           <p:cNvPicPr>
             <a:picLocks noChangeAspect="1"/>
           </p:cNvPicPr>
@@ -9063,8 +9095,8 @@
         </p:blipFill>
         <p:spPr>
           <a:xfrm>
-            <a:off x="2221440" y="2969777"/>
-            <a:ext cx="4454488" cy="3803124"/>
+            <a:off x="1070438" y="1192283"/>
+            <a:ext cx="6057900" cy="5172075"/>
           </a:xfrm>
           <a:prstGeom prst="rect">
             <a:avLst/>
@@ -9073,7 +9105,7 @@
       </p:pic>
       <p:sp>
         <p:nvSpPr>
-          <p:cNvPr id="6" name="Slide Number Placeholder 5"/>
+          <p:cNvPr id="4" name="Slide Number Placeholder 3"/>
           <p:cNvSpPr>
             <a:spLocks noGrp="1"/>
           </p:cNvSpPr>
@@ -9097,7 +9129,7 @@
     </p:spTree>
     <p:extLst>
       <p:ext uri="{BB962C8B-B14F-4D97-AF65-F5344CB8AC3E}">
-        <p14:creationId xmlns:p14="http://schemas.microsoft.com/office/powerpoint/2010/main" val="1976576652"/>
+        <p14:creationId xmlns:p14="http://schemas.microsoft.com/office/powerpoint/2010/main" val="2119466618"/>
       </p:ext>
     </p:extLst>
   </p:cSld>
@@ -9154,9 +9186,32 @@
           </a:p>
         </p:txBody>
       </p:sp>
+      <p:sp>
+        <p:nvSpPr>
+          <p:cNvPr id="2" name="Content Placeholder 1"/>
+          <p:cNvSpPr>
+            <a:spLocks noGrp="1"/>
+          </p:cNvSpPr>
+          <p:nvPr>
+            <p:ph idx="1"/>
+          </p:nvPr>
+        </p:nvSpPr>
+        <p:spPr/>
+        <p:txBody>
+          <a:bodyPr/>
+          <a:lstStyle/>
+          <a:p>
+            <a:r>
+              <a:rPr lang="en-US" dirty="0" smtClean="0"/>
+              <a:t>Create an empty activity</a:t>
+            </a:r>
+            <a:endParaRPr lang="en-US" dirty="0"/>
+          </a:p>
+        </p:txBody>
+      </p:sp>
       <p:pic>
         <p:nvPicPr>
-          <p:cNvPr id="2" name="Picture 1"/>
+          <p:cNvPr id="5" name="Picture 4"/>
           <p:cNvPicPr>
             <a:picLocks noChangeAspect="1"/>
           </p:cNvPicPr>
@@ -9170,8 +9225,8 @@
         </p:blipFill>
         <p:spPr>
           <a:xfrm>
-            <a:off x="1070438" y="1192283"/>
-            <a:ext cx="6057900" cy="5172075"/>
+            <a:off x="1776708" y="1999311"/>
+            <a:ext cx="5320007" cy="4755764"/>
           </a:xfrm>
           <a:prstGeom prst="rect">
             <a:avLst/>
@@ -9180,7 +9235,7 @@
       </p:pic>
       <p:sp>
         <p:nvSpPr>
-          <p:cNvPr id="4" name="Slide Number Placeholder 3"/>
+          <p:cNvPr id="6" name="Slide Number Placeholder 5"/>
           <p:cNvSpPr>
             <a:spLocks noGrp="1"/>
           </p:cNvSpPr>
@@ -9204,7 +9259,7 @@
     </p:spTree>
     <p:extLst>
       <p:ext uri="{BB962C8B-B14F-4D97-AF65-F5344CB8AC3E}">
-        <p14:creationId xmlns:p14="http://schemas.microsoft.com/office/powerpoint/2010/main" val="2119466618"/>
+        <p14:creationId xmlns:p14="http://schemas.microsoft.com/office/powerpoint/2010/main" val="3113366718"/>
       </p:ext>
     </p:extLst>
   </p:cSld>
@@ -9261,32 +9316,9 @@
           </a:p>
         </p:txBody>
       </p:sp>
-      <p:sp>
-        <p:nvSpPr>
-          <p:cNvPr id="2" name="Content Placeholder 1"/>
-          <p:cNvSpPr>
-            <a:spLocks noGrp="1"/>
-          </p:cNvSpPr>
-          <p:nvPr>
-            <p:ph idx="1"/>
-          </p:nvPr>
-        </p:nvSpPr>
-        <p:spPr/>
-        <p:txBody>
-          <a:bodyPr/>
-          <a:lstStyle/>
-          <a:p>
-            <a:r>
-              <a:rPr lang="en-US" dirty="0" smtClean="0"/>
-              <a:t>Create an empty activity</a:t>
-            </a:r>
-            <a:endParaRPr lang="en-US" dirty="0"/>
-          </a:p>
-        </p:txBody>
-      </p:sp>
       <p:pic>
         <p:nvPicPr>
-          <p:cNvPr id="5" name="Picture 4"/>
+          <p:cNvPr id="2" name="Picture 1"/>
           <p:cNvPicPr>
             <a:picLocks noChangeAspect="1"/>
           </p:cNvPicPr>
@@ -9300,8 +9332,8 @@
         </p:blipFill>
         <p:spPr>
           <a:xfrm>
-            <a:off x="1776708" y="1999311"/>
-            <a:ext cx="5320007" cy="4755764"/>
+            <a:off x="791752" y="846138"/>
+            <a:ext cx="6286500" cy="5619750"/>
           </a:xfrm>
           <a:prstGeom prst="rect">
             <a:avLst/>
@@ -9310,7 +9342,7 @@
       </p:pic>
       <p:sp>
         <p:nvSpPr>
-          <p:cNvPr id="6" name="Slide Number Placeholder 5"/>
+          <p:cNvPr id="4" name="Slide Number Placeholder 3"/>
           <p:cNvSpPr>
             <a:spLocks noGrp="1"/>
           </p:cNvSpPr>
@@ -9334,7 +9366,7 @@
     </p:spTree>
     <p:extLst>
       <p:ext uri="{BB962C8B-B14F-4D97-AF65-F5344CB8AC3E}">
-        <p14:creationId xmlns:p14="http://schemas.microsoft.com/office/powerpoint/2010/main" val="3113366718"/>
+        <p14:creationId xmlns:p14="http://schemas.microsoft.com/office/powerpoint/2010/main" val="1699856711"/>
       </p:ext>
     </p:extLst>
   </p:cSld>
@@ -9370,30 +9402,52 @@
       </p:grpSpPr>
       <p:sp>
         <p:nvSpPr>
-          <p:cNvPr id="3" name="Title 2"/>
-          <p:cNvSpPr>
-            <a:spLocks noGrp="1"/>
-          </p:cNvSpPr>
-          <p:nvPr>
-            <p:ph type="title"/>
-          </p:nvPr>
-        </p:nvSpPr>
-        <p:spPr/>
-        <p:txBody>
-          <a:bodyPr/>
-          <a:lstStyle/>
-          <a:p>
-            <a:r>
-              <a:rPr lang="en-US" dirty="0" smtClean="0"/>
-              <a:t>Create a Hello Universe Application</a:t>
-            </a:r>
-            <a:endParaRPr lang="en-US" dirty="0"/>
+          <p:cNvPr id="3" name="Rectangle 2"/>
+          <p:cNvSpPr/>
+          <p:nvPr/>
+        </p:nvSpPr>
+        <p:spPr>
+          <a:xfrm>
+            <a:off x="6904234" y="5435029"/>
+            <a:ext cx="2239766" cy="1068512"/>
+          </a:xfrm>
+          <a:prstGeom prst="rect">
+            <a:avLst/>
+          </a:prstGeom>
+          <a:solidFill>
+            <a:schemeClr val="bg1"/>
+          </a:solidFill>
+          <a:ln>
+            <a:noFill/>
+          </a:ln>
+          <a:effectLst/>
+        </p:spPr>
+        <p:style>
+          <a:lnRef idx="1">
+            <a:schemeClr val="accent1"/>
+          </a:lnRef>
+          <a:fillRef idx="3">
+            <a:schemeClr val="accent1"/>
+          </a:fillRef>
+          <a:effectRef idx="2">
+            <a:schemeClr val="accent1"/>
+          </a:effectRef>
+          <a:fontRef idx="minor">
+            <a:schemeClr val="lt1"/>
+          </a:fontRef>
+        </p:style>
+        <p:txBody>
+          <a:bodyPr rtlCol="0" anchor="ctr"/>
+          <a:lstStyle/>
+          <a:p>
+            <a:pPr algn="ctr"/>
+            <a:endParaRPr lang="en-US"/>
           </a:p>
         </p:txBody>
       </p:sp>
       <p:pic>
         <p:nvPicPr>
-          <p:cNvPr id="2" name="Picture 1"/>
+          <p:cNvPr id="4" name="Picture 3"/>
           <p:cNvPicPr>
             <a:picLocks noChangeAspect="1"/>
           </p:cNvPicPr>
@@ -9407,8 +9461,8 @@
         </p:blipFill>
         <p:spPr>
           <a:xfrm>
-            <a:off x="791752" y="846138"/>
-            <a:ext cx="6286500" cy="5619750"/>
+            <a:off x="231250" y="1043871"/>
+            <a:ext cx="8726634" cy="4745107"/>
           </a:xfrm>
           <a:prstGeom prst="rect">
             <a:avLst/>
@@ -9417,7 +9471,30 @@
       </p:pic>
       <p:sp>
         <p:nvSpPr>
-          <p:cNvPr id="4" name="Slide Number Placeholder 3"/>
+          <p:cNvPr id="2" name="Title 1"/>
+          <p:cNvSpPr>
+            <a:spLocks noGrp="1"/>
+          </p:cNvSpPr>
+          <p:nvPr>
+            <p:ph type="title"/>
+          </p:nvPr>
+        </p:nvSpPr>
+        <p:spPr/>
+        <p:txBody>
+          <a:bodyPr/>
+          <a:lstStyle/>
+          <a:p>
+            <a:r>
+              <a:rPr lang="en-US" dirty="0" smtClean="0"/>
+              <a:t>Result</a:t>
+            </a:r>
+            <a:endParaRPr lang="en-US" dirty="0"/>
+          </a:p>
+        </p:txBody>
+      </p:sp>
+      <p:sp>
+        <p:nvSpPr>
+          <p:cNvPr id="5" name="Slide Number Placeholder 4"/>
           <p:cNvSpPr>
             <a:spLocks noGrp="1"/>
           </p:cNvSpPr>
@@ -9441,7 +9518,7 @@
     </p:spTree>
     <p:extLst>
       <p:ext uri="{BB962C8B-B14F-4D97-AF65-F5344CB8AC3E}">
-        <p14:creationId xmlns:p14="http://schemas.microsoft.com/office/powerpoint/2010/main" val="1699856711"/>
+        <p14:creationId xmlns:p14="http://schemas.microsoft.com/office/powerpoint/2010/main" val="2275768651"/>
       </p:ext>
     </p:extLst>
   </p:cSld>
@@ -9477,52 +9554,59 @@
       </p:grpSpPr>
       <p:sp>
         <p:nvSpPr>
-          <p:cNvPr id="3" name="Rectangle 2"/>
-          <p:cNvSpPr/>
-          <p:nvPr/>
-        </p:nvSpPr>
-        <p:spPr>
-          <a:xfrm>
-            <a:off x="6904234" y="5435029"/>
-            <a:ext cx="2239766" cy="1068512"/>
-          </a:xfrm>
-          <a:prstGeom prst="rect">
-            <a:avLst/>
-          </a:prstGeom>
-          <a:solidFill>
-            <a:schemeClr val="bg1"/>
-          </a:solidFill>
-          <a:ln>
-            <a:noFill/>
-          </a:ln>
-          <a:effectLst/>
-        </p:spPr>
-        <p:style>
-          <a:lnRef idx="1">
-            <a:schemeClr val="accent1"/>
-          </a:lnRef>
-          <a:fillRef idx="3">
-            <a:schemeClr val="accent1"/>
-          </a:fillRef>
-          <a:effectRef idx="2">
-            <a:schemeClr val="accent1"/>
-          </a:effectRef>
-          <a:fontRef idx="minor">
-            <a:schemeClr val="lt1"/>
-          </a:fontRef>
-        </p:style>
-        <p:txBody>
-          <a:bodyPr rtlCol="0" anchor="ctr"/>
-          <a:lstStyle/>
-          <a:p>
-            <a:pPr algn="ctr"/>
-            <a:endParaRPr lang="en-US"/>
+          <p:cNvPr id="3" name="Title 2"/>
+          <p:cNvSpPr>
+            <a:spLocks noGrp="1"/>
+          </p:cNvSpPr>
+          <p:nvPr>
+            <p:ph type="title"/>
+          </p:nvPr>
+        </p:nvSpPr>
+        <p:spPr/>
+        <p:txBody>
+          <a:bodyPr/>
+          <a:lstStyle/>
+          <a:p>
+            <a:r>
+              <a:rPr lang="en-US" dirty="0" smtClean="0"/>
+              <a:t>Running the Application</a:t>
+            </a:r>
+            <a:endParaRPr lang="en-US" dirty="0"/>
+          </a:p>
+        </p:txBody>
+      </p:sp>
+      <p:sp>
+        <p:nvSpPr>
+          <p:cNvPr id="4" name="Content Placeholder 3"/>
+          <p:cNvSpPr>
+            <a:spLocks noGrp="1"/>
+          </p:cNvSpPr>
+          <p:nvPr>
+            <p:ph idx="1"/>
+          </p:nvPr>
+        </p:nvSpPr>
+        <p:spPr/>
+        <p:txBody>
+          <a:bodyPr/>
+          <a:lstStyle/>
+          <a:p>
+            <a:r>
+              <a:rPr lang="en-US" dirty="0" smtClean="0"/>
+              <a:t>Right click on the project directory in Eclipse and choose “Run as =&gt; Android Application”</a:t>
+            </a:r>
+          </a:p>
+          <a:p>
+            <a:pPr lvl="1"/>
+            <a:r>
+              <a:rPr lang="en-US" dirty="0" smtClean="0"/>
+              <a:t>It takes some time for your emulator to start !</a:t>
+            </a:r>
           </a:p>
         </p:txBody>
       </p:sp>
       <p:pic>
         <p:nvPicPr>
-          <p:cNvPr id="4" name="Picture 3"/>
+          <p:cNvPr id="5" name="Picture 4"/>
           <p:cNvPicPr>
             <a:picLocks noChangeAspect="1"/>
           </p:cNvPicPr>
@@ -9536,8 +9620,8 @@
         </p:blipFill>
         <p:spPr>
           <a:xfrm>
-            <a:off x="231250" y="1043871"/>
-            <a:ext cx="8726634" cy="4745107"/>
+            <a:off x="1788720" y="2678464"/>
+            <a:ext cx="5221886" cy="3701262"/>
           </a:xfrm>
           <a:prstGeom prst="rect">
             <a:avLst/>
@@ -9546,30 +9630,7 @@
       </p:pic>
       <p:sp>
         <p:nvSpPr>
-          <p:cNvPr id="2" name="Title 1"/>
-          <p:cNvSpPr>
-            <a:spLocks noGrp="1"/>
-          </p:cNvSpPr>
-          <p:nvPr>
-            <p:ph type="title"/>
-          </p:nvPr>
-        </p:nvSpPr>
-        <p:spPr/>
-        <p:txBody>
-          <a:bodyPr/>
-          <a:lstStyle/>
-          <a:p>
-            <a:r>
-              <a:rPr lang="en-US" dirty="0" smtClean="0"/>
-              <a:t>Result</a:t>
-            </a:r>
-            <a:endParaRPr lang="en-US" dirty="0"/>
-          </a:p>
-        </p:txBody>
-      </p:sp>
-      <p:sp>
-        <p:nvSpPr>
-          <p:cNvPr id="5" name="Slide Number Placeholder 4"/>
+          <p:cNvPr id="6" name="Slide Number Placeholder 5"/>
           <p:cNvSpPr>
             <a:spLocks noGrp="1"/>
           </p:cNvSpPr>
@@ -9593,7 +9654,7 @@
     </p:spTree>
     <p:extLst>
       <p:ext uri="{BB962C8B-B14F-4D97-AF65-F5344CB8AC3E}">
-        <p14:creationId xmlns:p14="http://schemas.microsoft.com/office/powerpoint/2010/main" val="2275768651"/>
+        <p14:creationId xmlns:p14="http://schemas.microsoft.com/office/powerpoint/2010/main" val="127225535"/>
       </p:ext>
     </p:extLst>
   </p:cSld>
@@ -9629,7 +9690,7 @@
       </p:grpSpPr>
       <p:sp>
         <p:nvSpPr>
-          <p:cNvPr id="3" name="Title 2"/>
+          <p:cNvPr id="2" name="Title 1"/>
           <p:cNvSpPr>
             <a:spLocks noGrp="1"/>
           </p:cNvSpPr>
@@ -9644,7 +9705,7 @@
           <a:p>
             <a:r>
               <a:rPr lang="en-US" dirty="0" smtClean="0"/>
-              <a:t>Running the Application</a:t>
+              <a:t>Multiple AVDs</a:t>
             </a:r>
             <a:endParaRPr lang="en-US" dirty="0"/>
           </a:p>
@@ -9652,7 +9713,7 @@
       </p:sp>
       <p:sp>
         <p:nvSpPr>
-          <p:cNvPr id="4" name="Content Placeholder 3"/>
+          <p:cNvPr id="3" name="Content Placeholder 2"/>
           <p:cNvSpPr>
             <a:spLocks noGrp="1"/>
           </p:cNvSpPr>
@@ -9667,21 +9728,43 @@
           <a:p>
             <a:r>
               <a:rPr lang="en-US" dirty="0" smtClean="0"/>
-              <a:t>Right click on the project directory in Eclipse and choose “Run as =&gt; Android Application”</a:t>
+              <a:t>If you have multiple AVDs or also develop for a physical machine you should enable selection of the run device</a:t>
             </a:r>
           </a:p>
           <a:p>
             <a:pPr lvl="1"/>
             <a:r>
               <a:rPr lang="en-US" dirty="0" smtClean="0"/>
-              <a:t>It takes some time for your emulator to start !</a:t>
-            </a:r>
+              <a:t>Click the dropdown icon on the “Run as” icon at the top of eclipse and choose “Run configurations”</a:t>
+            </a:r>
+          </a:p>
+          <a:p>
+            <a:pPr lvl="1"/>
+            <a:r>
+              <a:rPr lang="en-US" dirty="0" smtClean="0"/>
+              <a:t>Select the “Target” tab</a:t>
+            </a:r>
+          </a:p>
+          <a:p>
+            <a:pPr lvl="1"/>
+            <a:r>
+              <a:rPr lang="en-US" dirty="0" smtClean="0"/>
+              <a:t>Select “Always prompt to pick device”</a:t>
+            </a:r>
+          </a:p>
+          <a:p>
+            <a:pPr lvl="1"/>
+            <a:r>
+              <a:rPr lang="en-US" dirty="0" smtClean="0"/>
+              <a:t>Hit Apply and Close</a:t>
+            </a:r>
+            <a:endParaRPr lang="en-US" dirty="0"/>
           </a:p>
         </p:txBody>
       </p:sp>
       <p:pic>
         <p:nvPicPr>
-          <p:cNvPr id="5" name="Picture 4"/>
+          <p:cNvPr id="4" name="Picture 3"/>
           <p:cNvPicPr>
             <a:picLocks noChangeAspect="1"/>
           </p:cNvPicPr>
@@ -9695,8 +9778,8 @@
         </p:blipFill>
         <p:spPr>
           <a:xfrm>
-            <a:off x="1788720" y="2678464"/>
-            <a:ext cx="5221886" cy="3701262"/>
+            <a:off x="4107118" y="3511944"/>
+            <a:ext cx="4975782" cy="3007077"/>
           </a:xfrm>
           <a:prstGeom prst="rect">
             <a:avLst/>
@@ -9705,7 +9788,7 @@
       </p:pic>
       <p:sp>
         <p:nvSpPr>
-          <p:cNvPr id="6" name="Slide Number Placeholder 5"/>
+          <p:cNvPr id="5" name="Slide Number Placeholder 4"/>
           <p:cNvSpPr>
             <a:spLocks noGrp="1"/>
           </p:cNvSpPr>
@@ -9729,7 +9812,7 @@
     </p:spTree>
     <p:extLst>
       <p:ext uri="{BB962C8B-B14F-4D97-AF65-F5344CB8AC3E}">
-        <p14:creationId xmlns:p14="http://schemas.microsoft.com/office/powerpoint/2010/main" val="127225535"/>
+        <p14:creationId xmlns:p14="http://schemas.microsoft.com/office/powerpoint/2010/main" val="2463279755"/>
       </p:ext>
     </p:extLst>
   </p:cSld>
@@ -9765,7 +9848,7 @@
       </p:grpSpPr>
       <p:sp>
         <p:nvSpPr>
-          <p:cNvPr id="2" name="Title 1"/>
+          <p:cNvPr id="4" name="Title 3"/>
           <p:cNvSpPr>
             <a:spLocks noGrp="1"/>
           </p:cNvSpPr>
@@ -9779,8 +9862,12 @@
           <a:lstStyle/>
           <a:p>
             <a:r>
-              <a:rPr lang="en-US" dirty="0" smtClean="0"/>
-              <a:t>Multiple AVDs</a:t>
+              <a:rPr lang="en-US" dirty="0"/>
+              <a:t>Deploying on a Real </a:t>
+            </a:r>
+            <a:r>
+              <a:rPr lang="en-US" dirty="0" smtClean="0"/>
+              <a:t>Device</a:t>
             </a:r>
             <a:endParaRPr lang="en-US" dirty="0"/>
           </a:p>
@@ -9788,7 +9875,7 @@
       </p:sp>
       <p:sp>
         <p:nvSpPr>
-          <p:cNvPr id="3" name="Content Placeholder 2"/>
+          <p:cNvPr id="5" name="Content Placeholder 4"/>
           <p:cNvSpPr>
             <a:spLocks noGrp="1"/>
           </p:cNvSpPr>
@@ -9803,67 +9890,59 @@
           <a:p>
             <a:r>
               <a:rPr lang="en-US" dirty="0" smtClean="0"/>
-              <a:t>If you have multiple AVDs or also develop for a physical machine you should enable selection of the run device</a:t>
+              <a:t>To deploy or test your application on a real android device you will need to connect the device to your development machine via USB</a:t>
+            </a:r>
+          </a:p>
+          <a:p>
+            <a:r>
+              <a:rPr lang="en-US" dirty="0" smtClean="0"/>
+              <a:t>Next you will need to enable USB debugging</a:t>
             </a:r>
           </a:p>
           <a:p>
             <a:pPr lvl="1"/>
             <a:r>
               <a:rPr lang="en-US" dirty="0" smtClean="0"/>
-              <a:t>Click the dropdown icon on the “Run as” icon at the top of eclipse and choose “Run configurations”</a:t>
+              <a:t>Can mostly be found under Settings/Developers or Settings/Applications</a:t>
+            </a:r>
+          </a:p>
+          <a:p>
+            <a:r>
+              <a:rPr lang="en-US" dirty="0" smtClean="0"/>
+              <a:t>Next you need a USB driver for your Android device on your host machine</a:t>
             </a:r>
           </a:p>
           <a:p>
             <a:pPr lvl="1"/>
             <a:r>
-              <a:rPr lang="en-US" dirty="0" smtClean="0"/>
-              <a:t>Select the “Target” tab</a:t>
-            </a:r>
-          </a:p>
-          <a:p>
-            <a:pPr lvl="1"/>
-            <a:r>
-              <a:rPr lang="en-US" dirty="0" smtClean="0"/>
-              <a:t>Select “Always prompt to pick device”</a:t>
-            </a:r>
-          </a:p>
-          <a:p>
-            <a:pPr lvl="1"/>
-            <a:r>
-              <a:rPr lang="en-US" dirty="0" smtClean="0"/>
-              <a:t>Hit Apply and Close</a:t>
-            </a:r>
-            <a:endParaRPr lang="en-US" dirty="0"/>
-          </a:p>
-        </p:txBody>
-      </p:sp>
-      <p:pic>
-        <p:nvPicPr>
-          <p:cNvPr id="4" name="Picture 3"/>
-          <p:cNvPicPr>
-            <a:picLocks noChangeAspect="1"/>
-          </p:cNvPicPr>
-          <p:nvPr/>
-        </p:nvPicPr>
-        <p:blipFill>
-          <a:blip r:embed="rId2"/>
-          <a:stretch>
-            <a:fillRect/>
-          </a:stretch>
-        </p:blipFill>
-        <p:spPr>
-          <a:xfrm>
-            <a:off x="4107118" y="3511944"/>
-            <a:ext cx="4975782" cy="3007077"/>
-          </a:xfrm>
-          <a:prstGeom prst="rect">
-            <a:avLst/>
-          </a:prstGeom>
-        </p:spPr>
-      </p:pic>
-      <p:sp>
-        <p:nvSpPr>
-          <p:cNvPr id="5" name="Slide Number Placeholder 4"/>
+              <a:rPr lang="en-US" dirty="0"/>
+              <a:t>Check out </a:t>
+            </a:r>
+            <a:r>
+              <a:rPr lang="en-US" dirty="0">
+                <a:hlinkClick r:id="rId2"/>
+              </a:rPr>
+              <a:t>http://</a:t>
+            </a:r>
+            <a:r>
+              <a:rPr lang="en-US" dirty="0" smtClean="0">
+                <a:hlinkClick r:id="rId2"/>
+              </a:rPr>
+              <a:t>developer.android.com/tools/extras/oem-usb.html#Drivers</a:t>
+            </a:r>
+            <a:endParaRPr lang="en-US" dirty="0" smtClean="0"/>
+          </a:p>
+          <a:p>
+            <a:r>
+              <a:rPr lang="en-US" dirty="0" smtClean="0"/>
+              <a:t>When selecting the “Run as” options from Eclipse select the physical device instead of an AVD</a:t>
+            </a:r>
+          </a:p>
+        </p:txBody>
+      </p:sp>
+      <p:sp>
+        <p:nvSpPr>
+          <p:cNvPr id="6" name="Slide Number Placeholder 5"/>
           <p:cNvSpPr>
             <a:spLocks noGrp="1"/>
           </p:cNvSpPr>
@@ -9887,7 +9966,7 @@
     </p:spTree>
     <p:extLst>
       <p:ext uri="{BB962C8B-B14F-4D97-AF65-F5344CB8AC3E}">
-        <p14:creationId xmlns:p14="http://schemas.microsoft.com/office/powerpoint/2010/main" val="2463279755"/>
+        <p14:creationId xmlns:p14="http://schemas.microsoft.com/office/powerpoint/2010/main" val="1673538450"/>
       </p:ext>
     </p:extLst>
   </p:cSld>
@@ -9923,7 +10002,7 @@
       </p:grpSpPr>
       <p:sp>
         <p:nvSpPr>
-          <p:cNvPr id="4" name="Title 3"/>
+          <p:cNvPr id="2" name="Title 1"/>
           <p:cNvSpPr>
             <a:spLocks noGrp="1"/>
           </p:cNvSpPr>
@@ -9937,12 +10016,8 @@
           <a:lstStyle/>
           <a:p>
             <a:r>
-              <a:rPr lang="en-US" dirty="0"/>
-              <a:t>Deploying on a Real </a:t>
-            </a:r>
-            <a:r>
-              <a:rPr lang="en-US" dirty="0" smtClean="0"/>
-              <a:t>Device</a:t>
+              <a:rPr lang="en-US" dirty="0" smtClean="0"/>
+              <a:t>Anatomy of an Android Application</a:t>
             </a:r>
             <a:endParaRPr lang="en-US" dirty="0"/>
           </a:p>
@@ -9950,7 +10025,7 @@
       </p:sp>
       <p:sp>
         <p:nvSpPr>
-          <p:cNvPr id="5" name="Content Placeholder 4"/>
+          <p:cNvPr id="3" name="Content Placeholder 2"/>
           <p:cNvSpPr>
             <a:spLocks noGrp="1"/>
           </p:cNvSpPr>
@@ -9964,60 +10039,140 @@
           <a:lstStyle/>
           <a:p>
             <a:r>
-              <a:rPr lang="en-US" dirty="0" smtClean="0"/>
-              <a:t>To deploy or test your application on a real android device you will need to connect the device to your development machine via USB</a:t>
-            </a:r>
-          </a:p>
-          <a:p>
-            <a:r>
-              <a:rPr lang="en-US" dirty="0" smtClean="0"/>
-              <a:t>Next you will need to enable USB debugging</a:t>
-            </a:r>
+              <a:rPr lang="fr-FR" dirty="0" err="1">
+                <a:solidFill>
+                  <a:srgbClr val="0070C0"/>
+                </a:solidFill>
+              </a:rPr>
+              <a:t>src</a:t>
+            </a:r>
+            <a:endParaRPr lang="fr-FR" dirty="0">
+              <a:solidFill>
+                <a:srgbClr val="0070C0"/>
+              </a:solidFill>
+            </a:endParaRPr>
           </a:p>
           <a:p>
             <a:pPr lvl="1"/>
             <a:r>
-              <a:rPr lang="en-US" dirty="0" smtClean="0"/>
-              <a:t>Can mostly be found under Settings/Developers or Settings/Applications</a:t>
-            </a:r>
-          </a:p>
-          <a:p>
-            <a:r>
-              <a:rPr lang="en-US" dirty="0" smtClean="0"/>
-              <a:t>Next you need a USB driver for your Android device on your host machine</a:t>
-            </a:r>
+              <a:rPr lang="fr-FR" dirty="0" err="1" smtClean="0"/>
+              <a:t>Contains</a:t>
+            </a:r>
+            <a:r>
+              <a:rPr lang="fr-FR" dirty="0" smtClean="0"/>
+              <a:t> </a:t>
+            </a:r>
+            <a:r>
+              <a:rPr lang="fr-FR" dirty="0"/>
+              <a:t>the java </a:t>
+            </a:r>
+            <a:r>
+              <a:rPr lang="fr-FR" dirty="0" smtClean="0"/>
+              <a:t>source </a:t>
+            </a:r>
+            <a:r>
+              <a:rPr lang="fr-FR" dirty="0"/>
+              <a:t>code files</a:t>
+            </a:r>
+            <a:r>
+              <a:rPr lang="fr-FR" dirty="0" smtClean="0"/>
+              <a:t>.</a:t>
+            </a:r>
+          </a:p>
+          <a:p>
+            <a:r>
+              <a:rPr lang="en-US" dirty="0" smtClean="0">
+                <a:solidFill>
+                  <a:srgbClr val="0070C0"/>
+                </a:solidFill>
+              </a:rPr>
+              <a:t>gen</a:t>
+            </a:r>
+            <a:endParaRPr lang="en-US" dirty="0">
+              <a:solidFill>
+                <a:srgbClr val="0070C0"/>
+              </a:solidFill>
+            </a:endParaRPr>
           </a:p>
           <a:p>
             <a:pPr lvl="1"/>
             <a:r>
               <a:rPr lang="en-US" dirty="0"/>
-              <a:t>Check out </a:t>
+              <a:t>Contains R.java, a compiler generated file that references all the resources found in your project</a:t>
+            </a:r>
+            <a:r>
+              <a:rPr lang="en-US" dirty="0" smtClean="0"/>
+              <a:t>.</a:t>
+            </a:r>
+          </a:p>
+          <a:p>
+            <a:pPr lvl="1"/>
+            <a:r>
+              <a:rPr lang="en-US" dirty="0" smtClean="0"/>
+              <a:t>Do not change anything in these files !</a:t>
+            </a:r>
+            <a:endParaRPr lang="en-US" dirty="0"/>
+          </a:p>
+          <a:p>
+            <a:r>
+              <a:rPr lang="en-US" dirty="0" smtClean="0">
+                <a:solidFill>
+                  <a:srgbClr val="0070C0"/>
+                </a:solidFill>
+              </a:rPr>
+              <a:t>Android </a:t>
             </a:r>
             <a:r>
               <a:rPr lang="en-US" dirty="0">
-                <a:hlinkClick r:id="rId2"/>
+                <a:solidFill>
+                  <a:srgbClr val="0070C0"/>
+                </a:solidFill>
               </a:rPr>
-              <a:t>http://</a:t>
-            </a:r>
+              <a:t>4.x</a:t>
+            </a:r>
+          </a:p>
+          <a:p>
+            <a:pPr lvl="1"/>
+            <a:r>
+              <a:rPr lang="en-US" dirty="0"/>
+              <a:t>The Android library. Contains a single jar file with class libraries needed for an Android application</a:t>
+            </a:r>
+            <a:r>
+              <a:rPr lang="en-US" dirty="0" smtClean="0"/>
+              <a:t>.</a:t>
+            </a:r>
+          </a:p>
+          <a:p>
             <a:r>
               <a:rPr lang="en-US" dirty="0" smtClean="0">
-                <a:hlinkClick r:id="rId2"/>
+                <a:solidFill>
+                  <a:srgbClr val="0070C0"/>
+                </a:solidFill>
               </a:rPr>
-              <a:t>developer.android.com/tools/extras/oem-usb.html#Drivers</a:t>
-            </a:r>
-            <a:endParaRPr lang="en-US" dirty="0" smtClean="0"/>
-          </a:p>
-          <a:p>
-            <a:r>
-              <a:rPr lang="en-US" dirty="0" smtClean="0"/>
-              <a:t>When selecting the “Run as” options from Eclipse select the physical device instead of an AVD</a:t>
-            </a:r>
-          </a:p>
-        </p:txBody>
-      </p:sp>
-      <p:sp>
-        <p:nvSpPr>
-          <p:cNvPr id="6" name="Slide Number Placeholder 5"/>
+              <a:t>assets</a:t>
+            </a:r>
+            <a:endParaRPr lang="en-US" dirty="0">
+              <a:solidFill>
+                <a:srgbClr val="0070C0"/>
+              </a:solidFill>
+            </a:endParaRPr>
+          </a:p>
+          <a:p>
+            <a:pPr lvl="1"/>
+            <a:r>
+              <a:rPr lang="en-US" dirty="0"/>
+              <a:t>Contains all the assets used by the application (HTML, Databases, text </a:t>
+            </a:r>
+            <a:r>
+              <a:rPr lang="en-US" dirty="0" smtClean="0"/>
+              <a:t>files)</a:t>
+            </a:r>
+          </a:p>
+        </p:txBody>
+      </p:sp>
+      <p:sp>
+        <p:nvSpPr>
+          <p:cNvPr id="4" name="Slide Number Placeholder 3"/>
           <p:cNvSpPr>
             <a:spLocks noGrp="1"/>
           </p:cNvSpPr>
@@ -10041,7 +10196,7 @@
     </p:spTree>
     <p:extLst>
       <p:ext uri="{BB962C8B-B14F-4D97-AF65-F5344CB8AC3E}">
-        <p14:creationId xmlns:p14="http://schemas.microsoft.com/office/powerpoint/2010/main" val="1673538450"/>
+        <p14:creationId xmlns:p14="http://schemas.microsoft.com/office/powerpoint/2010/main" val="3573103740"/>
       </p:ext>
     </p:extLst>
   </p:cSld>
@@ -10091,10 +10246,9 @@
           <a:lstStyle/>
           <a:p>
             <a:r>
-              <a:rPr lang="en-US" dirty="0" smtClean="0"/>
+              <a:rPr lang="en-US" dirty="0"/>
               <a:t>Anatomy of an Android Application</a:t>
             </a:r>
-            <a:endParaRPr lang="en-US" dirty="0"/>
           </a:p>
         </p:txBody>
       </p:sp>
@@ -10114,45 +10268,37 @@
           <a:lstStyle/>
           <a:p>
             <a:r>
-              <a:rPr lang="fr-FR" dirty="0" err="1">
+              <a:rPr lang="en-US" dirty="0">
                 <a:solidFill>
                   <a:srgbClr val="0070C0"/>
                 </a:solidFill>
               </a:rPr>
-              <a:t>src</a:t>
-            </a:r>
-            <a:endParaRPr lang="fr-FR" dirty="0">
-              <a:solidFill>
-                <a:srgbClr val="0070C0"/>
-              </a:solidFill>
-            </a:endParaRPr>
+              <a:t>bin</a:t>
+            </a:r>
           </a:p>
           <a:p>
             <a:pPr lvl="1"/>
             <a:r>
-              <a:rPr lang="fr-FR" dirty="0" err="1" smtClean="0"/>
-              <a:t>Contains</a:t>
-            </a:r>
-            <a:r>
-              <a:rPr lang="fr-FR" dirty="0" smtClean="0"/>
-              <a:t> </a:t>
-            </a:r>
-            <a:r>
-              <a:rPr lang="fr-FR" dirty="0"/>
-              <a:t>the java </a:t>
-            </a:r>
-            <a:r>
-              <a:rPr lang="fr-FR" dirty="0" smtClean="0"/>
-              <a:t>source </a:t>
-            </a:r>
-            <a:r>
-              <a:rPr lang="fr-FR" dirty="0"/>
-              <a:t>code files</a:t>
-            </a:r>
-            <a:r>
-              <a:rPr lang="fr-FR" dirty="0" smtClean="0"/>
-              <a:t>.</a:t>
-            </a:r>
+              <a:rPr lang="en-US" dirty="0"/>
+              <a:t>Contains the files built by the </a:t>
+            </a:r>
+            <a:r>
+              <a:rPr lang="en-US" dirty="0" smtClean="0"/>
+              <a:t>ADT (Android Development Tools) </a:t>
+            </a:r>
+            <a:r>
+              <a:rPr lang="en-US" dirty="0"/>
+              <a:t>during the build process. Your application binary can be found here (*.</a:t>
+            </a:r>
+            <a:r>
+              <a:rPr lang="en-US" dirty="0" err="1"/>
+              <a:t>apk</a:t>
+            </a:r>
+            <a:r>
+              <a:rPr lang="en-US" dirty="0" smtClean="0"/>
+              <a:t>)</a:t>
+            </a:r>
+            <a:endParaRPr lang="en-US" dirty="0"/>
           </a:p>
           <a:p>
             <a:r>
@@ -10161,86 +10307,33 @@
                   <a:srgbClr val="0070C0"/>
                 </a:solidFill>
               </a:rPr>
-              <a:t>gen</a:t>
-            </a:r>
-            <a:endParaRPr lang="en-US" dirty="0">
-              <a:solidFill>
-                <a:srgbClr val="0070C0"/>
-              </a:solidFill>
-            </a:endParaRPr>
+              <a:t>res</a:t>
+            </a:r>
           </a:p>
           <a:p>
             <a:pPr lvl="1"/>
             <a:r>
               <a:rPr lang="en-US" dirty="0"/>
-              <a:t>Contains R.java, a compiler generated file that references all the resources found in your project</a:t>
+              <a:t>Contains all the resource files used in the application such as images (multiple resolutions), GUI layout and string literals (selection based on users locale</a:t>
+            </a:r>
+            <a:r>
+              <a:rPr lang="en-US" dirty="0" smtClean="0"/>
+              <a:t>)</a:t>
+            </a:r>
+          </a:p>
+          <a:p>
+            <a:pPr lvl="2"/>
+            <a:r>
+              <a:rPr lang="en-US" dirty="0" smtClean="0"/>
+              <a:t>In </a:t>
+            </a:r>
+            <a:r>
+              <a:rPr lang="en-US" dirty="0"/>
+              <a:t>computing, a locale is a set of parameters that defines the user's language, country and any special variant preferences that the user wants to see in their user interface. Usually a locale identifier consists of at least a language identifier and a region identifier</a:t>
             </a:r>
             <a:r>
               <a:rPr lang="en-US" dirty="0" smtClean="0"/>
               <a:t>.</a:t>
-            </a:r>
-          </a:p>
-          <a:p>
-            <a:pPr lvl="1"/>
-            <a:r>
-              <a:rPr lang="en-US" dirty="0" smtClean="0"/>
-              <a:t>Do not change anything in these files !</a:t>
-            </a:r>
-            <a:endParaRPr lang="en-US" dirty="0"/>
-          </a:p>
-          <a:p>
-            <a:r>
-              <a:rPr lang="en-US" dirty="0" smtClean="0">
-                <a:solidFill>
-                  <a:srgbClr val="0070C0"/>
-                </a:solidFill>
-              </a:rPr>
-              <a:t>Android </a:t>
-            </a:r>
-            <a:r>
-              <a:rPr lang="en-US" dirty="0">
-                <a:solidFill>
-                  <a:srgbClr val="0070C0"/>
-                </a:solidFill>
-              </a:rPr>
-              <a:t>4.x</a:t>
-            </a:r>
-          </a:p>
-          <a:p>
-            <a:pPr lvl="1"/>
-            <a:r>
-              <a:rPr lang="en-US" dirty="0"/>
-              <a:t>The Android library. Contains a single jar file with class libraries needed for an Android application</a:t>
-            </a:r>
-            <a:r>
-              <a:rPr lang="en-US" dirty="0" smtClean="0"/>
-              <a:t>.</a:t>
-            </a:r>
-          </a:p>
-          <a:p>
-            <a:r>
-              <a:rPr lang="en-US" dirty="0" smtClean="0">
-                <a:solidFill>
-                  <a:srgbClr val="0070C0"/>
-                </a:solidFill>
-              </a:rPr>
-              <a:t>assets</a:t>
-            </a:r>
-            <a:endParaRPr lang="en-US" dirty="0">
-              <a:solidFill>
-                <a:srgbClr val="0070C0"/>
-              </a:solidFill>
-            </a:endParaRPr>
-          </a:p>
-          <a:p>
-            <a:pPr lvl="1"/>
-            <a:r>
-              <a:rPr lang="en-US" dirty="0"/>
-              <a:t>Contains all the assets used by the application (HTML, Databases, text </a:t>
-            </a:r>
-            <a:r>
-              <a:rPr lang="en-US" dirty="0" smtClean="0"/>
-              <a:t>files)</a:t>
             </a:r>
           </a:p>
         </p:txBody>
@@ -10271,7 +10364,7 @@
     </p:spTree>
     <p:extLst>
       <p:ext uri="{BB962C8B-B14F-4D97-AF65-F5344CB8AC3E}">
-        <p14:creationId xmlns:p14="http://schemas.microsoft.com/office/powerpoint/2010/main" val="3573103740"/>
+        <p14:creationId xmlns:p14="http://schemas.microsoft.com/office/powerpoint/2010/main" val="3821677237"/>
       </p:ext>
     </p:extLst>
   </p:cSld>
@@ -10343,65 +10436,100 @@
           <a:lstStyle/>
           <a:p>
             <a:r>
-              <a:rPr lang="en-US" dirty="0">
-                <a:solidFill>
-                  <a:srgbClr val="0070C0"/>
-                </a:solidFill>
-              </a:rPr>
-              <a:t>bin</a:t>
-            </a:r>
-          </a:p>
-          <a:p>
-            <a:pPr lvl="1"/>
-            <a:r>
-              <a:rPr lang="en-US" dirty="0"/>
-              <a:t>Contains the files built by the ADT during the build process. Your application binary can be found here (*.</a:t>
-            </a:r>
-            <a:r>
-              <a:rPr lang="en-US" dirty="0" err="1"/>
-              <a:t>apk</a:t>
-            </a:r>
-            <a:r>
-              <a:rPr lang="en-US" dirty="0" smtClean="0"/>
-              <a:t>)</a:t>
-            </a:r>
-            <a:endParaRPr lang="en-US" dirty="0"/>
-          </a:p>
-          <a:p>
-            <a:r>
               <a:rPr lang="en-US" dirty="0" smtClean="0">
                 <a:solidFill>
                   <a:srgbClr val="0070C0"/>
                 </a:solidFill>
               </a:rPr>
-              <a:t>res</a:t>
+              <a:t>res/layout/*.xml</a:t>
             </a:r>
           </a:p>
           <a:p>
             <a:pPr lvl="1"/>
             <a:r>
-              <a:rPr lang="en-US" dirty="0"/>
-              <a:t>Contains all the resource files used in the application such as images (multiple resolutions), GUI layout and string literals (selection based on users locale</a:t>
-            </a:r>
-            <a:r>
-              <a:rPr lang="en-US" dirty="0" smtClean="0"/>
-              <a:t>)</a:t>
-            </a:r>
+              <a:rPr lang="en-US" dirty="0" smtClean="0"/>
+              <a:t>Defines the user interface for your activities.</a:t>
+            </a:r>
+          </a:p>
+          <a:p>
+            <a:pPr lvl="1"/>
+            <a:r>
+              <a:rPr lang="en-US" dirty="0" smtClean="0"/>
+              <a:t>Note the line:</a:t>
+            </a:r>
+          </a:p>
+          <a:p>
+            <a:pPr lvl="1"/>
+            <a:endParaRPr lang="en-US" dirty="0"/>
           </a:p>
           <a:p>
             <a:pPr lvl="2"/>
             <a:r>
-              <a:rPr lang="en-US" dirty="0" smtClean="0"/>
-              <a:t>In </a:t>
-            </a:r>
-            <a:r>
-              <a:rPr lang="en-US" dirty="0"/>
-              <a:t>computing, a locale is a set of parameters that defines the user's language, country and any special variant preferences that the user wants to see in their user interface. Usually a locale identifier consists of at least a language identifier and a region identifier</a:t>
-            </a:r>
-            <a:r>
-              <a:rPr lang="en-US" dirty="0" smtClean="0"/>
-              <a:t>.</a:t>
-            </a:r>
+              <a:rPr lang="en-US" dirty="0"/>
+              <a:t>@string refers to the resource string.xml file located in the res/values folder. "</a:t>
+            </a:r>
+            <a:r>
+              <a:rPr lang="en-US" dirty="0" err="1"/>
+              <a:t>hello_world</a:t>
+            </a:r>
+            <a:r>
+              <a:rPr lang="en-US" dirty="0"/>
+              <a:t>" is the id of the string defined in that file. In other words this is a reference to the string value "Hello </a:t>
+            </a:r>
+            <a:r>
+              <a:rPr lang="en-US" dirty="0" smtClean="0"/>
+              <a:t>World“ defined as:</a:t>
+            </a:r>
+          </a:p>
+          <a:p>
+            <a:pPr lvl="2"/>
+            <a:endParaRPr lang="en-US" dirty="0"/>
+          </a:p>
+          <a:p>
+            <a:pPr lvl="2"/>
+            <a:endParaRPr lang="en-US" dirty="0" smtClean="0"/>
+          </a:p>
+          <a:p>
+            <a:pPr lvl="2"/>
+            <a:r>
+              <a:rPr lang="en-US" dirty="0" smtClean="0"/>
+              <a:t>All your strings should be constructed this way. </a:t>
+            </a:r>
+            <a:r>
+              <a:rPr lang="en-US" dirty="0" smtClean="0">
+                <a:solidFill>
+                  <a:srgbClr val="C00000"/>
+                </a:solidFill>
+              </a:rPr>
+              <a:t>NO HARDCODED </a:t>
+            </a:r>
+            <a:r>
+              <a:rPr lang="en-US" dirty="0" smtClean="0"/>
+              <a:t>values.</a:t>
+            </a:r>
+          </a:p>
+          <a:p>
+            <a:pPr lvl="2"/>
+            <a:r>
+              <a:rPr lang="en-US" dirty="0" smtClean="0"/>
+              <a:t>Allows us to easily add support for other languages without to much effort</a:t>
+            </a:r>
+          </a:p>
+          <a:p>
+            <a:pPr lvl="3"/>
+            <a:r>
+              <a:rPr lang="en-US" dirty="0" smtClean="0"/>
+              <a:t>Just copy the values folder as “values-&lt;</a:t>
+            </a:r>
+            <a:r>
+              <a:rPr lang="en-US" dirty="0" err="1" smtClean="0"/>
+              <a:t>language_code</a:t>
+            </a:r>
+            <a:r>
+              <a:rPr lang="en-US" dirty="0" smtClean="0"/>
+              <a:t>&gt;” and modify the values of strings.xml</a:t>
+            </a:r>
+            <a:endParaRPr lang="en-US" dirty="0"/>
           </a:p>
         </p:txBody>
       </p:sp>
@@ -10428,10 +10556,165 @@
           </a:p>
         </p:txBody>
       </p:sp>
+      <p:sp>
+        <p:nvSpPr>
+          <p:cNvPr id="5" name="TextBox 4"/>
+          <p:cNvSpPr txBox="1"/>
+          <p:nvPr/>
+        </p:nvSpPr>
+        <p:spPr>
+          <a:xfrm>
+            <a:off x="2599362" y="2506893"/>
+            <a:ext cx="4616970" cy="369332"/>
+          </a:xfrm>
+          <a:prstGeom prst="rect">
+            <a:avLst/>
+          </a:prstGeom>
+          <a:noFill/>
+        </p:spPr>
+        <p:txBody>
+          <a:bodyPr wrap="none" rtlCol="0">
+            <a:spAutoFit/>
+          </a:bodyPr>
+          <a:lstStyle/>
+          <a:p>
+            <a:r>
+              <a:rPr lang="en-US" dirty="0" err="1">
+                <a:solidFill>
+                  <a:schemeClr val="accent4">
+                    <a:lumMod val="50000"/>
+                  </a:schemeClr>
+                </a:solidFill>
+                <a:latin typeface="Consolas" panose="020B0609020204030204" pitchFamily="49" charset="0"/>
+                <a:cs typeface="Consolas" panose="020B0609020204030204" pitchFamily="49" charset="0"/>
+              </a:rPr>
+              <a:t>android:text</a:t>
+            </a:r>
+            <a:r>
+              <a:rPr lang="en-US" dirty="0">
+                <a:solidFill>
+                  <a:schemeClr val="accent4">
+                    <a:lumMod val="50000"/>
+                  </a:schemeClr>
+                </a:solidFill>
+                <a:latin typeface="Consolas" panose="020B0609020204030204" pitchFamily="49" charset="0"/>
+                <a:cs typeface="Consolas" panose="020B0609020204030204" pitchFamily="49" charset="0"/>
+              </a:rPr>
+              <a:t>=</a:t>
+            </a:r>
+            <a:r>
+              <a:rPr lang="en-US" i="1" dirty="0">
+                <a:solidFill>
+                  <a:schemeClr val="accent4">
+                    <a:lumMod val="50000"/>
+                  </a:schemeClr>
+                </a:solidFill>
+                <a:latin typeface="Consolas" panose="020B0609020204030204" pitchFamily="49" charset="0"/>
+                <a:cs typeface="Consolas" panose="020B0609020204030204" pitchFamily="49" charset="0"/>
+              </a:rPr>
+              <a:t>"@</a:t>
+            </a:r>
+            <a:r>
+              <a:rPr lang="en-US" i="1" dirty="0" smtClean="0">
+                <a:solidFill>
+                  <a:schemeClr val="accent4">
+                    <a:lumMod val="50000"/>
+                  </a:schemeClr>
+                </a:solidFill>
+                <a:latin typeface="Consolas" panose="020B0609020204030204" pitchFamily="49" charset="0"/>
+                <a:cs typeface="Consolas" panose="020B0609020204030204" pitchFamily="49" charset="0"/>
+              </a:rPr>
+              <a:t>string/</a:t>
+            </a:r>
+            <a:r>
+              <a:rPr lang="en-US" i="1" dirty="0" err="1" smtClean="0">
+                <a:solidFill>
+                  <a:schemeClr val="accent4">
+                    <a:lumMod val="50000"/>
+                  </a:schemeClr>
+                </a:solidFill>
+                <a:latin typeface="Consolas" panose="020B0609020204030204" pitchFamily="49" charset="0"/>
+                <a:cs typeface="Consolas" panose="020B0609020204030204" pitchFamily="49" charset="0"/>
+              </a:rPr>
+              <a:t>hello_world"c</a:t>
+            </a:r>
+            <a:endParaRPr lang="en-US" dirty="0">
+              <a:solidFill>
+                <a:schemeClr val="accent4">
+                  <a:lumMod val="50000"/>
+                </a:schemeClr>
+              </a:solidFill>
+              <a:latin typeface="Consolas" panose="020B0609020204030204" pitchFamily="49" charset="0"/>
+              <a:cs typeface="Consolas" panose="020B0609020204030204" pitchFamily="49" charset="0"/>
+            </a:endParaRPr>
+          </a:p>
+        </p:txBody>
+      </p:sp>
+      <p:sp>
+        <p:nvSpPr>
+          <p:cNvPr id="6" name="TextBox 5"/>
+          <p:cNvSpPr txBox="1"/>
+          <p:nvPr/>
+        </p:nvSpPr>
+        <p:spPr>
+          <a:xfrm>
+            <a:off x="2034282" y="3854319"/>
+            <a:ext cx="6136616" cy="369332"/>
+          </a:xfrm>
+          <a:prstGeom prst="rect">
+            <a:avLst/>
+          </a:prstGeom>
+          <a:noFill/>
+        </p:spPr>
+        <p:txBody>
+          <a:bodyPr wrap="none" rtlCol="0">
+            <a:spAutoFit/>
+          </a:bodyPr>
+          <a:lstStyle/>
+          <a:p>
+            <a:r>
+              <a:rPr lang="en-US" dirty="0">
+                <a:solidFill>
+                  <a:schemeClr val="accent4">
+                    <a:lumMod val="50000"/>
+                  </a:schemeClr>
+                </a:solidFill>
+                <a:latin typeface="Consolas" panose="020B0609020204030204" pitchFamily="49" charset="0"/>
+                <a:cs typeface="Consolas" panose="020B0609020204030204" pitchFamily="49" charset="0"/>
+              </a:rPr>
+              <a:t>&lt;string name="</a:t>
+            </a:r>
+            <a:r>
+              <a:rPr lang="en-US" dirty="0" err="1">
+                <a:solidFill>
+                  <a:schemeClr val="accent4">
+                    <a:lumMod val="50000"/>
+                  </a:schemeClr>
+                </a:solidFill>
+                <a:latin typeface="Consolas" panose="020B0609020204030204" pitchFamily="49" charset="0"/>
+                <a:cs typeface="Consolas" panose="020B0609020204030204" pitchFamily="49" charset="0"/>
+              </a:rPr>
+              <a:t>hello_world</a:t>
+            </a:r>
+            <a:r>
+              <a:rPr lang="en-US" dirty="0">
+                <a:solidFill>
+                  <a:schemeClr val="accent4">
+                    <a:lumMod val="50000"/>
+                  </a:schemeClr>
+                </a:solidFill>
+                <a:latin typeface="Consolas" panose="020B0609020204030204" pitchFamily="49" charset="0"/>
+                <a:cs typeface="Consolas" panose="020B0609020204030204" pitchFamily="49" charset="0"/>
+              </a:rPr>
+              <a:t>"&gt;Hello World&lt;/string&gt;</a:t>
+            </a:r>
+          </a:p>
+        </p:txBody>
+      </p:sp>
     </p:spTree>
     <p:extLst>
       <p:ext uri="{BB962C8B-B14F-4D97-AF65-F5344CB8AC3E}">
-        <p14:creationId xmlns:p14="http://schemas.microsoft.com/office/powerpoint/2010/main" val="3821677237"/>
+        <p14:creationId xmlns:p14="http://schemas.microsoft.com/office/powerpoint/2010/main" val="218680576"/>
       </p:ext>
     </p:extLst>
   </p:cSld>
@@ -10661,99 +10944,93 @@
           <a:lstStyle/>
           <a:p>
             <a:r>
-              <a:rPr lang="en-US" dirty="0" smtClean="0">
+              <a:rPr lang="en-US" dirty="0">
                 <a:solidFill>
                   <a:srgbClr val="0070C0"/>
                 </a:solidFill>
               </a:rPr>
-              <a:t>res/layout/*.xml</a:t>
+              <a:t>AndroidManifest.xml</a:t>
             </a:r>
           </a:p>
           <a:p>
             <a:pPr lvl="1"/>
             <a:r>
-              <a:rPr lang="en-US" dirty="0" smtClean="0"/>
-              <a:t>Defines the user interface for your activities.</a:t>
-            </a:r>
+              <a:rPr lang="en-US" dirty="0"/>
+              <a:t>This is the manifest file for the application. Here you can specify permissions needed by the application, as </a:t>
+            </a:r>
+            <a:r>
+              <a:rPr lang="en-US" dirty="0" smtClean="0"/>
+              <a:t>well </a:t>
+            </a:r>
+            <a:r>
+              <a:rPr lang="en-US" dirty="0"/>
+              <a:t>as others features such as intent-filters (events), receivers, </a:t>
+            </a:r>
+            <a:r>
+              <a:rPr lang="en-US" dirty="0" smtClean="0"/>
+              <a:t>...</a:t>
+            </a:r>
+            <a:endParaRPr lang="en-US" dirty="0"/>
           </a:p>
           <a:p>
             <a:pPr lvl="1"/>
             <a:r>
-              <a:rPr lang="en-US" dirty="0" smtClean="0"/>
-              <a:t>Note the line:</a:t>
-            </a:r>
-          </a:p>
-          <a:p>
-            <a:pPr lvl="1"/>
-            <a:endParaRPr lang="en-US" dirty="0"/>
+              <a:rPr lang="en-US" dirty="0"/>
+              <a:t>The manifest file contains</a:t>
+            </a:r>
           </a:p>
           <a:p>
             <a:pPr lvl="2"/>
             <a:r>
               <a:rPr lang="en-US" dirty="0"/>
-              <a:t>@string refers to the resource string.xml file located in the res/values folder. "</a:t>
+              <a:t>The name of the package</a:t>
+            </a:r>
+          </a:p>
+          <a:p>
+            <a:pPr lvl="2"/>
+            <a:r>
+              <a:rPr lang="en-US" dirty="0"/>
+              <a:t>The version number of the application</a:t>
+            </a:r>
+          </a:p>
+          <a:p>
+            <a:pPr lvl="2"/>
+            <a:r>
+              <a:rPr lang="en-US" dirty="0"/>
+              <a:t>The minimal SDK version required to run the application</a:t>
+            </a:r>
+          </a:p>
+          <a:p>
+            <a:pPr lvl="2"/>
+            <a:r>
+              <a:rPr lang="en-US" dirty="0"/>
+              <a:t>The targeted SDK version</a:t>
+            </a:r>
+          </a:p>
+          <a:p>
+            <a:pPr lvl="2"/>
+            <a:r>
+              <a:rPr lang="en-US" dirty="0"/>
+              <a:t>The icon used for the application (can be found in res/</a:t>
             </a:r>
             <a:r>
               <a:rPr lang="en-US" dirty="0" err="1"/>
-              <a:t>hello_world</a:t>
-            </a:r>
-            <a:r>
-              <a:rPr lang="en-US" dirty="0"/>
-              <a:t>" is the id of the string defined in that file. In other words this is a reference to the string value "Hello </a:t>
-            </a:r>
-            <a:r>
-              <a:rPr lang="en-US" dirty="0" smtClean="0"/>
-              <a:t>World“ defined as:</a:t>
+              <a:t>drawable</a:t>
+            </a:r>
+            <a:r>
+              <a:rPr lang="en-US" dirty="0"/>
+              <a:t>)</a:t>
             </a:r>
           </a:p>
           <a:p>
             <a:pPr lvl="2"/>
-            <a:endParaRPr lang="en-US" dirty="0"/>
-          </a:p>
-          <a:p>
-            <a:pPr lvl="2"/>
+            <a:r>
+              <a:rPr lang="en-US" dirty="0"/>
+              <a:t>The entry point of the application, defined inside an intent-filter. This defines how to application can be started and what the entry point is.</a:t>
+            </a:r>
             <a:endParaRPr lang="en-US" dirty="0" smtClean="0"/>
           </a:p>
           <a:p>
-            <a:pPr lvl="2"/>
-            <a:r>
-              <a:rPr lang="en-US" dirty="0" smtClean="0"/>
-              <a:t>All your strings should be constructed this way. </a:t>
-            </a:r>
-            <a:r>
-              <a:rPr lang="en-US" dirty="0" smtClean="0">
-                <a:solidFill>
-                  <a:srgbClr val="C00000"/>
-                </a:solidFill>
-              </a:rPr>
-              <a:t>NO HARDCODED </a:t>
-            </a:r>
-            <a:r>
-              <a:rPr lang="en-US" dirty="0" smtClean="0"/>
-              <a:t>values.</a:t>
-            </a:r>
-          </a:p>
-          <a:p>
-            <a:pPr lvl="2"/>
-            <a:r>
-              <a:rPr lang="en-US" dirty="0" smtClean="0"/>
-              <a:t>Allows us to easily add support for other languages without to much effort</a:t>
-            </a:r>
-          </a:p>
-          <a:p>
-            <a:pPr lvl="3"/>
-            <a:r>
-              <a:rPr lang="en-US" dirty="0" smtClean="0"/>
-              <a:t>Just copy the values folder as “values-&lt;</a:t>
-            </a:r>
-            <a:r>
-              <a:rPr lang="en-US" dirty="0" err="1" smtClean="0"/>
-              <a:t>language_code</a:t>
-            </a:r>
-            <a:r>
-              <a:rPr lang="en-US" dirty="0" smtClean="0"/>
-              <a:t>&gt;” and modify the values of strings.xml</a:t>
-            </a:r>
             <a:endParaRPr lang="en-US" dirty="0"/>
           </a:p>
         </p:txBody>
@@ -10781,165 +11058,10 @@
           </a:p>
         </p:txBody>
       </p:sp>
-      <p:sp>
-        <p:nvSpPr>
-          <p:cNvPr id="5" name="TextBox 4"/>
-          <p:cNvSpPr txBox="1"/>
-          <p:nvPr/>
-        </p:nvSpPr>
-        <p:spPr>
-          <a:xfrm>
-            <a:off x="2599362" y="2506893"/>
-            <a:ext cx="4616970" cy="369332"/>
-          </a:xfrm>
-          <a:prstGeom prst="rect">
-            <a:avLst/>
-          </a:prstGeom>
-          <a:noFill/>
-        </p:spPr>
-        <p:txBody>
-          <a:bodyPr wrap="none" rtlCol="0">
-            <a:spAutoFit/>
-          </a:bodyPr>
-          <a:lstStyle/>
-          <a:p>
-            <a:r>
-              <a:rPr lang="en-US" dirty="0" err="1">
-                <a:solidFill>
-                  <a:schemeClr val="accent4">
-                    <a:lumMod val="50000"/>
-                  </a:schemeClr>
-                </a:solidFill>
-                <a:latin typeface="Consolas" panose="020B0609020204030204" pitchFamily="49" charset="0"/>
-                <a:cs typeface="Consolas" panose="020B0609020204030204" pitchFamily="49" charset="0"/>
-              </a:rPr>
-              <a:t>android:text</a:t>
-            </a:r>
-            <a:r>
-              <a:rPr lang="en-US" dirty="0">
-                <a:solidFill>
-                  <a:schemeClr val="accent4">
-                    <a:lumMod val="50000"/>
-                  </a:schemeClr>
-                </a:solidFill>
-                <a:latin typeface="Consolas" panose="020B0609020204030204" pitchFamily="49" charset="0"/>
-                <a:cs typeface="Consolas" panose="020B0609020204030204" pitchFamily="49" charset="0"/>
-              </a:rPr>
-              <a:t>=</a:t>
-            </a:r>
-            <a:r>
-              <a:rPr lang="en-US" i="1" dirty="0">
-                <a:solidFill>
-                  <a:schemeClr val="accent4">
-                    <a:lumMod val="50000"/>
-                  </a:schemeClr>
-                </a:solidFill>
-                <a:latin typeface="Consolas" panose="020B0609020204030204" pitchFamily="49" charset="0"/>
-                <a:cs typeface="Consolas" panose="020B0609020204030204" pitchFamily="49" charset="0"/>
-              </a:rPr>
-              <a:t>"@</a:t>
-            </a:r>
-            <a:r>
-              <a:rPr lang="en-US" i="1" dirty="0" smtClean="0">
-                <a:solidFill>
-                  <a:schemeClr val="accent4">
-                    <a:lumMod val="50000"/>
-                  </a:schemeClr>
-                </a:solidFill>
-                <a:latin typeface="Consolas" panose="020B0609020204030204" pitchFamily="49" charset="0"/>
-                <a:cs typeface="Consolas" panose="020B0609020204030204" pitchFamily="49" charset="0"/>
-              </a:rPr>
-              <a:t>string/</a:t>
-            </a:r>
-            <a:r>
-              <a:rPr lang="en-US" i="1" dirty="0" err="1" smtClean="0">
-                <a:solidFill>
-                  <a:schemeClr val="accent4">
-                    <a:lumMod val="50000"/>
-                  </a:schemeClr>
-                </a:solidFill>
-                <a:latin typeface="Consolas" panose="020B0609020204030204" pitchFamily="49" charset="0"/>
-                <a:cs typeface="Consolas" panose="020B0609020204030204" pitchFamily="49" charset="0"/>
-              </a:rPr>
-              <a:t>hello_world"c</a:t>
-            </a:r>
-            <a:endParaRPr lang="en-US" dirty="0">
-              <a:solidFill>
-                <a:schemeClr val="accent4">
-                  <a:lumMod val="50000"/>
-                </a:schemeClr>
-              </a:solidFill>
-              <a:latin typeface="Consolas" panose="020B0609020204030204" pitchFamily="49" charset="0"/>
-              <a:cs typeface="Consolas" panose="020B0609020204030204" pitchFamily="49" charset="0"/>
-            </a:endParaRPr>
-          </a:p>
-        </p:txBody>
-      </p:sp>
-      <p:sp>
-        <p:nvSpPr>
-          <p:cNvPr id="6" name="TextBox 5"/>
-          <p:cNvSpPr txBox="1"/>
-          <p:nvPr/>
-        </p:nvSpPr>
-        <p:spPr>
-          <a:xfrm>
-            <a:off x="2034282" y="3854319"/>
-            <a:ext cx="6136616" cy="369332"/>
-          </a:xfrm>
-          <a:prstGeom prst="rect">
-            <a:avLst/>
-          </a:prstGeom>
-          <a:noFill/>
-        </p:spPr>
-        <p:txBody>
-          <a:bodyPr wrap="none" rtlCol="0">
-            <a:spAutoFit/>
-          </a:bodyPr>
-          <a:lstStyle/>
-          <a:p>
-            <a:r>
-              <a:rPr lang="en-US" dirty="0">
-                <a:solidFill>
-                  <a:schemeClr val="accent4">
-                    <a:lumMod val="50000"/>
-                  </a:schemeClr>
-                </a:solidFill>
-                <a:latin typeface="Consolas" panose="020B0609020204030204" pitchFamily="49" charset="0"/>
-                <a:cs typeface="Consolas" panose="020B0609020204030204" pitchFamily="49" charset="0"/>
-              </a:rPr>
-              <a:t>&lt;string name="</a:t>
-            </a:r>
-            <a:r>
-              <a:rPr lang="en-US" dirty="0" err="1">
-                <a:solidFill>
-                  <a:schemeClr val="accent4">
-                    <a:lumMod val="50000"/>
-                  </a:schemeClr>
-                </a:solidFill>
-                <a:latin typeface="Consolas" panose="020B0609020204030204" pitchFamily="49" charset="0"/>
-                <a:cs typeface="Consolas" panose="020B0609020204030204" pitchFamily="49" charset="0"/>
-              </a:rPr>
-              <a:t>hello_world</a:t>
-            </a:r>
-            <a:r>
-              <a:rPr lang="en-US" dirty="0">
-                <a:solidFill>
-                  <a:schemeClr val="accent4">
-                    <a:lumMod val="50000"/>
-                  </a:schemeClr>
-                </a:solidFill>
-                <a:latin typeface="Consolas" panose="020B0609020204030204" pitchFamily="49" charset="0"/>
-                <a:cs typeface="Consolas" panose="020B0609020204030204" pitchFamily="49" charset="0"/>
-              </a:rPr>
-              <a:t>"&gt;Hello World&lt;/string&gt;</a:t>
-            </a:r>
-          </a:p>
-        </p:txBody>
-      </p:sp>
     </p:spTree>
     <p:extLst>
       <p:ext uri="{BB962C8B-B14F-4D97-AF65-F5344CB8AC3E}">
-        <p14:creationId xmlns:p14="http://schemas.microsoft.com/office/powerpoint/2010/main" val="218680576"/>
+        <p14:creationId xmlns:p14="http://schemas.microsoft.com/office/powerpoint/2010/main" val="2265047487"/>
       </p:ext>
     </p:extLst>
   </p:cSld>
@@ -11011,93 +11133,91 @@
           <a:lstStyle/>
           <a:p>
             <a:r>
-              <a:rPr lang="en-US" dirty="0">
+              <a:rPr lang="en-US" dirty="0" err="1" smtClean="0">
                 <a:solidFill>
                   <a:srgbClr val="0070C0"/>
                 </a:solidFill>
               </a:rPr>
-              <a:t>AndroidManifest.xml</a:t>
-            </a:r>
+              <a:t>src</a:t>
+            </a:r>
+            <a:r>
+              <a:rPr lang="en-US" dirty="0" smtClean="0">
+                <a:solidFill>
+                  <a:srgbClr val="0070C0"/>
+                </a:solidFill>
+              </a:rPr>
+              <a:t>/&lt;</a:t>
+            </a:r>
+            <a:r>
+              <a:rPr lang="en-US" dirty="0" err="1" smtClean="0">
+                <a:solidFill>
+                  <a:srgbClr val="0070C0"/>
+                </a:solidFill>
+              </a:rPr>
+              <a:t>package_path</a:t>
+            </a:r>
+            <a:r>
+              <a:rPr lang="en-US" dirty="0" smtClean="0">
+                <a:solidFill>
+                  <a:srgbClr val="0070C0"/>
+                </a:solidFill>
+              </a:rPr>
+              <a:t>&gt;/Main_Activity.java</a:t>
+            </a:r>
+          </a:p>
+          <a:p>
+            <a:endParaRPr lang="en-US" dirty="0"/>
+          </a:p>
+          <a:p>
+            <a:endParaRPr lang="en-US" dirty="0" smtClean="0"/>
+          </a:p>
+          <a:p>
+            <a:endParaRPr lang="en-US" dirty="0"/>
+          </a:p>
+          <a:p>
+            <a:endParaRPr lang="en-US" dirty="0" smtClean="0"/>
+          </a:p>
+          <a:p>
+            <a:endParaRPr lang="en-US" dirty="0"/>
+          </a:p>
+          <a:p>
+            <a:endParaRPr lang="en-US" dirty="0" smtClean="0"/>
+          </a:p>
+          <a:p>
+            <a:endParaRPr lang="en-US" dirty="0"/>
+          </a:p>
+          <a:p>
+            <a:endParaRPr lang="en-US" dirty="0" smtClean="0"/>
           </a:p>
           <a:p>
             <a:pPr lvl="1"/>
             <a:r>
-              <a:rPr lang="en-US" dirty="0"/>
-              <a:t>This is the manifest file for the application. Here you can specify permissions needed by the application, as </a:t>
-            </a:r>
-            <a:r>
-              <a:rPr lang="en-US" dirty="0" smtClean="0"/>
-              <a:t>well </a:t>
-            </a:r>
-            <a:r>
-              <a:rPr lang="en-US" dirty="0"/>
-              <a:t>as others features such as intent-filters (events), receivers, </a:t>
-            </a:r>
-            <a:r>
-              <a:rPr lang="en-US" dirty="0" smtClean="0"/>
-              <a:t>...</a:t>
-            </a:r>
+              <a:rPr lang="en-US" dirty="0" smtClean="0"/>
+              <a:t>The code in the </a:t>
+            </a:r>
+            <a:r>
+              <a:rPr lang="en-US" dirty="0" err="1" smtClean="0"/>
+              <a:t>onCreate</a:t>
+            </a:r>
+            <a:r>
+              <a:rPr lang="en-US" dirty="0" smtClean="0"/>
+              <a:t>() method connects the GUI to your application using</a:t>
+            </a:r>
+          </a:p>
+          <a:p>
+            <a:pPr lvl="1"/>
             <a:endParaRPr lang="en-US" dirty="0"/>
           </a:p>
           <a:p>
             <a:pPr lvl="1"/>
-            <a:r>
-              <a:rPr lang="en-US" dirty="0"/>
-              <a:t>The manifest file contains</a:t>
-            </a:r>
-          </a:p>
-          <a:p>
-            <a:pPr lvl="2"/>
-            <a:r>
-              <a:rPr lang="en-US" dirty="0"/>
-              <a:t>The name of the package</a:t>
-            </a:r>
-          </a:p>
-          <a:p>
-            <a:pPr lvl="2"/>
-            <a:r>
-              <a:rPr lang="en-US" dirty="0"/>
-              <a:t>The version number of the application</a:t>
-            </a:r>
-          </a:p>
-          <a:p>
-            <a:pPr lvl="2"/>
-            <a:r>
-              <a:rPr lang="en-US" dirty="0"/>
-              <a:t>The minimal SDK version required to run the application</a:t>
-            </a:r>
-          </a:p>
-          <a:p>
-            <a:pPr lvl="2"/>
-            <a:r>
-              <a:rPr lang="en-US" dirty="0"/>
-              <a:t>The targeted SDK version</a:t>
-            </a:r>
-          </a:p>
-          <a:p>
-            <a:pPr lvl="2"/>
-            <a:r>
-              <a:rPr lang="en-US" dirty="0"/>
-              <a:t>The icon used for the application (can be found in res/</a:t>
-            </a:r>
-            <a:r>
-              <a:rPr lang="en-US" dirty="0" err="1"/>
-              <a:t>drawable</a:t>
-            </a:r>
-            <a:r>
-              <a:rPr lang="en-US" dirty="0"/>
-              <a:t>)</a:t>
-            </a:r>
-          </a:p>
-          <a:p>
-            <a:pPr lvl="2"/>
-            <a:r>
-              <a:rPr lang="en-US" dirty="0"/>
-              <a:t>The entry point of the application, defined inside an intent-filter. This defines how to application can be started and what the entry point is.</a:t>
-            </a:r>
             <a:endParaRPr lang="en-US" dirty="0" smtClean="0"/>
           </a:p>
           <a:p>
+            <a:pPr lvl="1"/>
+            <a:r>
+              <a:rPr lang="en-US" dirty="0" smtClean="0"/>
+              <a:t>More on this later ...</a:t>
+            </a:r>
             <a:endParaRPr lang="en-US" dirty="0"/>
           </a:p>
         </p:txBody>
@@ -11125,10 +11245,393 @@
           </a:p>
         </p:txBody>
       </p:sp>
+      <p:sp>
+        <p:nvSpPr>
+          <p:cNvPr id="5" name="TextBox 4"/>
+          <p:cNvSpPr txBox="1"/>
+          <p:nvPr/>
+        </p:nvSpPr>
+        <p:spPr>
+          <a:xfrm>
+            <a:off x="1057114" y="2188395"/>
+            <a:ext cx="7276351" cy="2031325"/>
+          </a:xfrm>
+          <a:prstGeom prst="rect">
+            <a:avLst/>
+          </a:prstGeom>
+          <a:noFill/>
+        </p:spPr>
+        <p:txBody>
+          <a:bodyPr wrap="none" rtlCol="0">
+            <a:spAutoFit/>
+          </a:bodyPr>
+          <a:lstStyle/>
+          <a:p>
+            <a:r>
+              <a:rPr lang="en-US" dirty="0">
+                <a:solidFill>
+                  <a:schemeClr val="accent4">
+                    <a:lumMod val="50000"/>
+                  </a:schemeClr>
+                </a:solidFill>
+                <a:latin typeface="Consolas" panose="020B0609020204030204" pitchFamily="49" charset="0"/>
+                <a:cs typeface="Consolas" panose="020B0609020204030204" pitchFamily="49" charset="0"/>
+              </a:rPr>
+              <a:t>public class </a:t>
+            </a:r>
+            <a:r>
+              <a:rPr lang="en-US" dirty="0" err="1">
+                <a:solidFill>
+                  <a:schemeClr val="accent4">
+                    <a:lumMod val="50000"/>
+                  </a:schemeClr>
+                </a:solidFill>
+                <a:latin typeface="Consolas" panose="020B0609020204030204" pitchFamily="49" charset="0"/>
+                <a:cs typeface="Consolas" panose="020B0609020204030204" pitchFamily="49" charset="0"/>
+              </a:rPr>
+              <a:t>MainActivity</a:t>
+            </a:r>
+            <a:r>
+              <a:rPr lang="en-US" dirty="0">
+                <a:solidFill>
+                  <a:schemeClr val="accent4">
+                    <a:lumMod val="50000"/>
+                  </a:schemeClr>
+                </a:solidFill>
+                <a:latin typeface="Consolas" panose="020B0609020204030204" pitchFamily="49" charset="0"/>
+                <a:cs typeface="Consolas" panose="020B0609020204030204" pitchFamily="49" charset="0"/>
+              </a:rPr>
+              <a:t> extends Activity {</a:t>
+            </a:r>
+          </a:p>
+          <a:p>
+            <a:r>
+              <a:rPr lang="en-US" dirty="0">
+                <a:solidFill>
+                  <a:schemeClr val="accent4">
+                    <a:lumMod val="50000"/>
+                  </a:schemeClr>
+                </a:solidFill>
+                <a:latin typeface="Consolas" panose="020B0609020204030204" pitchFamily="49" charset="0"/>
+                <a:cs typeface="Consolas" panose="020B0609020204030204" pitchFamily="49" charset="0"/>
+              </a:rPr>
+              <a:t>    @Override</a:t>
+            </a:r>
+          </a:p>
+          <a:p>
+            <a:r>
+              <a:rPr lang="en-US" dirty="0">
+                <a:solidFill>
+                  <a:schemeClr val="accent4">
+                    <a:lumMod val="50000"/>
+                  </a:schemeClr>
+                </a:solidFill>
+                <a:latin typeface="Consolas" panose="020B0609020204030204" pitchFamily="49" charset="0"/>
+                <a:cs typeface="Consolas" panose="020B0609020204030204" pitchFamily="49" charset="0"/>
+              </a:rPr>
+              <a:t>    protected void </a:t>
+            </a:r>
+            <a:r>
+              <a:rPr lang="en-US" dirty="0" err="1">
+                <a:solidFill>
+                  <a:schemeClr val="accent4">
+                    <a:lumMod val="50000"/>
+                  </a:schemeClr>
+                </a:solidFill>
+                <a:latin typeface="Consolas" panose="020B0609020204030204" pitchFamily="49" charset="0"/>
+                <a:cs typeface="Consolas" panose="020B0609020204030204" pitchFamily="49" charset="0"/>
+              </a:rPr>
+              <a:t>onCreate</a:t>
+            </a:r>
+            <a:r>
+              <a:rPr lang="en-US" dirty="0">
+                <a:solidFill>
+                  <a:schemeClr val="accent4">
+                    <a:lumMod val="50000"/>
+                  </a:schemeClr>
+                </a:solidFill>
+                <a:latin typeface="Consolas" panose="020B0609020204030204" pitchFamily="49" charset="0"/>
+                <a:cs typeface="Consolas" panose="020B0609020204030204" pitchFamily="49" charset="0"/>
+              </a:rPr>
+              <a:t>(Bundle </a:t>
+            </a:r>
+            <a:r>
+              <a:rPr lang="en-US" dirty="0" err="1">
+                <a:solidFill>
+                  <a:schemeClr val="accent4">
+                    <a:lumMod val="50000"/>
+                  </a:schemeClr>
+                </a:solidFill>
+                <a:latin typeface="Consolas" panose="020B0609020204030204" pitchFamily="49" charset="0"/>
+                <a:cs typeface="Consolas" panose="020B0609020204030204" pitchFamily="49" charset="0"/>
+              </a:rPr>
+              <a:t>savedInstanceState</a:t>
+            </a:r>
+            <a:r>
+              <a:rPr lang="en-US" dirty="0">
+                <a:solidFill>
+                  <a:schemeClr val="accent4">
+                    <a:lumMod val="50000"/>
+                  </a:schemeClr>
+                </a:solidFill>
+                <a:latin typeface="Consolas" panose="020B0609020204030204" pitchFamily="49" charset="0"/>
+                <a:cs typeface="Consolas" panose="020B0609020204030204" pitchFamily="49" charset="0"/>
+              </a:rPr>
+              <a:t>) {</a:t>
+            </a:r>
+          </a:p>
+          <a:p>
+            <a:r>
+              <a:rPr lang="en-US" dirty="0">
+                <a:solidFill>
+                  <a:schemeClr val="accent4">
+                    <a:lumMod val="50000"/>
+                  </a:schemeClr>
+                </a:solidFill>
+                <a:latin typeface="Consolas" panose="020B0609020204030204" pitchFamily="49" charset="0"/>
+                <a:cs typeface="Consolas" panose="020B0609020204030204" pitchFamily="49" charset="0"/>
+              </a:rPr>
+              <a:t>        </a:t>
+            </a:r>
+            <a:r>
+              <a:rPr lang="en-US" dirty="0" err="1">
+                <a:solidFill>
+                  <a:schemeClr val="accent4">
+                    <a:lumMod val="50000"/>
+                  </a:schemeClr>
+                </a:solidFill>
+                <a:latin typeface="Consolas" panose="020B0609020204030204" pitchFamily="49" charset="0"/>
+                <a:cs typeface="Consolas" panose="020B0609020204030204" pitchFamily="49" charset="0"/>
+              </a:rPr>
+              <a:t>super.onCreate</a:t>
+            </a:r>
+            <a:r>
+              <a:rPr lang="en-US" dirty="0">
+                <a:solidFill>
+                  <a:schemeClr val="accent4">
+                    <a:lumMod val="50000"/>
+                  </a:schemeClr>
+                </a:solidFill>
+                <a:latin typeface="Consolas" panose="020B0609020204030204" pitchFamily="49" charset="0"/>
+                <a:cs typeface="Consolas" panose="020B0609020204030204" pitchFamily="49" charset="0"/>
+              </a:rPr>
+              <a:t>(</a:t>
+            </a:r>
+            <a:r>
+              <a:rPr lang="en-US" dirty="0" err="1">
+                <a:solidFill>
+                  <a:schemeClr val="accent4">
+                    <a:lumMod val="50000"/>
+                  </a:schemeClr>
+                </a:solidFill>
+                <a:latin typeface="Consolas" panose="020B0609020204030204" pitchFamily="49" charset="0"/>
+                <a:cs typeface="Consolas" panose="020B0609020204030204" pitchFamily="49" charset="0"/>
+              </a:rPr>
+              <a:t>savedInstanceState</a:t>
+            </a:r>
+            <a:r>
+              <a:rPr lang="en-US" dirty="0">
+                <a:solidFill>
+                  <a:schemeClr val="accent4">
+                    <a:lumMod val="50000"/>
+                  </a:schemeClr>
+                </a:solidFill>
+                <a:latin typeface="Consolas" panose="020B0609020204030204" pitchFamily="49" charset="0"/>
+                <a:cs typeface="Consolas" panose="020B0609020204030204" pitchFamily="49" charset="0"/>
+              </a:rPr>
+              <a:t>);</a:t>
+            </a:r>
+          </a:p>
+          <a:p>
+            <a:r>
+              <a:rPr lang="en-US" dirty="0">
+                <a:solidFill>
+                  <a:schemeClr val="accent4">
+                    <a:lumMod val="50000"/>
+                  </a:schemeClr>
+                </a:solidFill>
+                <a:latin typeface="Consolas" panose="020B0609020204030204" pitchFamily="49" charset="0"/>
+                <a:cs typeface="Consolas" panose="020B0609020204030204" pitchFamily="49" charset="0"/>
+              </a:rPr>
+              <a:t>      </a:t>
+            </a:r>
+            <a:r>
+              <a:rPr lang="en-US" dirty="0" smtClean="0">
+                <a:solidFill>
+                  <a:schemeClr val="accent4">
+                    <a:lumMod val="50000"/>
+                  </a:schemeClr>
+                </a:solidFill>
+                <a:latin typeface="Consolas" panose="020B0609020204030204" pitchFamily="49" charset="0"/>
+                <a:cs typeface="Consolas" panose="020B0609020204030204" pitchFamily="49" charset="0"/>
+              </a:rPr>
+              <a:t>  </a:t>
+            </a:r>
+            <a:r>
+              <a:rPr lang="en-US" dirty="0" err="1" smtClean="0">
+                <a:solidFill>
+                  <a:schemeClr val="accent4">
+                    <a:lumMod val="50000"/>
+                  </a:schemeClr>
+                </a:solidFill>
+                <a:latin typeface="Consolas" panose="020B0609020204030204" pitchFamily="49" charset="0"/>
+                <a:cs typeface="Consolas" panose="020B0609020204030204" pitchFamily="49" charset="0"/>
+              </a:rPr>
+              <a:t>setContentView</a:t>
+            </a:r>
+            <a:r>
+              <a:rPr lang="en-US" dirty="0" smtClean="0">
+                <a:solidFill>
+                  <a:schemeClr val="accent4">
+                    <a:lumMod val="50000"/>
+                  </a:schemeClr>
+                </a:solidFill>
+                <a:latin typeface="Consolas" panose="020B0609020204030204" pitchFamily="49" charset="0"/>
+                <a:cs typeface="Consolas" panose="020B0609020204030204" pitchFamily="49" charset="0"/>
+              </a:rPr>
+              <a:t>(</a:t>
+            </a:r>
+            <a:r>
+              <a:rPr lang="en-US" dirty="0" err="1" smtClean="0">
+                <a:solidFill>
+                  <a:schemeClr val="accent4">
+                    <a:lumMod val="50000"/>
+                  </a:schemeClr>
+                </a:solidFill>
+                <a:latin typeface="Consolas" panose="020B0609020204030204" pitchFamily="49" charset="0"/>
+                <a:cs typeface="Consolas" panose="020B0609020204030204" pitchFamily="49" charset="0"/>
+              </a:rPr>
+              <a:t>R.layout.activity_main</a:t>
+            </a:r>
+            <a:r>
+              <a:rPr lang="en-US" dirty="0">
+                <a:solidFill>
+                  <a:schemeClr val="accent4">
+                    <a:lumMod val="50000"/>
+                  </a:schemeClr>
+                </a:solidFill>
+                <a:latin typeface="Consolas" panose="020B0609020204030204" pitchFamily="49" charset="0"/>
+                <a:cs typeface="Consolas" panose="020B0609020204030204" pitchFamily="49" charset="0"/>
+              </a:rPr>
+              <a:t>);</a:t>
+            </a:r>
+          </a:p>
+          <a:p>
+            <a:r>
+              <a:rPr lang="en-US" dirty="0">
+                <a:solidFill>
+                  <a:schemeClr val="accent4">
+                    <a:lumMod val="50000"/>
+                  </a:schemeClr>
+                </a:solidFill>
+                <a:latin typeface="Consolas" panose="020B0609020204030204" pitchFamily="49" charset="0"/>
+                <a:cs typeface="Consolas" panose="020B0609020204030204" pitchFamily="49" charset="0"/>
+              </a:rPr>
+              <a:t>    }</a:t>
+            </a:r>
+          </a:p>
+          <a:p>
+            <a:r>
+              <a:rPr lang="en-US" dirty="0">
+                <a:solidFill>
+                  <a:schemeClr val="accent4">
+                    <a:lumMod val="50000"/>
+                  </a:schemeClr>
+                </a:solidFill>
+                <a:latin typeface="Consolas" panose="020B0609020204030204" pitchFamily="49" charset="0"/>
+                <a:cs typeface="Consolas" panose="020B0609020204030204" pitchFamily="49" charset="0"/>
+              </a:rPr>
+              <a:t>}</a:t>
+            </a:r>
+          </a:p>
+        </p:txBody>
+      </p:sp>
+      <p:sp>
+        <p:nvSpPr>
+          <p:cNvPr id="6" name="TextBox 5"/>
+          <p:cNvSpPr txBox="1"/>
+          <p:nvPr/>
+        </p:nvSpPr>
+        <p:spPr>
+          <a:xfrm>
+            <a:off x="1817402" y="4988276"/>
+            <a:ext cx="5123518" cy="369332"/>
+          </a:xfrm>
+          <a:prstGeom prst="rect">
+            <a:avLst/>
+          </a:prstGeom>
+          <a:noFill/>
+        </p:spPr>
+        <p:txBody>
+          <a:bodyPr wrap="none" rtlCol="0">
+            <a:spAutoFit/>
+          </a:bodyPr>
+          <a:lstStyle/>
+          <a:p>
+            <a:r>
+              <a:rPr lang="en-US" dirty="0" err="1" smtClean="0">
+                <a:solidFill>
+                  <a:schemeClr val="accent4">
+                    <a:lumMod val="50000"/>
+                  </a:schemeClr>
+                </a:solidFill>
+                <a:latin typeface="Consolas" panose="020B0609020204030204" pitchFamily="49" charset="0"/>
+                <a:cs typeface="Consolas" panose="020B0609020204030204" pitchFamily="49" charset="0"/>
+              </a:rPr>
+              <a:t>setContentView</a:t>
+            </a:r>
+            <a:r>
+              <a:rPr lang="en-US" dirty="0" smtClean="0">
+                <a:solidFill>
+                  <a:schemeClr val="accent4">
+                    <a:lumMod val="50000"/>
+                  </a:schemeClr>
+                </a:solidFill>
+                <a:latin typeface="Consolas" panose="020B0609020204030204" pitchFamily="49" charset="0"/>
+                <a:cs typeface="Consolas" panose="020B0609020204030204" pitchFamily="49" charset="0"/>
+              </a:rPr>
+              <a:t>(</a:t>
+            </a:r>
+            <a:r>
+              <a:rPr lang="en-US" dirty="0" err="1" smtClean="0">
+                <a:solidFill>
+                  <a:schemeClr val="accent4">
+                    <a:lumMod val="50000"/>
+                  </a:schemeClr>
+                </a:solidFill>
+                <a:latin typeface="Consolas" panose="020B0609020204030204" pitchFamily="49" charset="0"/>
+                <a:cs typeface="Consolas" panose="020B0609020204030204" pitchFamily="49" charset="0"/>
+              </a:rPr>
+              <a:t>R.layout.activity_main</a:t>
+            </a:r>
+            <a:r>
+              <a:rPr lang="en-US" dirty="0" smtClean="0">
+                <a:solidFill>
+                  <a:schemeClr val="accent4">
+                    <a:lumMod val="50000"/>
+                  </a:schemeClr>
+                </a:solidFill>
+                <a:latin typeface="Consolas" panose="020B0609020204030204" pitchFamily="49" charset="0"/>
+                <a:cs typeface="Consolas" panose="020B0609020204030204" pitchFamily="49" charset="0"/>
+              </a:rPr>
+              <a:t>);</a:t>
+            </a:r>
+            <a:endParaRPr lang="en-US" dirty="0">
+              <a:solidFill>
+                <a:schemeClr val="accent4">
+                  <a:lumMod val="50000"/>
+                </a:schemeClr>
+              </a:solidFill>
+              <a:latin typeface="Consolas" panose="020B0609020204030204" pitchFamily="49" charset="0"/>
+              <a:cs typeface="Consolas" panose="020B0609020204030204" pitchFamily="49" charset="0"/>
+            </a:endParaRPr>
+          </a:p>
+        </p:txBody>
+      </p:sp>
     </p:spTree>
     <p:extLst>
       <p:ext uri="{BB962C8B-B14F-4D97-AF65-F5344CB8AC3E}">
-        <p14:creationId xmlns:p14="http://schemas.microsoft.com/office/powerpoint/2010/main" val="2265047487"/>
+        <p14:creationId xmlns:p14="http://schemas.microsoft.com/office/powerpoint/2010/main" val="314101305"/>
       </p:ext>
     </p:extLst>
   </p:cSld>
@@ -11164,126 +11667,51 @@
       </p:grpSpPr>
       <p:sp>
         <p:nvSpPr>
-          <p:cNvPr id="2" name="Title 1"/>
-          <p:cNvSpPr>
-            <a:spLocks noGrp="1"/>
-          </p:cNvSpPr>
-          <p:nvPr>
-            <p:ph type="title"/>
-          </p:nvPr>
-        </p:nvSpPr>
-        <p:spPr/>
-        <p:txBody>
-          <a:bodyPr/>
-          <a:lstStyle/>
-          <a:p>
-            <a:r>
-              <a:rPr lang="en-US" dirty="0"/>
-              <a:t>Anatomy of an Android Application</a:t>
-            </a:r>
-          </a:p>
-        </p:txBody>
-      </p:sp>
-      <p:sp>
-        <p:nvSpPr>
-          <p:cNvPr id="3" name="Content Placeholder 2"/>
-          <p:cNvSpPr>
-            <a:spLocks noGrp="1"/>
-          </p:cNvSpPr>
-          <p:nvPr>
-            <p:ph idx="1"/>
-          </p:nvPr>
-        </p:nvSpPr>
-        <p:spPr/>
-        <p:txBody>
-          <a:bodyPr/>
-          <a:lstStyle/>
-          <a:p>
-            <a:r>
-              <a:rPr lang="en-US" dirty="0" err="1" smtClean="0">
-                <a:solidFill>
-                  <a:srgbClr val="0070C0"/>
-                </a:solidFill>
-              </a:rPr>
-              <a:t>src</a:t>
-            </a:r>
-            <a:r>
-              <a:rPr lang="en-US" dirty="0" smtClean="0">
-                <a:solidFill>
-                  <a:srgbClr val="0070C0"/>
-                </a:solidFill>
-              </a:rPr>
-              <a:t>/&lt;</a:t>
-            </a:r>
-            <a:r>
-              <a:rPr lang="en-US" dirty="0" err="1" smtClean="0">
-                <a:solidFill>
-                  <a:srgbClr val="0070C0"/>
-                </a:solidFill>
-              </a:rPr>
-              <a:t>package_path</a:t>
-            </a:r>
-            <a:r>
-              <a:rPr lang="en-US" dirty="0" smtClean="0">
-                <a:solidFill>
-                  <a:srgbClr val="0070C0"/>
-                </a:solidFill>
-              </a:rPr>
-              <a:t>&gt;/Main_Activity.java</a:t>
-            </a:r>
-          </a:p>
-          <a:p>
-            <a:endParaRPr lang="en-US" dirty="0"/>
-          </a:p>
-          <a:p>
-            <a:endParaRPr lang="en-US" dirty="0" smtClean="0"/>
-          </a:p>
-          <a:p>
-            <a:endParaRPr lang="en-US" dirty="0"/>
-          </a:p>
-          <a:p>
-            <a:endParaRPr lang="en-US" dirty="0" smtClean="0"/>
-          </a:p>
-          <a:p>
-            <a:endParaRPr lang="en-US" dirty="0"/>
-          </a:p>
-          <a:p>
-            <a:endParaRPr lang="en-US" dirty="0" smtClean="0"/>
-          </a:p>
-          <a:p>
-            <a:endParaRPr lang="en-US" dirty="0"/>
-          </a:p>
-          <a:p>
-            <a:endParaRPr lang="en-US" dirty="0" smtClean="0"/>
-          </a:p>
-          <a:p>
-            <a:pPr lvl="1"/>
-            <a:r>
-              <a:rPr lang="en-US" dirty="0" smtClean="0"/>
-              <a:t>The code in the </a:t>
-            </a:r>
-            <a:r>
-              <a:rPr lang="en-US" dirty="0" err="1" smtClean="0"/>
-              <a:t>onCreate</a:t>
-            </a:r>
-            <a:r>
-              <a:rPr lang="en-US" dirty="0" smtClean="0"/>
-              <a:t>() method connects the GUI to your application using</a:t>
-            </a:r>
-          </a:p>
-          <a:p>
-            <a:pPr lvl="1"/>
-            <a:endParaRPr lang="en-US" dirty="0"/>
-          </a:p>
-          <a:p>
-            <a:pPr lvl="1"/>
-            <a:endParaRPr lang="en-US" dirty="0" smtClean="0"/>
-          </a:p>
-          <a:p>
-            <a:pPr lvl="1"/>
-            <a:r>
-              <a:rPr lang="en-US" dirty="0" smtClean="0"/>
-              <a:t>More on this later ...</a:t>
+          <p:cNvPr id="5" name="Title 4"/>
+          <p:cNvSpPr>
+            <a:spLocks noGrp="1"/>
+          </p:cNvSpPr>
+          <p:nvPr>
+            <p:ph type="ctrTitle"/>
+          </p:nvPr>
+        </p:nvSpPr>
+        <p:spPr/>
+        <p:txBody>
+          <a:bodyPr/>
+          <a:lstStyle/>
+          <a:p>
+            <a:r>
+              <a:rPr lang="en-US" dirty="0"/>
+              <a:t>Android Development</a:t>
+            </a:r>
+            <a:br>
+              <a:rPr lang="en-US" dirty="0"/>
+            </a:br>
+            <a:r>
+              <a:rPr lang="en-US" dirty="0"/>
+              <a:t>Chapter 1 – Getting Started with Android Programming</a:t>
+            </a:r>
+          </a:p>
+        </p:txBody>
+      </p:sp>
+      <p:sp>
+        <p:nvSpPr>
+          <p:cNvPr id="6" name="Subtitle 5"/>
+          <p:cNvSpPr>
+            <a:spLocks noGrp="1"/>
+          </p:cNvSpPr>
+          <p:nvPr>
+            <p:ph type="subTitle" idx="1"/>
+          </p:nvPr>
+        </p:nvSpPr>
+        <p:spPr/>
+        <p:txBody>
+          <a:bodyPr/>
+          <a:lstStyle/>
+          <a:p>
+            <a:r>
+              <a:rPr lang="en-US" dirty="0" smtClean="0"/>
+              <a:t>Exercise – Application Locales</a:t>
             </a:r>
             <a:endParaRPr lang="en-US" dirty="0"/>
           </a:p>
@@ -11312,393 +11740,10 @@
           </a:p>
         </p:txBody>
       </p:sp>
-      <p:sp>
-        <p:nvSpPr>
-          <p:cNvPr id="5" name="TextBox 4"/>
-          <p:cNvSpPr txBox="1"/>
-          <p:nvPr/>
-        </p:nvSpPr>
-        <p:spPr>
-          <a:xfrm>
-            <a:off x="1057114" y="2188395"/>
-            <a:ext cx="7276351" cy="2031325"/>
-          </a:xfrm>
-          <a:prstGeom prst="rect">
-            <a:avLst/>
-          </a:prstGeom>
-          <a:noFill/>
-        </p:spPr>
-        <p:txBody>
-          <a:bodyPr wrap="none" rtlCol="0">
-            <a:spAutoFit/>
-          </a:bodyPr>
-          <a:lstStyle/>
-          <a:p>
-            <a:r>
-              <a:rPr lang="en-US" dirty="0">
-                <a:solidFill>
-                  <a:schemeClr val="accent4">
-                    <a:lumMod val="50000"/>
-                  </a:schemeClr>
-                </a:solidFill>
-                <a:latin typeface="Consolas" panose="020B0609020204030204" pitchFamily="49" charset="0"/>
-                <a:cs typeface="Consolas" panose="020B0609020204030204" pitchFamily="49" charset="0"/>
-              </a:rPr>
-              <a:t>public class </a:t>
-            </a:r>
-            <a:r>
-              <a:rPr lang="en-US" dirty="0" err="1">
-                <a:solidFill>
-                  <a:schemeClr val="accent4">
-                    <a:lumMod val="50000"/>
-                  </a:schemeClr>
-                </a:solidFill>
-                <a:latin typeface="Consolas" panose="020B0609020204030204" pitchFamily="49" charset="0"/>
-                <a:cs typeface="Consolas" panose="020B0609020204030204" pitchFamily="49" charset="0"/>
-              </a:rPr>
-              <a:t>MainActivity</a:t>
-            </a:r>
-            <a:r>
-              <a:rPr lang="en-US" dirty="0">
-                <a:solidFill>
-                  <a:schemeClr val="accent4">
-                    <a:lumMod val="50000"/>
-                  </a:schemeClr>
-                </a:solidFill>
-                <a:latin typeface="Consolas" panose="020B0609020204030204" pitchFamily="49" charset="0"/>
-                <a:cs typeface="Consolas" panose="020B0609020204030204" pitchFamily="49" charset="0"/>
-              </a:rPr>
-              <a:t> extends Activity {</a:t>
-            </a:r>
-          </a:p>
-          <a:p>
-            <a:r>
-              <a:rPr lang="en-US" dirty="0">
-                <a:solidFill>
-                  <a:schemeClr val="accent4">
-                    <a:lumMod val="50000"/>
-                  </a:schemeClr>
-                </a:solidFill>
-                <a:latin typeface="Consolas" panose="020B0609020204030204" pitchFamily="49" charset="0"/>
-                <a:cs typeface="Consolas" panose="020B0609020204030204" pitchFamily="49" charset="0"/>
-              </a:rPr>
-              <a:t>    @Override</a:t>
-            </a:r>
-          </a:p>
-          <a:p>
-            <a:r>
-              <a:rPr lang="en-US" dirty="0">
-                <a:solidFill>
-                  <a:schemeClr val="accent4">
-                    <a:lumMod val="50000"/>
-                  </a:schemeClr>
-                </a:solidFill>
-                <a:latin typeface="Consolas" panose="020B0609020204030204" pitchFamily="49" charset="0"/>
-                <a:cs typeface="Consolas" panose="020B0609020204030204" pitchFamily="49" charset="0"/>
-              </a:rPr>
-              <a:t>    protected void </a:t>
-            </a:r>
-            <a:r>
-              <a:rPr lang="en-US" dirty="0" err="1">
-                <a:solidFill>
-                  <a:schemeClr val="accent4">
-                    <a:lumMod val="50000"/>
-                  </a:schemeClr>
-                </a:solidFill>
-                <a:latin typeface="Consolas" panose="020B0609020204030204" pitchFamily="49" charset="0"/>
-                <a:cs typeface="Consolas" panose="020B0609020204030204" pitchFamily="49" charset="0"/>
-              </a:rPr>
-              <a:t>onCreate</a:t>
-            </a:r>
-            <a:r>
-              <a:rPr lang="en-US" dirty="0">
-                <a:solidFill>
-                  <a:schemeClr val="accent4">
-                    <a:lumMod val="50000"/>
-                  </a:schemeClr>
-                </a:solidFill>
-                <a:latin typeface="Consolas" panose="020B0609020204030204" pitchFamily="49" charset="0"/>
-                <a:cs typeface="Consolas" panose="020B0609020204030204" pitchFamily="49" charset="0"/>
-              </a:rPr>
-              <a:t>(Bundle </a:t>
-            </a:r>
-            <a:r>
-              <a:rPr lang="en-US" dirty="0" err="1">
-                <a:solidFill>
-                  <a:schemeClr val="accent4">
-                    <a:lumMod val="50000"/>
-                  </a:schemeClr>
-                </a:solidFill>
-                <a:latin typeface="Consolas" panose="020B0609020204030204" pitchFamily="49" charset="0"/>
-                <a:cs typeface="Consolas" panose="020B0609020204030204" pitchFamily="49" charset="0"/>
-              </a:rPr>
-              <a:t>savedInstanceState</a:t>
-            </a:r>
-            <a:r>
-              <a:rPr lang="en-US" dirty="0">
-                <a:solidFill>
-                  <a:schemeClr val="accent4">
-                    <a:lumMod val="50000"/>
-                  </a:schemeClr>
-                </a:solidFill>
-                <a:latin typeface="Consolas" panose="020B0609020204030204" pitchFamily="49" charset="0"/>
-                <a:cs typeface="Consolas" panose="020B0609020204030204" pitchFamily="49" charset="0"/>
-              </a:rPr>
-              <a:t>) {</a:t>
-            </a:r>
-          </a:p>
-          <a:p>
-            <a:r>
-              <a:rPr lang="en-US" dirty="0">
-                <a:solidFill>
-                  <a:schemeClr val="accent4">
-                    <a:lumMod val="50000"/>
-                  </a:schemeClr>
-                </a:solidFill>
-                <a:latin typeface="Consolas" panose="020B0609020204030204" pitchFamily="49" charset="0"/>
-                <a:cs typeface="Consolas" panose="020B0609020204030204" pitchFamily="49" charset="0"/>
-              </a:rPr>
-              <a:t>        </a:t>
-            </a:r>
-            <a:r>
-              <a:rPr lang="en-US" dirty="0" err="1">
-                <a:solidFill>
-                  <a:schemeClr val="accent4">
-                    <a:lumMod val="50000"/>
-                  </a:schemeClr>
-                </a:solidFill>
-                <a:latin typeface="Consolas" panose="020B0609020204030204" pitchFamily="49" charset="0"/>
-                <a:cs typeface="Consolas" panose="020B0609020204030204" pitchFamily="49" charset="0"/>
-              </a:rPr>
-              <a:t>super.onCreate</a:t>
-            </a:r>
-            <a:r>
-              <a:rPr lang="en-US" dirty="0">
-                <a:solidFill>
-                  <a:schemeClr val="accent4">
-                    <a:lumMod val="50000"/>
-                  </a:schemeClr>
-                </a:solidFill>
-                <a:latin typeface="Consolas" panose="020B0609020204030204" pitchFamily="49" charset="0"/>
-                <a:cs typeface="Consolas" panose="020B0609020204030204" pitchFamily="49" charset="0"/>
-              </a:rPr>
-              <a:t>(</a:t>
-            </a:r>
-            <a:r>
-              <a:rPr lang="en-US" dirty="0" err="1">
-                <a:solidFill>
-                  <a:schemeClr val="accent4">
-                    <a:lumMod val="50000"/>
-                  </a:schemeClr>
-                </a:solidFill>
-                <a:latin typeface="Consolas" panose="020B0609020204030204" pitchFamily="49" charset="0"/>
-                <a:cs typeface="Consolas" panose="020B0609020204030204" pitchFamily="49" charset="0"/>
-              </a:rPr>
-              <a:t>savedInstanceState</a:t>
-            </a:r>
-            <a:r>
-              <a:rPr lang="en-US" dirty="0">
-                <a:solidFill>
-                  <a:schemeClr val="accent4">
-                    <a:lumMod val="50000"/>
-                  </a:schemeClr>
-                </a:solidFill>
-                <a:latin typeface="Consolas" panose="020B0609020204030204" pitchFamily="49" charset="0"/>
-                <a:cs typeface="Consolas" panose="020B0609020204030204" pitchFamily="49" charset="0"/>
-              </a:rPr>
-              <a:t>);</a:t>
-            </a:r>
-          </a:p>
-          <a:p>
-            <a:r>
-              <a:rPr lang="en-US" dirty="0">
-                <a:solidFill>
-                  <a:schemeClr val="accent4">
-                    <a:lumMod val="50000"/>
-                  </a:schemeClr>
-                </a:solidFill>
-                <a:latin typeface="Consolas" panose="020B0609020204030204" pitchFamily="49" charset="0"/>
-                <a:cs typeface="Consolas" panose="020B0609020204030204" pitchFamily="49" charset="0"/>
-              </a:rPr>
-              <a:t>      </a:t>
-            </a:r>
-            <a:r>
-              <a:rPr lang="en-US" dirty="0" smtClean="0">
-                <a:solidFill>
-                  <a:schemeClr val="accent4">
-                    <a:lumMod val="50000"/>
-                  </a:schemeClr>
-                </a:solidFill>
-                <a:latin typeface="Consolas" panose="020B0609020204030204" pitchFamily="49" charset="0"/>
-                <a:cs typeface="Consolas" panose="020B0609020204030204" pitchFamily="49" charset="0"/>
-              </a:rPr>
-              <a:t>  </a:t>
-            </a:r>
-            <a:r>
-              <a:rPr lang="en-US" dirty="0" err="1" smtClean="0">
-                <a:solidFill>
-                  <a:schemeClr val="accent4">
-                    <a:lumMod val="50000"/>
-                  </a:schemeClr>
-                </a:solidFill>
-                <a:latin typeface="Consolas" panose="020B0609020204030204" pitchFamily="49" charset="0"/>
-                <a:cs typeface="Consolas" panose="020B0609020204030204" pitchFamily="49" charset="0"/>
-              </a:rPr>
-              <a:t>setContentView</a:t>
-            </a:r>
-            <a:r>
-              <a:rPr lang="en-US" dirty="0" smtClean="0">
-                <a:solidFill>
-                  <a:schemeClr val="accent4">
-                    <a:lumMod val="50000"/>
-                  </a:schemeClr>
-                </a:solidFill>
-                <a:latin typeface="Consolas" panose="020B0609020204030204" pitchFamily="49" charset="0"/>
-                <a:cs typeface="Consolas" panose="020B0609020204030204" pitchFamily="49" charset="0"/>
-              </a:rPr>
-              <a:t>(</a:t>
-            </a:r>
-            <a:r>
-              <a:rPr lang="en-US" dirty="0" err="1" smtClean="0">
-                <a:solidFill>
-                  <a:schemeClr val="accent4">
-                    <a:lumMod val="50000"/>
-                  </a:schemeClr>
-                </a:solidFill>
-                <a:latin typeface="Consolas" panose="020B0609020204030204" pitchFamily="49" charset="0"/>
-                <a:cs typeface="Consolas" panose="020B0609020204030204" pitchFamily="49" charset="0"/>
-              </a:rPr>
-              <a:t>R.layout.activity_main</a:t>
-            </a:r>
-            <a:r>
-              <a:rPr lang="en-US" dirty="0">
-                <a:solidFill>
-                  <a:schemeClr val="accent4">
-                    <a:lumMod val="50000"/>
-                  </a:schemeClr>
-                </a:solidFill>
-                <a:latin typeface="Consolas" panose="020B0609020204030204" pitchFamily="49" charset="0"/>
-                <a:cs typeface="Consolas" panose="020B0609020204030204" pitchFamily="49" charset="0"/>
-              </a:rPr>
-              <a:t>);</a:t>
-            </a:r>
-          </a:p>
-          <a:p>
-            <a:r>
-              <a:rPr lang="en-US" dirty="0">
-                <a:solidFill>
-                  <a:schemeClr val="accent4">
-                    <a:lumMod val="50000"/>
-                  </a:schemeClr>
-                </a:solidFill>
-                <a:latin typeface="Consolas" panose="020B0609020204030204" pitchFamily="49" charset="0"/>
-                <a:cs typeface="Consolas" panose="020B0609020204030204" pitchFamily="49" charset="0"/>
-              </a:rPr>
-              <a:t>    }</a:t>
-            </a:r>
-          </a:p>
-          <a:p>
-            <a:r>
-              <a:rPr lang="en-US" dirty="0">
-                <a:solidFill>
-                  <a:schemeClr val="accent4">
-                    <a:lumMod val="50000"/>
-                  </a:schemeClr>
-                </a:solidFill>
-                <a:latin typeface="Consolas" panose="020B0609020204030204" pitchFamily="49" charset="0"/>
-                <a:cs typeface="Consolas" panose="020B0609020204030204" pitchFamily="49" charset="0"/>
-              </a:rPr>
-              <a:t>}</a:t>
-            </a:r>
-          </a:p>
-        </p:txBody>
-      </p:sp>
-      <p:sp>
-        <p:nvSpPr>
-          <p:cNvPr id="6" name="TextBox 5"/>
-          <p:cNvSpPr txBox="1"/>
-          <p:nvPr/>
-        </p:nvSpPr>
-        <p:spPr>
-          <a:xfrm>
-            <a:off x="1817402" y="4988276"/>
-            <a:ext cx="5123518" cy="369332"/>
-          </a:xfrm>
-          <a:prstGeom prst="rect">
-            <a:avLst/>
-          </a:prstGeom>
-          <a:noFill/>
-        </p:spPr>
-        <p:txBody>
-          <a:bodyPr wrap="none" rtlCol="0">
-            <a:spAutoFit/>
-          </a:bodyPr>
-          <a:lstStyle/>
-          <a:p>
-            <a:r>
-              <a:rPr lang="en-US" dirty="0" err="1" smtClean="0">
-                <a:solidFill>
-                  <a:schemeClr val="accent4">
-                    <a:lumMod val="50000"/>
-                  </a:schemeClr>
-                </a:solidFill>
-                <a:latin typeface="Consolas" panose="020B0609020204030204" pitchFamily="49" charset="0"/>
-                <a:cs typeface="Consolas" panose="020B0609020204030204" pitchFamily="49" charset="0"/>
-              </a:rPr>
-              <a:t>setContentView</a:t>
-            </a:r>
-            <a:r>
-              <a:rPr lang="en-US" dirty="0" smtClean="0">
-                <a:solidFill>
-                  <a:schemeClr val="accent4">
-                    <a:lumMod val="50000"/>
-                  </a:schemeClr>
-                </a:solidFill>
-                <a:latin typeface="Consolas" panose="020B0609020204030204" pitchFamily="49" charset="0"/>
-                <a:cs typeface="Consolas" panose="020B0609020204030204" pitchFamily="49" charset="0"/>
-              </a:rPr>
-              <a:t>(</a:t>
-            </a:r>
-            <a:r>
-              <a:rPr lang="en-US" dirty="0" err="1" smtClean="0">
-                <a:solidFill>
-                  <a:schemeClr val="accent4">
-                    <a:lumMod val="50000"/>
-                  </a:schemeClr>
-                </a:solidFill>
-                <a:latin typeface="Consolas" panose="020B0609020204030204" pitchFamily="49" charset="0"/>
-                <a:cs typeface="Consolas" panose="020B0609020204030204" pitchFamily="49" charset="0"/>
-              </a:rPr>
-              <a:t>R.layout.activity_main</a:t>
-            </a:r>
-            <a:r>
-              <a:rPr lang="en-US" dirty="0" smtClean="0">
-                <a:solidFill>
-                  <a:schemeClr val="accent4">
-                    <a:lumMod val="50000"/>
-                  </a:schemeClr>
-                </a:solidFill>
-                <a:latin typeface="Consolas" panose="020B0609020204030204" pitchFamily="49" charset="0"/>
-                <a:cs typeface="Consolas" panose="020B0609020204030204" pitchFamily="49" charset="0"/>
-              </a:rPr>
-              <a:t>);</a:t>
-            </a:r>
-            <a:endParaRPr lang="en-US" dirty="0">
-              <a:solidFill>
-                <a:schemeClr val="accent4">
-                  <a:lumMod val="50000"/>
-                </a:schemeClr>
-              </a:solidFill>
-              <a:latin typeface="Consolas" panose="020B0609020204030204" pitchFamily="49" charset="0"/>
-              <a:cs typeface="Consolas" panose="020B0609020204030204" pitchFamily="49" charset="0"/>
-            </a:endParaRPr>
-          </a:p>
-        </p:txBody>
-      </p:sp>
     </p:spTree>
     <p:extLst>
       <p:ext uri="{BB962C8B-B14F-4D97-AF65-F5344CB8AC3E}">
-        <p14:creationId xmlns:p14="http://schemas.microsoft.com/office/powerpoint/2010/main" val="314101305"/>
+        <p14:creationId xmlns:p14="http://schemas.microsoft.com/office/powerpoint/2010/main" val="2618762439"/>
       </p:ext>
     </p:extLst>
   </p:cSld>
@@ -11739,118 +11784,6 @@
             <a:spLocks noGrp="1"/>
           </p:cNvSpPr>
           <p:nvPr>
-            <p:ph type="ctrTitle"/>
-          </p:nvPr>
-        </p:nvSpPr>
-        <p:spPr/>
-        <p:txBody>
-          <a:bodyPr/>
-          <a:lstStyle/>
-          <a:p>
-            <a:r>
-              <a:rPr lang="en-US" dirty="0"/>
-              <a:t>Android Development</a:t>
-            </a:r>
-            <a:br>
-              <a:rPr lang="en-US" dirty="0"/>
-            </a:br>
-            <a:r>
-              <a:rPr lang="en-US" dirty="0"/>
-              <a:t>Chapter 1 – Getting Started with Android Programming</a:t>
-            </a:r>
-          </a:p>
-        </p:txBody>
-      </p:sp>
-      <p:sp>
-        <p:nvSpPr>
-          <p:cNvPr id="6" name="Subtitle 5"/>
-          <p:cNvSpPr>
-            <a:spLocks noGrp="1"/>
-          </p:cNvSpPr>
-          <p:nvPr>
-            <p:ph type="subTitle" idx="1"/>
-          </p:nvPr>
-        </p:nvSpPr>
-        <p:spPr/>
-        <p:txBody>
-          <a:bodyPr/>
-          <a:lstStyle/>
-          <a:p>
-            <a:r>
-              <a:rPr lang="en-US" dirty="0" smtClean="0"/>
-              <a:t>Exercise – Application Locales</a:t>
-            </a:r>
-            <a:endParaRPr lang="en-US" dirty="0"/>
-          </a:p>
-        </p:txBody>
-      </p:sp>
-      <p:sp>
-        <p:nvSpPr>
-          <p:cNvPr id="4" name="Slide Number Placeholder 3"/>
-          <p:cNvSpPr>
-            <a:spLocks noGrp="1"/>
-          </p:cNvSpPr>
-          <p:nvPr>
-            <p:ph type="sldNum" sz="quarter" idx="12"/>
-          </p:nvPr>
-        </p:nvSpPr>
-        <p:spPr/>
-        <p:txBody>
-          <a:bodyPr/>
-          <a:lstStyle/>
-          <a:p>
-            <a:fld id="{52DB1A75-B9BE-46B1-B482-5F96E51FA4B2}" type="slidenum">
-              <a:rPr lang="en-US" smtClean="0"/>
-              <a:t>43</a:t>
-            </a:fld>
-            <a:endParaRPr lang="en-US"/>
-          </a:p>
-        </p:txBody>
-      </p:sp>
-    </p:spTree>
-    <p:extLst>
-      <p:ext uri="{BB962C8B-B14F-4D97-AF65-F5344CB8AC3E}">
-        <p14:creationId xmlns:p14="http://schemas.microsoft.com/office/powerpoint/2010/main" val="2618762439"/>
-      </p:ext>
-    </p:extLst>
-  </p:cSld>
-  <p:clrMapOvr>
-    <a:masterClrMapping/>
-  </p:clrMapOvr>
-  <p:timing>
-    <p:tnLst>
-      <p:par>
-        <p:cTn id="1" dur="indefinite" restart="never" nodeType="tmRoot"/>
-      </p:par>
-    </p:tnLst>
-  </p:timing>
-</p:sld>
-</file>
-
-<file path=ppt/slides/slide44.xml><?xml version="1.0" encoding="utf-8"?>
-<p:sld xmlns:a="http://schemas.openxmlformats.org/drawingml/2006/main" xmlns:r="http://schemas.openxmlformats.org/officeDocument/2006/relationships" xmlns:p="http://schemas.openxmlformats.org/presentationml/2006/main">
-  <p:cSld>
-    <p:spTree>
-      <p:nvGrpSpPr>
-        <p:cNvPr id="1" name=""/>
-        <p:cNvGrpSpPr/>
-        <p:nvPr/>
-      </p:nvGrpSpPr>
-      <p:grpSpPr>
-        <a:xfrm>
-          <a:off x="0" y="0"/>
-          <a:ext cx="0" cy="0"/>
-          <a:chOff x="0" y="0"/>
-          <a:chExt cx="0" cy="0"/>
-        </a:xfrm>
-      </p:grpSpPr>
-      <p:sp>
-        <p:nvSpPr>
-          <p:cNvPr id="5" name="Title 4"/>
-          <p:cNvSpPr>
-            <a:spLocks noGrp="1"/>
-          </p:cNvSpPr>
-          <p:nvPr>
             <p:ph type="title"/>
           </p:nvPr>
         </p:nvSpPr>
@@ -11962,7 +11895,7 @@
           <a:p>
             <a:fld id="{52DB1A75-B9BE-46B1-B482-5F96E51FA4B2}" type="slidenum">
               <a:rPr lang="en-US" smtClean="0"/>
-              <a:t>44</a:t>
+              <a:t>43</a:t>
             </a:fld>
             <a:endParaRPr lang="en-US"/>
           </a:p>
@@ -11988,7 +11921,7 @@
 </p:sld>
 </file>
 
-<file path=ppt/slides/slide45.xml><?xml version="1.0" encoding="utf-8"?>
+<file path=ppt/slides/slide44.xml><?xml version="1.0" encoding="utf-8"?>
 <p:sld xmlns:a="http://schemas.openxmlformats.org/drawingml/2006/main" xmlns:r="http://schemas.openxmlformats.org/officeDocument/2006/relationships" xmlns:p="http://schemas.openxmlformats.org/presentationml/2006/main" show="0">
   <p:cSld>
     <p:spTree>
@@ -12114,7 +12047,7 @@
           <a:p>
             <a:fld id="{52DB1A75-B9BE-46B1-B482-5F96E51FA4B2}" type="slidenum">
               <a:rPr lang="en-US" smtClean="0"/>
-              <a:t>45</a:t>
+              <a:t>44</a:t>
             </a:fld>
             <a:endParaRPr lang="en-US"/>
           </a:p>
@@ -12148,7 +12081,7 @@
 </p:sld>
 </file>
 
-<file path=ppt/slides/slide46.xml><?xml version="1.0" encoding="utf-8"?>
+<file path=ppt/slides/slide45.xml><?xml version="1.0" encoding="utf-8"?>
 <p:sld xmlns:a="http://schemas.openxmlformats.org/drawingml/2006/main" xmlns:r="http://schemas.openxmlformats.org/officeDocument/2006/relationships" xmlns:p="http://schemas.openxmlformats.org/presentationml/2006/main" show="0">
   <p:cSld>
     <p:spTree>
@@ -12274,7 +12207,7 @@
           <a:p>
             <a:fld id="{52DB1A75-B9BE-46B1-B482-5F96E51FA4B2}" type="slidenum">
               <a:rPr lang="en-US" smtClean="0"/>
-              <a:t>46</a:t>
+              <a:t>45</a:t>
             </a:fld>
             <a:endParaRPr lang="en-US"/>
           </a:p>
@@ -12308,7 +12241,7 @@
 </p:sld>
 </file>
 
-<file path=ppt/slides/slide47.xml><?xml version="1.0" encoding="utf-8"?>
+<file path=ppt/slides/slide46.xml><?xml version="1.0" encoding="utf-8"?>
 <p:sld xmlns:a="http://schemas.openxmlformats.org/drawingml/2006/main" xmlns:r="http://schemas.openxmlformats.org/officeDocument/2006/relationships" xmlns:p="http://schemas.openxmlformats.org/presentationml/2006/main" show="0">
   <p:cSld>
     <p:spTree>
@@ -12458,7 +12391,7 @@
           <a:p>
             <a:fld id="{52DB1A75-B9BE-46B1-B482-5F96E51FA4B2}" type="slidenum">
               <a:rPr lang="en-US" smtClean="0"/>
-              <a:t>47</a:t>
+              <a:t>46</a:t>
             </a:fld>
             <a:endParaRPr lang="en-US"/>
           </a:p>
@@ -12468,6 +12401,149 @@
     <p:extLst>
       <p:ext uri="{BB962C8B-B14F-4D97-AF65-F5344CB8AC3E}">
         <p14:creationId xmlns:p14="http://schemas.microsoft.com/office/powerpoint/2010/main" val="852488440"/>
+      </p:ext>
+    </p:extLst>
+  </p:cSld>
+  <p:clrMapOvr>
+    <a:masterClrMapping/>
+  </p:clrMapOvr>
+  <mc:AlternateContent xmlns:mc="http://schemas.openxmlformats.org/markup-compatibility/2006" xmlns:p14="http://schemas.microsoft.com/office/powerpoint/2010/main">
+    <mc:Choice Requires="p14">
+      <p:transition spd="slow" p14:dur="2000"/>
+    </mc:Choice>
+    <mc:Fallback xmlns="">
+      <p:transition spd="slow"/>
+    </mc:Fallback>
+  </mc:AlternateContent>
+  <p:timing>
+    <p:tnLst>
+      <p:par>
+        <p:cTn id="1" dur="indefinite" restart="never" nodeType="tmRoot"/>
+      </p:par>
+    </p:tnLst>
+  </p:timing>
+</p:sld>
+</file>
+
+<file path=ppt/slides/slide47.xml><?xml version="1.0" encoding="utf-8"?>
+<p:sld xmlns:a="http://schemas.openxmlformats.org/drawingml/2006/main" xmlns:r="http://schemas.openxmlformats.org/officeDocument/2006/relationships" xmlns:p="http://schemas.openxmlformats.org/presentationml/2006/main" show="0">
+  <p:cSld>
+    <p:spTree>
+      <p:nvGrpSpPr>
+        <p:cNvPr id="1" name=""/>
+        <p:cNvGrpSpPr/>
+        <p:nvPr/>
+      </p:nvGrpSpPr>
+      <p:grpSpPr>
+        <a:xfrm>
+          <a:off x="0" y="0"/>
+          <a:ext cx="0" cy="0"/>
+          <a:chOff x="0" y="0"/>
+          <a:chExt cx="0" cy="0"/>
+        </a:xfrm>
+      </p:grpSpPr>
+      <p:sp>
+        <p:nvSpPr>
+          <p:cNvPr id="2" name="Title 1"/>
+          <p:cNvSpPr>
+            <a:spLocks noGrp="1"/>
+          </p:cNvSpPr>
+          <p:nvPr>
+            <p:ph type="title"/>
+          </p:nvPr>
+        </p:nvSpPr>
+        <p:spPr/>
+        <p:txBody>
+          <a:bodyPr/>
+          <a:lstStyle/>
+          <a:p>
+            <a:r>
+              <a:rPr lang="en-US" dirty="0"/>
+              <a:t>Fixing the Slow Emulator</a:t>
+            </a:r>
+          </a:p>
+        </p:txBody>
+      </p:sp>
+      <p:sp>
+        <p:nvSpPr>
+          <p:cNvPr id="3" name="Content Placeholder 2"/>
+          <p:cNvSpPr>
+            <a:spLocks noGrp="1"/>
+          </p:cNvSpPr>
+          <p:nvPr>
+            <p:ph idx="1"/>
+          </p:nvPr>
+        </p:nvSpPr>
+        <p:spPr/>
+        <p:txBody>
+          <a:bodyPr/>
+          <a:lstStyle/>
+          <a:p>
+            <a:r>
+              <a:rPr lang="en-US" dirty="0"/>
+              <a:t>Traverse to C:\</a:t>
+            </a:r>
+            <a:r>
+              <a:rPr lang="en-US" dirty="0" smtClean="0"/>
+              <a:t>android\sdk\extras\intel\Hardware_Accelerated_Execution_Manager</a:t>
+            </a:r>
+          </a:p>
+          <a:p>
+            <a:r>
+              <a:rPr lang="en-US" dirty="0" smtClean="0"/>
+              <a:t>Execute the installer and follow instructions</a:t>
+            </a:r>
+          </a:p>
+          <a:p>
+            <a:endParaRPr lang="en-US" dirty="0"/>
+          </a:p>
+          <a:p>
+            <a:r>
+              <a:rPr lang="en-US" dirty="0" smtClean="0"/>
+              <a:t>Implication:</a:t>
+            </a:r>
+          </a:p>
+          <a:p>
+            <a:pPr lvl="1"/>
+            <a:r>
+              <a:rPr lang="en-US" dirty="0" smtClean="0"/>
+              <a:t>Google API not available for Intel </a:t>
+            </a:r>
+            <a:r>
+              <a:rPr lang="en-US" smtClean="0"/>
+              <a:t>based platform</a:t>
+            </a:r>
+            <a:endParaRPr lang="en-US" dirty="0" smtClean="0"/>
+          </a:p>
+        </p:txBody>
+      </p:sp>
+      <p:sp>
+        <p:nvSpPr>
+          <p:cNvPr id="4" name="Slide Number Placeholder 3"/>
+          <p:cNvSpPr>
+            <a:spLocks noGrp="1"/>
+          </p:cNvSpPr>
+          <p:nvPr>
+            <p:ph type="sldNum" sz="quarter" idx="12"/>
+          </p:nvPr>
+        </p:nvSpPr>
+        <p:spPr/>
+        <p:txBody>
+          <a:bodyPr/>
+          <a:lstStyle/>
+          <a:p>
+            <a:fld id="{52DB1A75-B9BE-46B1-B482-5F96E51FA4B2}" type="slidenum">
+              <a:rPr lang="en-US" smtClean="0"/>
+              <a:t>47</a:t>
+            </a:fld>
+            <a:endParaRPr lang="en-US"/>
+          </a:p>
+        </p:txBody>
+      </p:sp>
+    </p:spTree>
+    <p:extLst>
+      <p:ext uri="{BB962C8B-B14F-4D97-AF65-F5344CB8AC3E}">
+        <p14:creationId xmlns:p14="http://schemas.microsoft.com/office/powerpoint/2010/main" val="1421971875"/>
       </p:ext>
     </p:extLst>
   </p:cSld>
@@ -12525,149 +12601,6 @@
           <a:lstStyle/>
           <a:p>
             <a:r>
-              <a:rPr lang="en-US" dirty="0"/>
-              <a:t>Fixing the Slow Emulator</a:t>
-            </a:r>
-          </a:p>
-        </p:txBody>
-      </p:sp>
-      <p:sp>
-        <p:nvSpPr>
-          <p:cNvPr id="3" name="Content Placeholder 2"/>
-          <p:cNvSpPr>
-            <a:spLocks noGrp="1"/>
-          </p:cNvSpPr>
-          <p:nvPr>
-            <p:ph idx="1"/>
-          </p:nvPr>
-        </p:nvSpPr>
-        <p:spPr/>
-        <p:txBody>
-          <a:bodyPr/>
-          <a:lstStyle/>
-          <a:p>
-            <a:r>
-              <a:rPr lang="en-US" dirty="0"/>
-              <a:t>Traverse to C:\</a:t>
-            </a:r>
-            <a:r>
-              <a:rPr lang="en-US" dirty="0" smtClean="0"/>
-              <a:t>android\sdk\extras\intel\Hardware_Accelerated_Execution_Manager</a:t>
-            </a:r>
-          </a:p>
-          <a:p>
-            <a:r>
-              <a:rPr lang="en-US" dirty="0" smtClean="0"/>
-              <a:t>Execute the installer and follow instructions</a:t>
-            </a:r>
-          </a:p>
-          <a:p>
-            <a:endParaRPr lang="en-US" dirty="0"/>
-          </a:p>
-          <a:p>
-            <a:r>
-              <a:rPr lang="en-US" dirty="0" smtClean="0"/>
-              <a:t>Implication:</a:t>
-            </a:r>
-          </a:p>
-          <a:p>
-            <a:pPr lvl="1"/>
-            <a:r>
-              <a:rPr lang="en-US" dirty="0" smtClean="0"/>
-              <a:t>Google API not available for Intel </a:t>
-            </a:r>
-            <a:r>
-              <a:rPr lang="en-US" smtClean="0"/>
-              <a:t>based platform</a:t>
-            </a:r>
-            <a:endParaRPr lang="en-US" dirty="0" smtClean="0"/>
-          </a:p>
-        </p:txBody>
-      </p:sp>
-      <p:sp>
-        <p:nvSpPr>
-          <p:cNvPr id="4" name="Slide Number Placeholder 3"/>
-          <p:cNvSpPr>
-            <a:spLocks noGrp="1"/>
-          </p:cNvSpPr>
-          <p:nvPr>
-            <p:ph type="sldNum" sz="quarter" idx="12"/>
-          </p:nvPr>
-        </p:nvSpPr>
-        <p:spPr/>
-        <p:txBody>
-          <a:bodyPr/>
-          <a:lstStyle/>
-          <a:p>
-            <a:fld id="{52DB1A75-B9BE-46B1-B482-5F96E51FA4B2}" type="slidenum">
-              <a:rPr lang="en-US" smtClean="0"/>
-              <a:t>48</a:t>
-            </a:fld>
-            <a:endParaRPr lang="en-US"/>
-          </a:p>
-        </p:txBody>
-      </p:sp>
-    </p:spTree>
-    <p:extLst>
-      <p:ext uri="{BB962C8B-B14F-4D97-AF65-F5344CB8AC3E}">
-        <p14:creationId xmlns:p14="http://schemas.microsoft.com/office/powerpoint/2010/main" val="1421971875"/>
-      </p:ext>
-    </p:extLst>
-  </p:cSld>
-  <p:clrMapOvr>
-    <a:masterClrMapping/>
-  </p:clrMapOvr>
-  <mc:AlternateContent xmlns:mc="http://schemas.openxmlformats.org/markup-compatibility/2006" xmlns:p14="http://schemas.microsoft.com/office/powerpoint/2010/main">
-    <mc:Choice Requires="p14">
-      <p:transition spd="slow" p14:dur="2000"/>
-    </mc:Choice>
-    <mc:Fallback xmlns="">
-      <p:transition spd="slow"/>
-    </mc:Fallback>
-  </mc:AlternateContent>
-  <p:timing>
-    <p:tnLst>
-      <p:par>
-        <p:cTn id="1" dur="indefinite" restart="never" nodeType="tmRoot"/>
-      </p:par>
-    </p:tnLst>
-  </p:timing>
-</p:sld>
-</file>
-
-<file path=ppt/slides/slide49.xml><?xml version="1.0" encoding="utf-8"?>
-<p:sld xmlns:a="http://schemas.openxmlformats.org/drawingml/2006/main" xmlns:r="http://schemas.openxmlformats.org/officeDocument/2006/relationships" xmlns:p="http://schemas.openxmlformats.org/presentationml/2006/main" show="0">
-  <p:cSld>
-    <p:spTree>
-      <p:nvGrpSpPr>
-        <p:cNvPr id="1" name=""/>
-        <p:cNvGrpSpPr/>
-        <p:nvPr/>
-      </p:nvGrpSpPr>
-      <p:grpSpPr>
-        <a:xfrm>
-          <a:off x="0" y="0"/>
-          <a:ext cx="0" cy="0"/>
-          <a:chOff x="0" y="0"/>
-          <a:chExt cx="0" cy="0"/>
-        </a:xfrm>
-      </p:grpSpPr>
-      <p:sp>
-        <p:nvSpPr>
-          <p:cNvPr id="2" name="Title 1"/>
-          <p:cNvSpPr>
-            <a:spLocks noGrp="1"/>
-          </p:cNvSpPr>
-          <p:nvPr>
-            <p:ph type="title"/>
-          </p:nvPr>
-        </p:nvSpPr>
-        <p:spPr/>
-        <p:txBody>
-          <a:bodyPr/>
-          <a:lstStyle/>
-          <a:p>
-            <a:r>
               <a:rPr lang="en-US" dirty="0" smtClean="0"/>
               <a:t>The ADB </a:t>
             </a:r>
@@ -12755,7 +12688,7 @@
           <a:p>
             <a:fld id="{52DB1A75-B9BE-46B1-B482-5F96E51FA4B2}" type="slidenum">
               <a:rPr lang="en-US" smtClean="0"/>
-              <a:t>49</a:t>
+              <a:t>48</a:t>
             </a:fld>
             <a:endParaRPr lang="en-US"/>
           </a:p>
